--- a/Presentacion corporativa.pptx
+++ b/Presentacion corporativa.pptx
@@ -7,9 +7,12 @@
   <p:sldIdLst>
     <p:sldId id="256" r:id="rId2"/>
     <p:sldId id="257" r:id="rId3"/>
-    <p:sldId id="260" r:id="rId4"/>
-    <p:sldId id="258" r:id="rId5"/>
-    <p:sldId id="259" r:id="rId6"/>
+    <p:sldId id="261" r:id="rId4"/>
+    <p:sldId id="262" r:id="rId5"/>
+    <p:sldId id="263" r:id="rId6"/>
+    <p:sldId id="260" r:id="rId7"/>
+    <p:sldId id="264" r:id="rId8"/>
+    <p:sldId id="258" r:id="rId9"/>
   </p:sldIdLst>
   <p:sldSz cx="12192000" cy="6858000"/>
   <p:notesSz cx="6858000" cy="9144000"/>
@@ -3373,7 +3376,12 @@
           <a:lstStyle/>
           <a:p>
             <a:r>
-              <a:rPr lang="es-CO" dirty="0"/>
+              <a:rPr lang="es-CO" dirty="0">
+                <a:solidFill>
+                  <a:srgbClr val="020D43"/>
+                </a:solidFill>
+                <a:latin typeface="Nunito" pitchFamily="2" charset="0"/>
+              </a:rPr>
               <a:t>Resultados reto técnico</a:t>
             </a:r>
           </a:p>
@@ -3401,23 +3409,123 @@
           <a:lstStyle/>
           <a:p>
             <a:r>
-              <a:rPr lang="es-CO" dirty="0"/>
+              <a:rPr lang="es-CO" dirty="0">
+                <a:solidFill>
+                  <a:srgbClr val="020D43"/>
+                </a:solidFill>
+                <a:latin typeface="Nunito" pitchFamily="2" charset="0"/>
+              </a:rPr>
               <a:t>Científico de datos</a:t>
             </a:r>
             <a:br>
-              <a:rPr lang="es-CO" dirty="0"/>
+              <a:rPr lang="es-CO" dirty="0">
+                <a:solidFill>
+                  <a:srgbClr val="020D43"/>
+                </a:solidFill>
+                <a:latin typeface="Nunito" pitchFamily="2" charset="0"/>
+              </a:rPr>
             </a:br>
             <a:r>
-              <a:rPr lang="es-CO" dirty="0" err="1"/>
+              <a:rPr lang="es-CO" dirty="0" err="1">
+                <a:solidFill>
+                  <a:srgbClr val="020D43"/>
+                </a:solidFill>
+                <a:latin typeface="Nunito" pitchFamily="2" charset="0"/>
+              </a:rPr>
               <a:t>Dacodes</a:t>
             </a:r>
             <a:br>
-              <a:rPr lang="es-CO" dirty="0"/>
+              <a:rPr lang="es-CO" dirty="0">
+                <a:solidFill>
+                  <a:srgbClr val="020D43"/>
+                </a:solidFill>
+                <a:latin typeface="Nunito" pitchFamily="2" charset="0"/>
+              </a:rPr>
             </a:br>
             <a:r>
-              <a:rPr lang="es-CO" dirty="0"/>
+              <a:rPr lang="es-CO" dirty="0">
+                <a:solidFill>
+                  <a:srgbClr val="020D43"/>
+                </a:solidFill>
+                <a:latin typeface="Nunito" pitchFamily="2" charset="0"/>
+              </a:rPr>
               <a:t>Ingeniera de sistemas Leidy Romero</a:t>
             </a:r>
+          </a:p>
+        </p:txBody>
+      </p:sp>
+      <p:pic>
+        <p:nvPicPr>
+          <p:cNvPr id="4" name="Picture 3">
+            <a:extLst>
+              <a:ext uri="{FF2B5EF4-FFF2-40B4-BE49-F238E27FC236}">
+                <a16:creationId xmlns:a16="http://schemas.microsoft.com/office/drawing/2014/main" id="{0BCFD9D5-A0B2-9590-E2F5-1A2B3956F16F}"/>
+              </a:ext>
+            </a:extLst>
+          </p:cNvPr>
+          <p:cNvPicPr>
+            <a:picLocks noChangeAspect="1"/>
+          </p:cNvPicPr>
+          <p:nvPr/>
+        </p:nvPicPr>
+        <p:blipFill>
+          <a:blip r:embed="rId2"/>
+          <a:stretch>
+            <a:fillRect/>
+          </a:stretch>
+        </p:blipFill>
+        <p:spPr>
+          <a:xfrm>
+            <a:off x="11049803" y="241336"/>
+            <a:ext cx="587139" cy="601460"/>
+          </a:xfrm>
+          <a:prstGeom prst="rect">
+            <a:avLst/>
+          </a:prstGeom>
+        </p:spPr>
+      </p:pic>
+      <p:sp>
+        <p:nvSpPr>
+          <p:cNvPr id="6" name="TextBox 5">
+            <a:extLst>
+              <a:ext uri="{FF2B5EF4-FFF2-40B4-BE49-F238E27FC236}">
+                <a16:creationId xmlns:a16="http://schemas.microsoft.com/office/drawing/2014/main" id="{6502ED48-A2C8-A473-4A29-CCC50161CF1C}"/>
+              </a:ext>
+            </a:extLst>
+          </p:cNvPr>
+          <p:cNvSpPr txBox="1"/>
+          <p:nvPr/>
+        </p:nvSpPr>
+        <p:spPr>
+          <a:xfrm>
+            <a:off x="11365831" y="6247332"/>
+            <a:ext cx="334879" cy="369332"/>
+          </a:xfrm>
+          <a:prstGeom prst="rect">
+            <a:avLst/>
+          </a:prstGeom>
+          <a:noFill/>
+        </p:spPr>
+        <p:txBody>
+          <a:bodyPr wrap="square">
+            <a:spAutoFit/>
+          </a:bodyPr>
+          <a:lstStyle/>
+          <a:p>
+            <a:r>
+              <a:rPr lang="es-CO" dirty="0">
+                <a:solidFill>
+                  <a:srgbClr val="26E5CE"/>
+                </a:solidFill>
+                <a:latin typeface="Nunito" pitchFamily="2" charset="0"/>
+              </a:rPr>
+              <a:t>1</a:t>
+            </a:r>
+            <a:endParaRPr lang="es-CO" dirty="0">
+              <a:solidFill>
+                <a:srgbClr val="26E5CE"/>
+              </a:solidFill>
+            </a:endParaRPr>
           </a:p>
         </p:txBody>
       </p:sp>
@@ -3473,160 +3581,14 @@
           <a:lstStyle/>
           <a:p>
             <a:r>
-              <a:rPr lang="es-CO" dirty="0"/>
-              <a:t>Pregunta 1</a:t>
-            </a:r>
-          </a:p>
-        </p:txBody>
-      </p:sp>
-      <p:sp>
-        <p:nvSpPr>
-          <p:cNvPr id="3" name="Content Placeholder 2">
-            <a:extLst>
-              <a:ext uri="{FF2B5EF4-FFF2-40B4-BE49-F238E27FC236}">
-                <a16:creationId xmlns:a16="http://schemas.microsoft.com/office/drawing/2014/main" id="{7039893B-8A45-2AB8-DF28-26124A33BCC6}"/>
-              </a:ext>
-            </a:extLst>
-          </p:cNvPr>
-          <p:cNvSpPr>
-            <a:spLocks noGrp="1"/>
-          </p:cNvSpPr>
-          <p:nvPr>
-            <p:ph idx="1"/>
-          </p:nvPr>
-        </p:nvSpPr>
-        <p:spPr>
-          <a:xfrm>
-            <a:off x="741249" y="5258540"/>
-            <a:ext cx="4842805" cy="689740"/>
-          </a:xfrm>
-        </p:spPr>
-        <p:txBody>
-          <a:bodyPr/>
-          <a:lstStyle/>
-          <a:p>
-            <a:pPr marL="0" indent="0">
-              <a:buNone/>
-            </a:pPr>
-            <a:r>
-              <a:rPr lang="es-CO" sz="1800" b="0" dirty="0" err="1">
-                <a:effectLst/>
+              <a:rPr lang="es-CO" dirty="0">
+                <a:solidFill>
+                  <a:srgbClr val="020D43"/>
+                </a:solidFill>
                 <a:latin typeface="Nunito" pitchFamily="2" charset="0"/>
               </a:rPr>
-              <a:t>parking_lots</a:t>
-            </a:r>
-            <a:r>
-              <a:rPr lang="es-CO" sz="1800" b="0" dirty="0">
-                <a:effectLst/>
-                <a:latin typeface="Nunito" pitchFamily="2" charset="0"/>
-              </a:rPr>
-              <a:t>, </a:t>
-            </a:r>
-            <a:r>
-              <a:rPr lang="es-CO" sz="1800" b="0" dirty="0" err="1">
-                <a:effectLst/>
-                <a:latin typeface="Nunito" pitchFamily="2" charset="0"/>
-              </a:rPr>
-              <a:t>lon</a:t>
-            </a:r>
-            <a:r>
-              <a:rPr lang="es-CO" sz="1800" b="0" dirty="0">
-                <a:effectLst/>
-                <a:latin typeface="Nunito" pitchFamily="2" charset="0"/>
-              </a:rPr>
-              <a:t>, </a:t>
-            </a:r>
-            <a:r>
-              <a:rPr lang="es-CO" sz="1800" b="0" dirty="0" err="1">
-                <a:effectLst/>
-                <a:latin typeface="Nunito" pitchFamily="2" charset="0"/>
-              </a:rPr>
-              <a:t>lat</a:t>
-            </a:r>
-            <a:r>
-              <a:rPr lang="es-CO" sz="1800" b="0" dirty="0">
-                <a:effectLst/>
-                <a:latin typeface="Nunito" pitchFamily="2" charset="0"/>
-              </a:rPr>
-              <a:t>, </a:t>
-            </a:r>
-            <a:r>
-              <a:rPr lang="es-CO" sz="1800" b="0" dirty="0" err="1">
-                <a:effectLst/>
-                <a:latin typeface="Nunito" pitchFamily="2" charset="0"/>
-              </a:rPr>
-              <a:t>location</a:t>
-            </a:r>
-            <a:r>
-              <a:rPr lang="es-CO" sz="1800" b="0" dirty="0">
-                <a:effectLst/>
-                <a:latin typeface="Nunito" pitchFamily="2" charset="0"/>
-              </a:rPr>
-              <a:t>, </a:t>
-            </a:r>
-            <a:r>
-              <a:rPr lang="es-CO" sz="1800" b="0" dirty="0" err="1">
-                <a:effectLst/>
-                <a:latin typeface="Nunito" pitchFamily="2" charset="0"/>
-              </a:rPr>
-              <a:t>description</a:t>
-            </a:r>
-            <a:r>
-              <a:rPr lang="es-CO" sz="1800" b="0" dirty="0">
-                <a:effectLst/>
-                <a:latin typeface="Nunito" pitchFamily="2" charset="0"/>
-              </a:rPr>
-              <a:t>, </a:t>
-            </a:r>
-            <a:r>
-              <a:rPr lang="es-CO" sz="1800" b="0" dirty="0" err="1">
-                <a:effectLst/>
-                <a:latin typeface="Nunito" pitchFamily="2" charset="0"/>
-              </a:rPr>
-              <a:t>vendor</a:t>
-            </a:r>
-            <a:r>
-              <a:rPr lang="es-CO" sz="1800" b="0" dirty="0">
-                <a:effectLst/>
-                <a:latin typeface="Nunito" pitchFamily="2" charset="0"/>
-              </a:rPr>
-              <a:t>, </a:t>
-            </a:r>
-            <a:r>
-              <a:rPr lang="es-CO" sz="1800" b="0" dirty="0" err="1">
-                <a:effectLst/>
-                <a:latin typeface="Nunito" pitchFamily="2" charset="0"/>
-              </a:rPr>
-              <a:t>since_period</a:t>
-            </a:r>
-            <a:r>
-              <a:rPr lang="es-CO" sz="1800" b="0" dirty="0">
-                <a:effectLst/>
-                <a:latin typeface="Nunito" pitchFamily="2" charset="0"/>
-              </a:rPr>
-              <a:t>, </a:t>
-            </a:r>
-            <a:r>
-              <a:rPr lang="es-CO" sz="1800" b="0" dirty="0" err="1">
-                <a:effectLst/>
-                <a:latin typeface="Nunito" pitchFamily="2" charset="0"/>
-              </a:rPr>
-              <a:t>amenities</a:t>
-            </a:r>
-            <a:endParaRPr lang="es-CO" sz="1800" b="0" dirty="0">
-              <a:effectLst/>
-              <a:latin typeface="Nunito" pitchFamily="2" charset="0"/>
-            </a:endParaRPr>
-          </a:p>
-          <a:p>
-            <a:endParaRPr lang="es-CO" sz="1800" dirty="0">
-              <a:latin typeface="Nunito" pitchFamily="2" charset="0"/>
-            </a:endParaRPr>
-          </a:p>
-          <a:p>
-            <a:endParaRPr lang="es-CO" dirty="0">
-              <a:latin typeface="Nunito" pitchFamily="2" charset="0"/>
-            </a:endParaRPr>
+              <a:t>Pregunta 1</a:t>
+            </a:r>
           </a:p>
         </p:txBody>
       </p:sp>
@@ -3646,7 +3608,7 @@
         </p:nvSpPr>
         <p:spPr>
           <a:xfrm>
-            <a:off x="838200" y="1599460"/>
+            <a:off x="4284044" y="1848277"/>
             <a:ext cx="5735855" cy="416093"/>
           </a:xfrm>
           <a:prstGeom prst="rect">
@@ -3827,6 +3789,9 @@
             </a:pPr>
             <a:r>
               <a:rPr lang="es-CO" sz="1800" b="1" dirty="0">
+                <a:solidFill>
+                  <a:srgbClr val="020D43"/>
+                </a:solidFill>
                 <a:latin typeface="Nunito" pitchFamily="2" charset="0"/>
               </a:rPr>
               <a:t>Precio por m2 = precio final / m2</a:t>
@@ -3834,126 +3799,6 @@
           </a:p>
         </p:txBody>
       </p:sp>
-      <p:pic>
-        <p:nvPicPr>
-          <p:cNvPr id="8" name="Picture 7">
-            <a:extLst>
-              <a:ext uri="{FF2B5EF4-FFF2-40B4-BE49-F238E27FC236}">
-                <a16:creationId xmlns:a16="http://schemas.microsoft.com/office/drawing/2014/main" id="{94AA386E-6591-C226-56D1-47BA93176932}"/>
-              </a:ext>
-            </a:extLst>
-          </p:cNvPr>
-          <p:cNvPicPr>
-            <a:picLocks noChangeAspect="1"/>
-          </p:cNvPicPr>
-          <p:nvPr/>
-        </p:nvPicPr>
-        <p:blipFill>
-          <a:blip r:embed="rId2"/>
-          <a:stretch>
-            <a:fillRect/>
-          </a:stretch>
-        </p:blipFill>
-        <p:spPr>
-          <a:xfrm>
-            <a:off x="6809173" y="2686026"/>
-            <a:ext cx="4181346" cy="3861787"/>
-          </a:xfrm>
-          <a:prstGeom prst="rect">
-            <a:avLst/>
-          </a:prstGeom>
-        </p:spPr>
-      </p:pic>
-      <p:pic>
-        <p:nvPicPr>
-          <p:cNvPr id="10" name="Picture 9">
-            <a:extLst>
-              <a:ext uri="{FF2B5EF4-FFF2-40B4-BE49-F238E27FC236}">
-                <a16:creationId xmlns:a16="http://schemas.microsoft.com/office/drawing/2014/main" id="{BFFCD4B9-6DC0-2103-2EAF-C7C9C085CF1E}"/>
-              </a:ext>
-            </a:extLst>
-          </p:cNvPr>
-          <p:cNvPicPr>
-            <a:picLocks noChangeAspect="1"/>
-          </p:cNvPicPr>
-          <p:nvPr/>
-        </p:nvPicPr>
-        <p:blipFill>
-          <a:blip r:embed="rId3"/>
-          <a:stretch>
-            <a:fillRect/>
-          </a:stretch>
-        </p:blipFill>
-        <p:spPr>
-          <a:xfrm>
-            <a:off x="838200" y="2303173"/>
-            <a:ext cx="1783979" cy="2061102"/>
-          </a:xfrm>
-          <a:prstGeom prst="rect">
-            <a:avLst/>
-          </a:prstGeom>
-        </p:spPr>
-      </p:pic>
-      <p:pic>
-        <p:nvPicPr>
-          <p:cNvPr id="14" name="Picture 13">
-            <a:extLst>
-              <a:ext uri="{FF2B5EF4-FFF2-40B4-BE49-F238E27FC236}">
-                <a16:creationId xmlns:a16="http://schemas.microsoft.com/office/drawing/2014/main" id="{44C2B4E7-5B77-3159-88C7-0769C283F853}"/>
-              </a:ext>
-            </a:extLst>
-          </p:cNvPr>
-          <p:cNvPicPr>
-            <a:picLocks noChangeAspect="1"/>
-          </p:cNvPicPr>
-          <p:nvPr/>
-        </p:nvPicPr>
-        <p:blipFill>
-          <a:blip r:embed="rId4"/>
-          <a:stretch>
-            <a:fillRect/>
-          </a:stretch>
-        </p:blipFill>
-        <p:spPr>
-          <a:xfrm>
-            <a:off x="3038188" y="2100661"/>
-            <a:ext cx="3192471" cy="2566197"/>
-          </a:xfrm>
-          <a:prstGeom prst="rect">
-            <a:avLst/>
-          </a:prstGeom>
-        </p:spPr>
-      </p:pic>
-      <p:pic>
-        <p:nvPicPr>
-          <p:cNvPr id="16" name="Picture 15">
-            <a:extLst>
-              <a:ext uri="{FF2B5EF4-FFF2-40B4-BE49-F238E27FC236}">
-                <a16:creationId xmlns:a16="http://schemas.microsoft.com/office/drawing/2014/main" id="{7CE57754-0365-0C8B-46B2-8C7F0454B7E8}"/>
-              </a:ext>
-            </a:extLst>
-          </p:cNvPr>
-          <p:cNvPicPr>
-            <a:picLocks noChangeAspect="1"/>
-          </p:cNvPicPr>
-          <p:nvPr/>
-        </p:nvPicPr>
-        <p:blipFill>
-          <a:blip r:embed="rId5"/>
-          <a:stretch>
-            <a:fillRect/>
-          </a:stretch>
-        </p:blipFill>
-        <p:spPr>
-          <a:xfrm>
-            <a:off x="6874395" y="1430189"/>
-            <a:ext cx="4687409" cy="930972"/>
-          </a:xfrm>
-          <a:prstGeom prst="rect">
-            <a:avLst/>
-          </a:prstGeom>
-        </p:spPr>
-      </p:pic>
       <p:sp>
         <p:nvSpPr>
           <p:cNvPr id="20" name="TextBox 19">
@@ -4008,6 +3853,1212 @@
           </a:p>
         </p:txBody>
       </p:sp>
+      <p:graphicFrame>
+        <p:nvGraphicFramePr>
+          <p:cNvPr id="24" name="Table 24">
+            <a:extLst>
+              <a:ext uri="{FF2B5EF4-FFF2-40B4-BE49-F238E27FC236}">
+                <a16:creationId xmlns:a16="http://schemas.microsoft.com/office/drawing/2014/main" id="{6EF7F485-D7EF-F856-AC25-00C930E3B138}"/>
+              </a:ext>
+            </a:extLst>
+          </p:cNvPr>
+          <p:cNvGraphicFramePr>
+            <a:graphicFrameLocks noGrp="1"/>
+          </p:cNvGraphicFramePr>
+          <p:nvPr>
+            <p:extLst>
+              <p:ext uri="{D42A27DB-BD31-4B8C-83A1-F6EECF244321}">
+                <p14:modId xmlns:p14="http://schemas.microsoft.com/office/powerpoint/2010/main" val="324758516"/>
+              </p:ext>
+            </p:extLst>
+          </p:nvPr>
+        </p:nvGraphicFramePr>
+        <p:xfrm>
+          <a:off x="915202" y="2736656"/>
+          <a:ext cx="10721740" cy="2118360"/>
+        </p:xfrm>
+        <a:graphic>
+          <a:graphicData uri="http://schemas.openxmlformats.org/drawingml/2006/table">
+            <a:tbl>
+              <a:tblPr firstRow="1" bandRow="1">
+                <a:tableStyleId>{5C22544A-7EE6-4342-B048-85BDC9FD1C3A}</a:tableStyleId>
+              </a:tblPr>
+              <a:tblGrid>
+                <a:gridCol w="1072174">
+                  <a:extLst>
+                    <a:ext uri="{9D8B030D-6E8A-4147-A177-3AD203B41FA5}">
+                      <a16:colId xmlns:a16="http://schemas.microsoft.com/office/drawing/2014/main" val="2611773945"/>
+                    </a:ext>
+                  </a:extLst>
+                </a:gridCol>
+                <a:gridCol w="1160085">
+                  <a:extLst>
+                    <a:ext uri="{9D8B030D-6E8A-4147-A177-3AD203B41FA5}">
+                      <a16:colId xmlns:a16="http://schemas.microsoft.com/office/drawing/2014/main" val="3957258113"/>
+                    </a:ext>
+                  </a:extLst>
+                </a:gridCol>
+                <a:gridCol w="404261">
+                  <a:extLst>
+                    <a:ext uri="{9D8B030D-6E8A-4147-A177-3AD203B41FA5}">
+                      <a16:colId xmlns:a16="http://schemas.microsoft.com/office/drawing/2014/main" val="3687487268"/>
+                    </a:ext>
+                  </a:extLst>
+                </a:gridCol>
+                <a:gridCol w="1135781">
+                  <a:extLst>
+                    <a:ext uri="{9D8B030D-6E8A-4147-A177-3AD203B41FA5}">
+                      <a16:colId xmlns:a16="http://schemas.microsoft.com/office/drawing/2014/main" val="1076731034"/>
+                    </a:ext>
+                  </a:extLst>
+                </a:gridCol>
+                <a:gridCol w="943276">
+                  <a:extLst>
+                    <a:ext uri="{9D8B030D-6E8A-4147-A177-3AD203B41FA5}">
+                      <a16:colId xmlns:a16="http://schemas.microsoft.com/office/drawing/2014/main" val="2128360488"/>
+                    </a:ext>
+                  </a:extLst>
+                </a:gridCol>
+                <a:gridCol w="1241659">
+                  <a:extLst>
+                    <a:ext uri="{9D8B030D-6E8A-4147-A177-3AD203B41FA5}">
+                      <a16:colId xmlns:a16="http://schemas.microsoft.com/office/drawing/2014/main" val="366221926"/>
+                    </a:ext>
+                  </a:extLst>
+                </a:gridCol>
+                <a:gridCol w="1299410">
+                  <a:extLst>
+                    <a:ext uri="{9D8B030D-6E8A-4147-A177-3AD203B41FA5}">
+                      <a16:colId xmlns:a16="http://schemas.microsoft.com/office/drawing/2014/main" val="3254854851"/>
+                    </a:ext>
+                  </a:extLst>
+                </a:gridCol>
+                <a:gridCol w="875899">
+                  <a:extLst>
+                    <a:ext uri="{9D8B030D-6E8A-4147-A177-3AD203B41FA5}">
+                      <a16:colId xmlns:a16="http://schemas.microsoft.com/office/drawing/2014/main" val="3883292555"/>
+                    </a:ext>
+                  </a:extLst>
+                </a:gridCol>
+                <a:gridCol w="1232034">
+                  <a:extLst>
+                    <a:ext uri="{9D8B030D-6E8A-4147-A177-3AD203B41FA5}">
+                      <a16:colId xmlns:a16="http://schemas.microsoft.com/office/drawing/2014/main" val="2679836764"/>
+                    </a:ext>
+                  </a:extLst>
+                </a:gridCol>
+                <a:gridCol w="1357161">
+                  <a:extLst>
+                    <a:ext uri="{9D8B030D-6E8A-4147-A177-3AD203B41FA5}">
+                      <a16:colId xmlns:a16="http://schemas.microsoft.com/office/drawing/2014/main" val="572643100"/>
+                    </a:ext>
+                  </a:extLst>
+                </a:gridCol>
+              </a:tblGrid>
+              <a:tr h="370840">
+                <a:tc gridSpan="10">
+                  <a:txBody>
+                    <a:bodyPr/>
+                    <a:lstStyle/>
+                    <a:p>
+                      <a:pPr marL="0" marR="0" lvl="0" indent="0" algn="l" defTabSz="914400" rtl="0" eaLnBrk="1" fontAlgn="auto" latinLnBrk="0" hangingPunct="1">
+                        <a:lnSpc>
+                          <a:spcPct val="100000"/>
+                        </a:lnSpc>
+                        <a:spcBef>
+                          <a:spcPts val="0"/>
+                        </a:spcBef>
+                        <a:spcAft>
+                          <a:spcPts val="0"/>
+                        </a:spcAft>
+                        <a:buClrTx/>
+                        <a:buSzTx/>
+                        <a:buFontTx/>
+                        <a:buNone/>
+                        <a:tabLst/>
+                        <a:defRPr/>
+                      </a:pPr>
+                      <a:r>
+                        <a:rPr lang="es-CO" b="0" dirty="0">
+                          <a:solidFill>
+                            <a:schemeClr val="bg1"/>
+                          </a:solidFill>
+                          <a:effectLst/>
+                          <a:latin typeface="Consolas" panose="020B0609020204030204" pitchFamily="49" charset="0"/>
+                        </a:rPr>
+                        <a:t>Variables relevantes según cada método:</a:t>
+                      </a:r>
+                    </a:p>
+                  </a:txBody>
+                  <a:tcPr>
+                    <a:solidFill>
+                      <a:srgbClr val="020D43"/>
+                    </a:solidFill>
+                  </a:tcPr>
+                </a:tc>
+                <a:tc hMerge="1">
+                  <a:txBody>
+                    <a:bodyPr/>
+                    <a:lstStyle/>
+                    <a:p>
+                      <a:endParaRPr lang="es-CO" sz="1200" dirty="0"/>
+                    </a:p>
+                  </a:txBody>
+                  <a:tcPr/>
+                </a:tc>
+                <a:tc hMerge="1">
+                  <a:txBody>
+                    <a:bodyPr/>
+                    <a:lstStyle/>
+                    <a:p>
+                      <a:endParaRPr lang="es-CO" sz="1200" dirty="0"/>
+                    </a:p>
+                  </a:txBody>
+                  <a:tcPr/>
+                </a:tc>
+                <a:tc hMerge="1">
+                  <a:txBody>
+                    <a:bodyPr/>
+                    <a:lstStyle/>
+                    <a:p>
+                      <a:endParaRPr lang="es-CO" sz="1200" dirty="0"/>
+                    </a:p>
+                  </a:txBody>
+                  <a:tcPr/>
+                </a:tc>
+                <a:tc hMerge="1">
+                  <a:txBody>
+                    <a:bodyPr/>
+                    <a:lstStyle/>
+                    <a:p>
+                      <a:endParaRPr lang="es-CO" sz="1200" dirty="0"/>
+                    </a:p>
+                  </a:txBody>
+                  <a:tcPr/>
+                </a:tc>
+                <a:tc hMerge="1">
+                  <a:txBody>
+                    <a:bodyPr/>
+                    <a:lstStyle/>
+                    <a:p>
+                      <a:endParaRPr lang="es-CO" sz="1200" dirty="0"/>
+                    </a:p>
+                  </a:txBody>
+                  <a:tcPr/>
+                </a:tc>
+                <a:tc hMerge="1">
+                  <a:txBody>
+                    <a:bodyPr/>
+                    <a:lstStyle/>
+                    <a:p>
+                      <a:endParaRPr lang="es-CO" sz="1200" dirty="0"/>
+                    </a:p>
+                  </a:txBody>
+                  <a:tcPr/>
+                </a:tc>
+                <a:tc hMerge="1">
+                  <a:txBody>
+                    <a:bodyPr/>
+                    <a:lstStyle/>
+                    <a:p>
+                      <a:endParaRPr lang="es-CO" sz="1200" b="0" kern="1200" dirty="0">
+                        <a:solidFill>
+                          <a:srgbClr val="000000"/>
+                        </a:solidFill>
+                        <a:effectLst/>
+                        <a:latin typeface="Consolas" panose="020B0609020204030204" pitchFamily="49" charset="0"/>
+                        <a:ea typeface="+mn-ea"/>
+                        <a:cs typeface="+mn-cs"/>
+                      </a:endParaRPr>
+                    </a:p>
+                  </a:txBody>
+                  <a:tcPr/>
+                </a:tc>
+                <a:tc hMerge="1">
+                  <a:txBody>
+                    <a:bodyPr/>
+                    <a:lstStyle/>
+                    <a:p>
+                      <a:endParaRPr lang="es-CO" sz="1200" b="0" kern="1200" dirty="0">
+                        <a:solidFill>
+                          <a:srgbClr val="000000"/>
+                        </a:solidFill>
+                        <a:effectLst/>
+                        <a:latin typeface="Consolas" panose="020B0609020204030204" pitchFamily="49" charset="0"/>
+                        <a:ea typeface="+mn-ea"/>
+                        <a:cs typeface="+mn-cs"/>
+                      </a:endParaRPr>
+                    </a:p>
+                  </a:txBody>
+                  <a:tcPr/>
+                </a:tc>
+                <a:tc hMerge="1">
+                  <a:txBody>
+                    <a:bodyPr/>
+                    <a:lstStyle/>
+                    <a:p>
+                      <a:endParaRPr lang="es-CO" sz="1200" b="0" kern="1200" dirty="0">
+                        <a:solidFill>
+                          <a:srgbClr val="000000"/>
+                        </a:solidFill>
+                        <a:effectLst/>
+                        <a:latin typeface="Consolas" panose="020B0609020204030204" pitchFamily="49" charset="0"/>
+                        <a:ea typeface="+mn-ea"/>
+                        <a:cs typeface="+mn-cs"/>
+                      </a:endParaRPr>
+                    </a:p>
+                  </a:txBody>
+                  <a:tcPr/>
+                </a:tc>
+                <a:extLst>
+                  <a:ext uri="{0D108BD9-81ED-4DB2-BD59-A6C34878D82A}">
+                    <a16:rowId xmlns:a16="http://schemas.microsoft.com/office/drawing/2014/main" val="148600770"/>
+                  </a:ext>
+                </a:extLst>
+              </a:tr>
+              <a:tr h="370840">
+                <a:tc>
+                  <a:txBody>
+                    <a:bodyPr/>
+                    <a:lstStyle/>
+                    <a:p>
+                      <a:r>
+                        <a:rPr lang="es-CO" dirty="0"/>
+                        <a:t>Lasso</a:t>
+                      </a:r>
+                    </a:p>
+                  </a:txBody>
+                  <a:tcPr>
+                    <a:solidFill>
+                      <a:srgbClr val="D6FAF6"/>
+                    </a:solidFill>
+                  </a:tcPr>
+                </a:tc>
+                <a:tc>
+                  <a:txBody>
+                    <a:bodyPr/>
+                    <a:lstStyle/>
+                    <a:p>
+                      <a:r>
+                        <a:rPr lang="es-CO" sz="1200" b="0" dirty="0" err="1">
+                          <a:solidFill>
+                            <a:srgbClr val="000000"/>
+                          </a:solidFill>
+                          <a:effectLst/>
+                          <a:latin typeface="Consolas" panose="020B0609020204030204" pitchFamily="49" charset="0"/>
+                        </a:rPr>
+                        <a:t>final_price</a:t>
+                      </a:r>
+                      <a:endParaRPr lang="es-CO" sz="1200" dirty="0"/>
+                    </a:p>
+                  </a:txBody>
+                  <a:tcPr>
+                    <a:solidFill>
+                      <a:srgbClr val="D6FAF6"/>
+                    </a:solidFill>
+                  </a:tcPr>
+                </a:tc>
+                <a:tc>
+                  <a:txBody>
+                    <a:bodyPr/>
+                    <a:lstStyle/>
+                    <a:p>
+                      <a:r>
+                        <a:rPr lang="es-CO" sz="1200" b="0" dirty="0">
+                          <a:solidFill>
+                            <a:srgbClr val="000000"/>
+                          </a:solidFill>
+                          <a:effectLst/>
+                          <a:latin typeface="Consolas" panose="020B0609020204030204" pitchFamily="49" charset="0"/>
+                        </a:rPr>
+                        <a:t>m2</a:t>
+                      </a:r>
+                      <a:endParaRPr lang="es-CO" sz="1200" dirty="0"/>
+                    </a:p>
+                  </a:txBody>
+                  <a:tcPr>
+                    <a:solidFill>
+                      <a:srgbClr val="D6FAF6"/>
+                    </a:solidFill>
+                  </a:tcPr>
+                </a:tc>
+                <a:tc>
+                  <a:txBody>
+                    <a:bodyPr/>
+                    <a:lstStyle/>
+                    <a:p>
+                      <a:r>
+                        <a:rPr lang="es-CO" sz="1200" b="0" dirty="0" err="1">
+                          <a:solidFill>
+                            <a:srgbClr val="000000"/>
+                          </a:solidFill>
+                          <a:effectLst/>
+                          <a:latin typeface="Consolas" panose="020B0609020204030204" pitchFamily="49" charset="0"/>
+                        </a:rPr>
+                        <a:t>since_value</a:t>
+                      </a:r>
+                      <a:endParaRPr lang="es-CO" sz="1200" dirty="0"/>
+                    </a:p>
+                  </a:txBody>
+                  <a:tcPr>
+                    <a:solidFill>
+                      <a:srgbClr val="D6FAF6"/>
+                    </a:solidFill>
+                  </a:tcPr>
+                </a:tc>
+                <a:tc>
+                  <a:txBody>
+                    <a:bodyPr/>
+                    <a:lstStyle/>
+                    <a:p>
+                      <a:r>
+                        <a:rPr lang="es-CO" sz="1200" b="0" dirty="0" err="1">
+                          <a:solidFill>
+                            <a:srgbClr val="000000"/>
+                          </a:solidFill>
+                          <a:effectLst/>
+                          <a:latin typeface="Consolas" panose="020B0609020204030204" pitchFamily="49" charset="0"/>
+                        </a:rPr>
+                        <a:t>bathrooms</a:t>
+                      </a:r>
+                      <a:endParaRPr lang="es-CO" sz="1200" dirty="0"/>
+                    </a:p>
+                  </a:txBody>
+                  <a:tcPr>
+                    <a:solidFill>
+                      <a:srgbClr val="D6FAF6"/>
+                    </a:solidFill>
+                  </a:tcPr>
+                </a:tc>
+                <a:tc>
+                  <a:txBody>
+                    <a:bodyPr/>
+                    <a:lstStyle/>
+                    <a:p>
+                      <a:r>
+                        <a:rPr lang="es-CO" sz="1200" b="0" dirty="0" err="1">
+                          <a:solidFill>
+                            <a:srgbClr val="000000"/>
+                          </a:solidFill>
+                          <a:effectLst/>
+                          <a:latin typeface="Consolas" panose="020B0609020204030204" pitchFamily="49" charset="0"/>
+                        </a:rPr>
+                        <a:t>num_bedrooms</a:t>
+                      </a:r>
+                      <a:endParaRPr lang="es-CO" sz="1200" dirty="0"/>
+                    </a:p>
+                  </a:txBody>
+                  <a:tcPr>
+                    <a:solidFill>
+                      <a:srgbClr val="D6FAF6"/>
+                    </a:solidFill>
+                  </a:tcPr>
+                </a:tc>
+                <a:tc>
+                  <a:txBody>
+                    <a:bodyPr/>
+                    <a:lstStyle/>
+                    <a:p>
+                      <a:r>
+                        <a:rPr lang="es-CO" sz="1200" b="0" dirty="0" err="1">
+                          <a:solidFill>
+                            <a:srgbClr val="000000"/>
+                          </a:solidFill>
+                          <a:effectLst/>
+                          <a:latin typeface="Consolas" panose="020B0609020204030204" pitchFamily="49" charset="0"/>
+                        </a:rPr>
+                        <a:t>days_on_site</a:t>
+                      </a:r>
+                      <a:endParaRPr lang="es-CO" sz="1200" dirty="0"/>
+                    </a:p>
+                  </a:txBody>
+                  <a:tcPr>
+                    <a:solidFill>
+                      <a:srgbClr val="D6FAF6"/>
+                    </a:solidFill>
+                  </a:tcPr>
+                </a:tc>
+                <a:tc>
+                  <a:txBody>
+                    <a:bodyPr/>
+                    <a:lstStyle/>
+                    <a:p>
+                      <a:r>
+                        <a:rPr lang="es-CO" sz="1200" b="0" kern="1200" dirty="0" err="1">
+                          <a:solidFill>
+                            <a:srgbClr val="000000"/>
+                          </a:solidFill>
+                          <a:effectLst/>
+                          <a:latin typeface="Consolas" panose="020B0609020204030204" pitchFamily="49" charset="0"/>
+                          <a:ea typeface="+mn-ea"/>
+                          <a:cs typeface="+mn-cs"/>
+                        </a:rPr>
+                        <a:t>lon</a:t>
+                      </a:r>
+                      <a:r>
+                        <a:rPr lang="es-CO" sz="1200" b="0" kern="1200" dirty="0">
+                          <a:solidFill>
+                            <a:srgbClr val="000000"/>
+                          </a:solidFill>
+                          <a:effectLst/>
+                          <a:latin typeface="Consolas" panose="020B0609020204030204" pitchFamily="49" charset="0"/>
+                          <a:ea typeface="+mn-ea"/>
+                          <a:cs typeface="+mn-cs"/>
+                        </a:rPr>
+                        <a:t>, </a:t>
+                      </a:r>
+                      <a:r>
+                        <a:rPr lang="es-CO" sz="1200" b="0" kern="1200" dirty="0" err="1">
+                          <a:solidFill>
+                            <a:srgbClr val="000000"/>
+                          </a:solidFill>
+                          <a:effectLst/>
+                          <a:latin typeface="Consolas" panose="020B0609020204030204" pitchFamily="49" charset="0"/>
+                          <a:ea typeface="+mn-ea"/>
+                          <a:cs typeface="+mn-cs"/>
+                        </a:rPr>
+                        <a:t>lat</a:t>
+                      </a:r>
+                      <a:endParaRPr lang="es-CO" sz="1200" b="0" kern="1200" dirty="0">
+                        <a:solidFill>
+                          <a:srgbClr val="000000"/>
+                        </a:solidFill>
+                        <a:effectLst/>
+                        <a:latin typeface="Consolas" panose="020B0609020204030204" pitchFamily="49" charset="0"/>
+                        <a:ea typeface="+mn-ea"/>
+                        <a:cs typeface="+mn-cs"/>
+                      </a:endParaRPr>
+                    </a:p>
+                  </a:txBody>
+                  <a:tcPr>
+                    <a:solidFill>
+                      <a:srgbClr val="D6FAF6"/>
+                    </a:solidFill>
+                  </a:tcPr>
+                </a:tc>
+                <a:tc>
+                  <a:txBody>
+                    <a:bodyPr/>
+                    <a:lstStyle/>
+                    <a:p>
+                      <a:r>
+                        <a:rPr lang="es-CO" sz="1200" b="0" dirty="0" err="1">
+                          <a:solidFill>
+                            <a:srgbClr val="000000"/>
+                          </a:solidFill>
+                          <a:effectLst/>
+                          <a:latin typeface="Consolas" panose="020B0609020204030204" pitchFamily="49" charset="0"/>
+                        </a:rPr>
+                        <a:t>parking_lots</a:t>
+                      </a:r>
+                      <a:endParaRPr lang="es-CO" sz="1200" b="0" kern="1200" dirty="0">
+                        <a:solidFill>
+                          <a:srgbClr val="000000"/>
+                        </a:solidFill>
+                        <a:effectLst/>
+                        <a:latin typeface="Consolas" panose="020B0609020204030204" pitchFamily="49" charset="0"/>
+                        <a:ea typeface="+mn-ea"/>
+                        <a:cs typeface="+mn-cs"/>
+                      </a:endParaRPr>
+                    </a:p>
+                  </a:txBody>
+                  <a:tcPr>
+                    <a:solidFill>
+                      <a:srgbClr val="D6FAF6"/>
+                    </a:solidFill>
+                  </a:tcPr>
+                </a:tc>
+                <a:tc>
+                  <a:txBody>
+                    <a:bodyPr/>
+                    <a:lstStyle/>
+                    <a:p>
+                      <a:endParaRPr lang="es-CO" sz="1200" b="0" kern="1200">
+                        <a:solidFill>
+                          <a:srgbClr val="000000"/>
+                        </a:solidFill>
+                        <a:effectLst/>
+                        <a:latin typeface="Consolas" panose="020B0609020204030204" pitchFamily="49" charset="0"/>
+                        <a:ea typeface="+mn-ea"/>
+                        <a:cs typeface="+mn-cs"/>
+                      </a:endParaRPr>
+                    </a:p>
+                  </a:txBody>
+                  <a:tcPr>
+                    <a:solidFill>
+                      <a:srgbClr val="D6FAF6"/>
+                    </a:solidFill>
+                  </a:tcPr>
+                </a:tc>
+                <a:extLst>
+                  <a:ext uri="{0D108BD9-81ED-4DB2-BD59-A6C34878D82A}">
+                    <a16:rowId xmlns:a16="http://schemas.microsoft.com/office/drawing/2014/main" val="3205435106"/>
+                  </a:ext>
+                </a:extLst>
+              </a:tr>
+              <a:tr h="370840">
+                <a:tc>
+                  <a:txBody>
+                    <a:bodyPr/>
+                    <a:lstStyle/>
+                    <a:p>
+                      <a:r>
+                        <a:rPr lang="es-CO" dirty="0"/>
+                        <a:t>Árboles</a:t>
+                      </a:r>
+                    </a:p>
+                  </a:txBody>
+                  <a:tcPr>
+                    <a:solidFill>
+                      <a:srgbClr val="A6F4EB"/>
+                    </a:solidFill>
+                  </a:tcPr>
+                </a:tc>
+                <a:tc>
+                  <a:txBody>
+                    <a:bodyPr/>
+                    <a:lstStyle/>
+                    <a:p>
+                      <a:r>
+                        <a:rPr lang="es-CO" sz="1200" b="0" dirty="0" err="1">
+                          <a:solidFill>
+                            <a:srgbClr val="000000"/>
+                          </a:solidFill>
+                          <a:effectLst/>
+                          <a:latin typeface="Consolas" panose="020B0609020204030204" pitchFamily="49" charset="0"/>
+                        </a:rPr>
+                        <a:t>final_price</a:t>
+                      </a:r>
+                      <a:endParaRPr lang="es-CO" sz="1200" dirty="0"/>
+                    </a:p>
+                  </a:txBody>
+                  <a:tcPr>
+                    <a:solidFill>
+                      <a:srgbClr val="A6F4EB"/>
+                    </a:solidFill>
+                  </a:tcPr>
+                </a:tc>
+                <a:tc>
+                  <a:txBody>
+                    <a:bodyPr/>
+                    <a:lstStyle/>
+                    <a:p>
+                      <a:r>
+                        <a:rPr lang="es-CO" sz="1200" b="0" dirty="0">
+                          <a:solidFill>
+                            <a:srgbClr val="000000"/>
+                          </a:solidFill>
+                          <a:effectLst/>
+                          <a:latin typeface="Consolas" panose="020B0609020204030204" pitchFamily="49" charset="0"/>
+                        </a:rPr>
+                        <a:t>m2</a:t>
+                      </a:r>
+                      <a:endParaRPr lang="es-CO" sz="1200" dirty="0"/>
+                    </a:p>
+                  </a:txBody>
+                  <a:tcPr>
+                    <a:solidFill>
+                      <a:srgbClr val="A6F4EB"/>
+                    </a:solidFill>
+                  </a:tcPr>
+                </a:tc>
+                <a:tc>
+                  <a:txBody>
+                    <a:bodyPr/>
+                    <a:lstStyle/>
+                    <a:p>
+                      <a:r>
+                        <a:rPr lang="es-CO" sz="1200" b="0" dirty="0" err="1">
+                          <a:solidFill>
+                            <a:srgbClr val="000000"/>
+                          </a:solidFill>
+                          <a:effectLst/>
+                          <a:latin typeface="Consolas" panose="020B0609020204030204" pitchFamily="49" charset="0"/>
+                        </a:rPr>
+                        <a:t>since_value</a:t>
+                      </a:r>
+                      <a:endParaRPr lang="es-CO" sz="1200" dirty="0"/>
+                    </a:p>
+                  </a:txBody>
+                  <a:tcPr>
+                    <a:solidFill>
+                      <a:srgbClr val="A6F4EB"/>
+                    </a:solidFill>
+                  </a:tcPr>
+                </a:tc>
+                <a:tc>
+                  <a:txBody>
+                    <a:bodyPr/>
+                    <a:lstStyle/>
+                    <a:p>
+                      <a:r>
+                        <a:rPr lang="es-CO" sz="1200" b="0" dirty="0" err="1">
+                          <a:solidFill>
+                            <a:srgbClr val="000000"/>
+                          </a:solidFill>
+                          <a:effectLst/>
+                          <a:latin typeface="Consolas" panose="020B0609020204030204" pitchFamily="49" charset="0"/>
+                        </a:rPr>
+                        <a:t>bathrooms</a:t>
+                      </a:r>
+                      <a:endParaRPr lang="es-CO" sz="1200" dirty="0"/>
+                    </a:p>
+                  </a:txBody>
+                  <a:tcPr>
+                    <a:solidFill>
+                      <a:srgbClr val="A6F4EB"/>
+                    </a:solidFill>
+                  </a:tcPr>
+                </a:tc>
+                <a:tc>
+                  <a:txBody>
+                    <a:bodyPr/>
+                    <a:lstStyle/>
+                    <a:p>
+                      <a:r>
+                        <a:rPr lang="es-CO" sz="1200" b="0" dirty="0" err="1">
+                          <a:solidFill>
+                            <a:srgbClr val="000000"/>
+                          </a:solidFill>
+                          <a:effectLst/>
+                          <a:latin typeface="Consolas" panose="020B0609020204030204" pitchFamily="49" charset="0"/>
+                        </a:rPr>
+                        <a:t>num_bedrooms</a:t>
+                      </a:r>
+                      <a:endParaRPr lang="es-CO" sz="1200" dirty="0"/>
+                    </a:p>
+                  </a:txBody>
+                  <a:tcPr>
+                    <a:solidFill>
+                      <a:srgbClr val="A6F4EB"/>
+                    </a:solidFill>
+                  </a:tcPr>
+                </a:tc>
+                <a:tc>
+                  <a:txBody>
+                    <a:bodyPr/>
+                    <a:lstStyle/>
+                    <a:p>
+                      <a:r>
+                        <a:rPr lang="es-CO" sz="1200" b="0" dirty="0" err="1">
+                          <a:solidFill>
+                            <a:srgbClr val="000000"/>
+                          </a:solidFill>
+                          <a:effectLst/>
+                          <a:latin typeface="Consolas" panose="020B0609020204030204" pitchFamily="49" charset="0"/>
+                        </a:rPr>
+                        <a:t>days_on_site</a:t>
+                      </a:r>
+                      <a:endParaRPr lang="es-CO" sz="1200" dirty="0"/>
+                    </a:p>
+                  </a:txBody>
+                  <a:tcPr>
+                    <a:solidFill>
+                      <a:srgbClr val="A6F4EB"/>
+                    </a:solidFill>
+                  </a:tcPr>
+                </a:tc>
+                <a:tc>
+                  <a:txBody>
+                    <a:bodyPr/>
+                    <a:lstStyle/>
+                    <a:p>
+                      <a:endParaRPr lang="es-CO" sz="1200" b="0" kern="1200" dirty="0">
+                        <a:solidFill>
+                          <a:srgbClr val="000000"/>
+                        </a:solidFill>
+                        <a:effectLst/>
+                        <a:latin typeface="Consolas" panose="020B0609020204030204" pitchFamily="49" charset="0"/>
+                        <a:ea typeface="+mn-ea"/>
+                        <a:cs typeface="+mn-cs"/>
+                      </a:endParaRPr>
+                    </a:p>
+                  </a:txBody>
+                  <a:tcPr>
+                    <a:solidFill>
+                      <a:srgbClr val="A6F4EB"/>
+                    </a:solidFill>
+                  </a:tcPr>
+                </a:tc>
+                <a:tc>
+                  <a:txBody>
+                    <a:bodyPr/>
+                    <a:lstStyle/>
+                    <a:p>
+                      <a:r>
+                        <a:rPr lang="es-CO" sz="1200" b="0" dirty="0" err="1">
+                          <a:solidFill>
+                            <a:srgbClr val="000000"/>
+                          </a:solidFill>
+                          <a:effectLst/>
+                          <a:latin typeface="Consolas" panose="020B0609020204030204" pitchFamily="49" charset="0"/>
+                        </a:rPr>
+                        <a:t>parking_lots</a:t>
+                      </a:r>
+                      <a:endParaRPr lang="es-CO" sz="1200" b="0" kern="1200" dirty="0">
+                        <a:solidFill>
+                          <a:srgbClr val="000000"/>
+                        </a:solidFill>
+                        <a:effectLst/>
+                        <a:latin typeface="Consolas" panose="020B0609020204030204" pitchFamily="49" charset="0"/>
+                        <a:ea typeface="+mn-ea"/>
+                        <a:cs typeface="+mn-cs"/>
+                      </a:endParaRPr>
+                    </a:p>
+                  </a:txBody>
+                  <a:tcPr>
+                    <a:solidFill>
+                      <a:srgbClr val="A6F4EB"/>
+                    </a:solidFill>
+                  </a:tcPr>
+                </a:tc>
+                <a:tc>
+                  <a:txBody>
+                    <a:bodyPr/>
+                    <a:lstStyle/>
+                    <a:p>
+                      <a:endParaRPr lang="es-CO" sz="1200" b="0" kern="1200" dirty="0">
+                        <a:solidFill>
+                          <a:srgbClr val="000000"/>
+                        </a:solidFill>
+                        <a:effectLst/>
+                        <a:latin typeface="Consolas" panose="020B0609020204030204" pitchFamily="49" charset="0"/>
+                        <a:ea typeface="+mn-ea"/>
+                        <a:cs typeface="+mn-cs"/>
+                      </a:endParaRPr>
+                    </a:p>
+                  </a:txBody>
+                  <a:tcPr>
+                    <a:solidFill>
+                      <a:srgbClr val="A6F4EB"/>
+                    </a:solidFill>
+                  </a:tcPr>
+                </a:tc>
+                <a:extLst>
+                  <a:ext uri="{0D108BD9-81ED-4DB2-BD59-A6C34878D82A}">
+                    <a16:rowId xmlns:a16="http://schemas.microsoft.com/office/drawing/2014/main" val="2534638667"/>
+                  </a:ext>
+                </a:extLst>
+              </a:tr>
+              <a:tr h="370840">
+                <a:tc>
+                  <a:txBody>
+                    <a:bodyPr/>
+                    <a:lstStyle/>
+                    <a:p>
+                      <a:r>
+                        <a:rPr lang="es-CO" dirty="0"/>
+                        <a:t>ANOVA</a:t>
+                      </a:r>
+                    </a:p>
+                  </a:txBody>
+                  <a:tcPr>
+                    <a:solidFill>
+                      <a:srgbClr val="D6FAF6"/>
+                    </a:solidFill>
+                  </a:tcPr>
+                </a:tc>
+                <a:tc>
+                  <a:txBody>
+                    <a:bodyPr/>
+                    <a:lstStyle/>
+                    <a:p>
+                      <a:r>
+                        <a:rPr lang="es-CO" sz="1200" b="0" dirty="0" err="1">
+                          <a:solidFill>
+                            <a:srgbClr val="000000"/>
+                          </a:solidFill>
+                          <a:effectLst/>
+                          <a:latin typeface="Consolas" panose="020B0609020204030204" pitchFamily="49" charset="0"/>
+                        </a:rPr>
+                        <a:t>final_price</a:t>
+                      </a:r>
+                      <a:endParaRPr lang="es-CO" sz="1200" dirty="0"/>
+                    </a:p>
+                  </a:txBody>
+                  <a:tcPr>
+                    <a:solidFill>
+                      <a:srgbClr val="D6FAF6"/>
+                    </a:solidFill>
+                  </a:tcPr>
+                </a:tc>
+                <a:tc>
+                  <a:txBody>
+                    <a:bodyPr/>
+                    <a:lstStyle/>
+                    <a:p>
+                      <a:r>
+                        <a:rPr lang="es-CO" sz="1200" b="0" dirty="0">
+                          <a:solidFill>
+                            <a:srgbClr val="000000"/>
+                          </a:solidFill>
+                          <a:effectLst/>
+                          <a:latin typeface="Consolas" panose="020B0609020204030204" pitchFamily="49" charset="0"/>
+                        </a:rPr>
+                        <a:t>m2</a:t>
+                      </a:r>
+                      <a:endParaRPr lang="es-CO" sz="1200" dirty="0"/>
+                    </a:p>
+                  </a:txBody>
+                  <a:tcPr>
+                    <a:solidFill>
+                      <a:srgbClr val="D6FAF6"/>
+                    </a:solidFill>
+                  </a:tcPr>
+                </a:tc>
+                <a:tc>
+                  <a:txBody>
+                    <a:bodyPr/>
+                    <a:lstStyle/>
+                    <a:p>
+                      <a:r>
+                        <a:rPr lang="es-CO" sz="1200" b="0" dirty="0" err="1">
+                          <a:solidFill>
+                            <a:srgbClr val="000000"/>
+                          </a:solidFill>
+                          <a:effectLst/>
+                          <a:latin typeface="Consolas" panose="020B0609020204030204" pitchFamily="49" charset="0"/>
+                        </a:rPr>
+                        <a:t>since_value</a:t>
+                      </a:r>
+                      <a:endParaRPr lang="es-CO" sz="1200" dirty="0"/>
+                    </a:p>
+                  </a:txBody>
+                  <a:tcPr>
+                    <a:solidFill>
+                      <a:srgbClr val="D6FAF6"/>
+                    </a:solidFill>
+                  </a:tcPr>
+                </a:tc>
+                <a:tc>
+                  <a:txBody>
+                    <a:bodyPr/>
+                    <a:lstStyle/>
+                    <a:p>
+                      <a:r>
+                        <a:rPr lang="es-CO" sz="1200" b="0" dirty="0" err="1">
+                          <a:solidFill>
+                            <a:srgbClr val="000000"/>
+                          </a:solidFill>
+                          <a:effectLst/>
+                          <a:latin typeface="Consolas" panose="020B0609020204030204" pitchFamily="49" charset="0"/>
+                        </a:rPr>
+                        <a:t>bathrooms</a:t>
+                      </a:r>
+                      <a:endParaRPr lang="es-CO" sz="1200" dirty="0"/>
+                    </a:p>
+                  </a:txBody>
+                  <a:tcPr>
+                    <a:solidFill>
+                      <a:srgbClr val="D6FAF6"/>
+                    </a:solidFill>
+                  </a:tcPr>
+                </a:tc>
+                <a:tc>
+                  <a:txBody>
+                    <a:bodyPr/>
+                    <a:lstStyle/>
+                    <a:p>
+                      <a:r>
+                        <a:rPr lang="es-CO" sz="1200" b="0" dirty="0" err="1">
+                          <a:solidFill>
+                            <a:srgbClr val="000000"/>
+                          </a:solidFill>
+                          <a:effectLst/>
+                          <a:latin typeface="Consolas" panose="020B0609020204030204" pitchFamily="49" charset="0"/>
+                        </a:rPr>
+                        <a:t>num_bedrooms</a:t>
+                      </a:r>
+                      <a:endParaRPr lang="es-CO" sz="1200" dirty="0"/>
+                    </a:p>
+                  </a:txBody>
+                  <a:tcPr>
+                    <a:solidFill>
+                      <a:srgbClr val="D6FAF6"/>
+                    </a:solidFill>
+                  </a:tcPr>
+                </a:tc>
+                <a:tc>
+                  <a:txBody>
+                    <a:bodyPr/>
+                    <a:lstStyle/>
+                    <a:p>
+                      <a:r>
+                        <a:rPr lang="es-CO" sz="1200" b="0" dirty="0" err="1">
+                          <a:solidFill>
+                            <a:srgbClr val="000000"/>
+                          </a:solidFill>
+                          <a:effectLst/>
+                          <a:latin typeface="Consolas" panose="020B0609020204030204" pitchFamily="49" charset="0"/>
+                        </a:rPr>
+                        <a:t>days_on_site</a:t>
+                      </a:r>
+                      <a:endParaRPr lang="es-CO" sz="1200" dirty="0"/>
+                    </a:p>
+                  </a:txBody>
+                  <a:tcPr>
+                    <a:solidFill>
+                      <a:srgbClr val="D6FAF6"/>
+                    </a:solidFill>
+                  </a:tcPr>
+                </a:tc>
+                <a:tc>
+                  <a:txBody>
+                    <a:bodyPr/>
+                    <a:lstStyle/>
+                    <a:p>
+                      <a:r>
+                        <a:rPr lang="es-CO" sz="1200" b="0" kern="1200" dirty="0" err="1">
+                          <a:solidFill>
+                            <a:srgbClr val="000000"/>
+                          </a:solidFill>
+                          <a:effectLst/>
+                          <a:latin typeface="Consolas" panose="020B0609020204030204" pitchFamily="49" charset="0"/>
+                          <a:ea typeface="+mn-ea"/>
+                          <a:cs typeface="+mn-cs"/>
+                        </a:rPr>
+                        <a:t>lon</a:t>
+                      </a:r>
+                      <a:r>
+                        <a:rPr lang="es-CO" sz="1200" b="0" kern="1200" dirty="0">
+                          <a:solidFill>
+                            <a:srgbClr val="000000"/>
+                          </a:solidFill>
+                          <a:effectLst/>
+                          <a:latin typeface="Consolas" panose="020B0609020204030204" pitchFamily="49" charset="0"/>
+                          <a:ea typeface="+mn-ea"/>
+                          <a:cs typeface="+mn-cs"/>
+                        </a:rPr>
+                        <a:t>, </a:t>
+                      </a:r>
+                      <a:r>
+                        <a:rPr lang="es-CO" sz="1200" b="0" kern="1200" dirty="0" err="1">
+                          <a:solidFill>
+                            <a:srgbClr val="000000"/>
+                          </a:solidFill>
+                          <a:effectLst/>
+                          <a:latin typeface="Consolas" panose="020B0609020204030204" pitchFamily="49" charset="0"/>
+                          <a:ea typeface="+mn-ea"/>
+                          <a:cs typeface="+mn-cs"/>
+                        </a:rPr>
+                        <a:t>lat</a:t>
+                      </a:r>
+                      <a:endParaRPr lang="es-CO" sz="1200" b="0" kern="1200" dirty="0">
+                        <a:solidFill>
+                          <a:srgbClr val="000000"/>
+                        </a:solidFill>
+                        <a:effectLst/>
+                        <a:latin typeface="Consolas" panose="020B0609020204030204" pitchFamily="49" charset="0"/>
+                        <a:ea typeface="+mn-ea"/>
+                        <a:cs typeface="+mn-cs"/>
+                      </a:endParaRPr>
+                    </a:p>
+                  </a:txBody>
+                  <a:tcPr>
+                    <a:solidFill>
+                      <a:srgbClr val="D6FAF6"/>
+                    </a:solidFill>
+                  </a:tcPr>
+                </a:tc>
+                <a:tc>
+                  <a:txBody>
+                    <a:bodyPr/>
+                    <a:lstStyle/>
+                    <a:p>
+                      <a:endParaRPr lang="es-CO" sz="1200" b="0" kern="1200" dirty="0">
+                        <a:solidFill>
+                          <a:srgbClr val="000000"/>
+                        </a:solidFill>
+                        <a:effectLst/>
+                        <a:latin typeface="Consolas" panose="020B0609020204030204" pitchFamily="49" charset="0"/>
+                        <a:ea typeface="+mn-ea"/>
+                        <a:cs typeface="+mn-cs"/>
+                      </a:endParaRPr>
+                    </a:p>
+                  </a:txBody>
+                  <a:tcPr>
+                    <a:solidFill>
+                      <a:srgbClr val="D6FAF6"/>
+                    </a:solidFill>
+                  </a:tcPr>
+                </a:tc>
+                <a:tc>
+                  <a:txBody>
+                    <a:bodyPr/>
+                    <a:lstStyle/>
+                    <a:p>
+                      <a:r>
+                        <a:rPr lang="es-CO" sz="1200" b="0" dirty="0" err="1">
+                          <a:solidFill>
+                            <a:srgbClr val="000000"/>
+                          </a:solidFill>
+                          <a:effectLst/>
+                          <a:latin typeface="Consolas" panose="020B0609020204030204" pitchFamily="49" charset="0"/>
+                        </a:rPr>
+                        <a:t>location</a:t>
+                      </a:r>
+                      <a:r>
+                        <a:rPr lang="es-CO" sz="1200" b="0" dirty="0">
+                          <a:solidFill>
+                            <a:srgbClr val="000000"/>
+                          </a:solidFill>
+                          <a:effectLst/>
+                          <a:latin typeface="Consolas" panose="020B0609020204030204" pitchFamily="49" charset="0"/>
+                        </a:rPr>
+                        <a:t>, </a:t>
+                      </a:r>
+                      <a:r>
+                        <a:rPr lang="es-CO" sz="1200" b="0" dirty="0" err="1">
+                          <a:solidFill>
+                            <a:srgbClr val="000000"/>
+                          </a:solidFill>
+                          <a:effectLst/>
+                          <a:latin typeface="Consolas" panose="020B0609020204030204" pitchFamily="49" charset="0"/>
+                        </a:rPr>
+                        <a:t>description</a:t>
+                      </a:r>
+                      <a:r>
+                        <a:rPr lang="es-CO" sz="1200" b="0" dirty="0">
+                          <a:solidFill>
+                            <a:srgbClr val="000000"/>
+                          </a:solidFill>
+                          <a:effectLst/>
+                          <a:latin typeface="Consolas" panose="020B0609020204030204" pitchFamily="49" charset="0"/>
+                        </a:rPr>
+                        <a:t>, </a:t>
+                      </a:r>
+                      <a:r>
+                        <a:rPr lang="es-CO" sz="1200" b="0" dirty="0" err="1">
+                          <a:solidFill>
+                            <a:srgbClr val="000000"/>
+                          </a:solidFill>
+                          <a:effectLst/>
+                          <a:latin typeface="Consolas" panose="020B0609020204030204" pitchFamily="49" charset="0"/>
+                        </a:rPr>
+                        <a:t>vendor,since_period</a:t>
+                      </a:r>
+                      <a:r>
+                        <a:rPr lang="es-CO" sz="1200" b="0" dirty="0">
+                          <a:solidFill>
+                            <a:srgbClr val="000000"/>
+                          </a:solidFill>
+                          <a:effectLst/>
+                          <a:latin typeface="Consolas" panose="020B0609020204030204" pitchFamily="49" charset="0"/>
+                        </a:rPr>
+                        <a:t>, </a:t>
+                      </a:r>
+                      <a:r>
+                        <a:rPr lang="es-CO" sz="1200" b="0" dirty="0" err="1">
+                          <a:solidFill>
+                            <a:srgbClr val="000000"/>
+                          </a:solidFill>
+                          <a:effectLst/>
+                          <a:latin typeface="Consolas" panose="020B0609020204030204" pitchFamily="49" charset="0"/>
+                        </a:rPr>
+                        <a:t>amenities</a:t>
+                      </a:r>
+                      <a:endParaRPr lang="es-CO" sz="1200" b="0" kern="1200" dirty="0">
+                        <a:solidFill>
+                          <a:srgbClr val="000000"/>
+                        </a:solidFill>
+                        <a:effectLst/>
+                        <a:latin typeface="Consolas" panose="020B0609020204030204" pitchFamily="49" charset="0"/>
+                        <a:ea typeface="+mn-ea"/>
+                        <a:cs typeface="+mn-cs"/>
+                      </a:endParaRPr>
+                    </a:p>
+                  </a:txBody>
+                  <a:tcPr>
+                    <a:solidFill>
+                      <a:srgbClr val="D6FAF6"/>
+                    </a:solidFill>
+                  </a:tcPr>
+                </a:tc>
+                <a:extLst>
+                  <a:ext uri="{0D108BD9-81ED-4DB2-BD59-A6C34878D82A}">
+                    <a16:rowId xmlns:a16="http://schemas.microsoft.com/office/drawing/2014/main" val="276183162"/>
+                  </a:ext>
+                </a:extLst>
+              </a:tr>
+            </a:tbl>
+          </a:graphicData>
+        </a:graphic>
+      </p:graphicFrame>
+      <p:pic>
+        <p:nvPicPr>
+          <p:cNvPr id="28" name="Picture 27">
+            <a:extLst>
+              <a:ext uri="{FF2B5EF4-FFF2-40B4-BE49-F238E27FC236}">
+                <a16:creationId xmlns:a16="http://schemas.microsoft.com/office/drawing/2014/main" id="{203ECDD2-EEED-5934-90DB-A72815FBACCE}"/>
+              </a:ext>
+            </a:extLst>
+          </p:cNvPr>
+          <p:cNvPicPr>
+            <a:picLocks noChangeAspect="1"/>
+          </p:cNvPicPr>
+          <p:nvPr/>
+        </p:nvPicPr>
+        <p:blipFill>
+          <a:blip r:embed="rId2"/>
+          <a:stretch>
+            <a:fillRect/>
+          </a:stretch>
+        </p:blipFill>
+        <p:spPr>
+          <a:xfrm>
+            <a:off x="11049803" y="241336"/>
+            <a:ext cx="587139" cy="601460"/>
+          </a:xfrm>
+          <a:prstGeom prst="rect">
+            <a:avLst/>
+          </a:prstGeom>
+        </p:spPr>
+      </p:pic>
+      <p:sp>
+        <p:nvSpPr>
+          <p:cNvPr id="31" name="TextBox 30">
+            <a:extLst>
+              <a:ext uri="{FF2B5EF4-FFF2-40B4-BE49-F238E27FC236}">
+                <a16:creationId xmlns:a16="http://schemas.microsoft.com/office/drawing/2014/main" id="{95EB9E1E-DF3E-6325-B182-87F28E09C00A}"/>
+              </a:ext>
+            </a:extLst>
+          </p:cNvPr>
+          <p:cNvSpPr txBox="1"/>
+          <p:nvPr/>
+        </p:nvSpPr>
+        <p:spPr>
+          <a:xfrm>
+            <a:off x="11365831" y="6247332"/>
+            <a:ext cx="334879" cy="369332"/>
+          </a:xfrm>
+          <a:prstGeom prst="rect">
+            <a:avLst/>
+          </a:prstGeom>
+          <a:noFill/>
+        </p:spPr>
+        <p:txBody>
+          <a:bodyPr wrap="square">
+            <a:spAutoFit/>
+          </a:bodyPr>
+          <a:lstStyle/>
+          <a:p>
+            <a:r>
+              <a:rPr lang="es-CO" dirty="0">
+                <a:solidFill>
+                  <a:srgbClr val="26E5CE"/>
+                </a:solidFill>
+                <a:latin typeface="Nunito" pitchFamily="2" charset="0"/>
+              </a:rPr>
+              <a:t>2</a:t>
+            </a:r>
+            <a:endParaRPr lang="es-CO" dirty="0">
+              <a:solidFill>
+                <a:srgbClr val="26E5CE"/>
+              </a:solidFill>
+            </a:endParaRPr>
+          </a:p>
+        </p:txBody>
+      </p:sp>
     </p:spTree>
     <p:extLst>
       <p:ext uri="{BB962C8B-B14F-4D97-AF65-F5344CB8AC3E}">
@@ -4022,7 +5073,7 @@
 </file>
 
 <file path=ppt/slides/slide3.xml><?xml version="1.0" encoding="utf-8"?>
-<p:sld xmlns:a="http://schemas.openxmlformats.org/drawingml/2006/main" xmlns:r="http://schemas.openxmlformats.org/officeDocument/2006/relationships" xmlns:p="http://schemas.openxmlformats.org/presentationml/2006/main" show="0">
+<p:sld xmlns:a="http://schemas.openxmlformats.org/drawingml/2006/main" xmlns:r="http://schemas.openxmlformats.org/officeDocument/2006/relationships" xmlns:p="http://schemas.openxmlformats.org/presentationml/2006/main">
   <p:cSld>
     <p:spTree>
       <p:nvGrpSpPr>
@@ -4060,7 +5111,3046 @@
           <a:lstStyle/>
           <a:p>
             <a:r>
-              <a:rPr lang="es-CO" dirty="0"/>
+              <a:rPr lang="es-CO" dirty="0">
+                <a:solidFill>
+                  <a:srgbClr val="020D43"/>
+                </a:solidFill>
+                <a:latin typeface="Nunito" pitchFamily="2" charset="0"/>
+              </a:rPr>
+              <a:t>Pregunta 1</a:t>
+            </a:r>
+          </a:p>
+        </p:txBody>
+      </p:sp>
+      <p:pic>
+        <p:nvPicPr>
+          <p:cNvPr id="10" name="Picture 9">
+            <a:extLst>
+              <a:ext uri="{FF2B5EF4-FFF2-40B4-BE49-F238E27FC236}">
+                <a16:creationId xmlns:a16="http://schemas.microsoft.com/office/drawing/2014/main" id="{BFFCD4B9-6DC0-2103-2EAF-C7C9C085CF1E}"/>
+              </a:ext>
+            </a:extLst>
+          </p:cNvPr>
+          <p:cNvPicPr>
+            <a:picLocks noChangeAspect="1"/>
+          </p:cNvPicPr>
+          <p:nvPr/>
+        </p:nvPicPr>
+        <p:blipFill>
+          <a:blip r:embed="rId2"/>
+          <a:stretch>
+            <a:fillRect/>
+          </a:stretch>
+        </p:blipFill>
+        <p:spPr>
+          <a:xfrm>
+            <a:off x="838200" y="2431833"/>
+            <a:ext cx="1977380" cy="2284546"/>
+          </a:xfrm>
+          <a:prstGeom prst="rect">
+            <a:avLst/>
+          </a:prstGeom>
+        </p:spPr>
+      </p:pic>
+      <p:pic>
+        <p:nvPicPr>
+          <p:cNvPr id="14" name="Picture 13">
+            <a:extLst>
+              <a:ext uri="{FF2B5EF4-FFF2-40B4-BE49-F238E27FC236}">
+                <a16:creationId xmlns:a16="http://schemas.microsoft.com/office/drawing/2014/main" id="{44C2B4E7-5B77-3159-88C7-0769C283F853}"/>
+              </a:ext>
+            </a:extLst>
+          </p:cNvPr>
+          <p:cNvPicPr>
+            <a:picLocks noChangeAspect="1"/>
+          </p:cNvPicPr>
+          <p:nvPr/>
+        </p:nvPicPr>
+        <p:blipFill>
+          <a:blip r:embed="rId3"/>
+          <a:stretch>
+            <a:fillRect/>
+          </a:stretch>
+        </p:blipFill>
+        <p:spPr>
+          <a:xfrm>
+            <a:off x="3115285" y="1631199"/>
+            <a:ext cx="5480075" cy="4405037"/>
+          </a:xfrm>
+          <a:prstGeom prst="rect">
+            <a:avLst/>
+          </a:prstGeom>
+        </p:spPr>
+      </p:pic>
+      <p:sp>
+        <p:nvSpPr>
+          <p:cNvPr id="20" name="TextBox 19">
+            <a:extLst>
+              <a:ext uri="{FF2B5EF4-FFF2-40B4-BE49-F238E27FC236}">
+                <a16:creationId xmlns:a16="http://schemas.microsoft.com/office/drawing/2014/main" id="{13FD53ED-5F20-910B-CD0E-AD93C3247991}"/>
+              </a:ext>
+            </a:extLst>
+          </p:cNvPr>
+          <p:cNvSpPr txBox="1"/>
+          <p:nvPr/>
+        </p:nvSpPr>
+        <p:spPr>
+          <a:xfrm>
+            <a:off x="309986" y="6276590"/>
+            <a:ext cx="10121276" cy="461665"/>
+          </a:xfrm>
+          <a:prstGeom prst="rect">
+            <a:avLst/>
+          </a:prstGeom>
+          <a:noFill/>
+        </p:spPr>
+        <p:txBody>
+          <a:bodyPr wrap="square">
+            <a:spAutoFit/>
+          </a:bodyPr>
+          <a:lstStyle/>
+          <a:p>
+            <a:r>
+              <a:rPr lang="es-CO" sz="1200" u="sng" dirty="0">
+                <a:solidFill>
+                  <a:srgbClr val="0070C0"/>
+                </a:solidFill>
+              </a:rPr>
+              <a:t>https://datos.cdmx.gob.mx/dataset/</a:t>
+            </a:r>
+            <a:br>
+              <a:rPr lang="es-CO" sz="1200" u="sng" dirty="0">
+                <a:solidFill>
+                  <a:srgbClr val="0070C0"/>
+                </a:solidFill>
+              </a:rPr>
+            </a:br>
+            <a:r>
+              <a:rPr lang="es-CO" sz="1200" u="sng" dirty="0">
+                <a:solidFill>
+                  <a:srgbClr val="0070C0"/>
+                </a:solidFill>
+              </a:rPr>
+              <a:t>https://www.kaggle.com/datasets/emmanuelleai/salarios-en-mexico?select=Salarios+en+Mexico.csv</a:t>
+            </a:r>
+          </a:p>
+        </p:txBody>
+      </p:sp>
+      <p:pic>
+        <p:nvPicPr>
+          <p:cNvPr id="5" name="Picture 4">
+            <a:extLst>
+              <a:ext uri="{FF2B5EF4-FFF2-40B4-BE49-F238E27FC236}">
+                <a16:creationId xmlns:a16="http://schemas.microsoft.com/office/drawing/2014/main" id="{214203DC-304F-A0E7-E7EC-63AE65097678}"/>
+              </a:ext>
+            </a:extLst>
+          </p:cNvPr>
+          <p:cNvPicPr>
+            <a:picLocks noChangeAspect="1"/>
+          </p:cNvPicPr>
+          <p:nvPr/>
+        </p:nvPicPr>
+        <p:blipFill>
+          <a:blip r:embed="rId4"/>
+          <a:stretch>
+            <a:fillRect/>
+          </a:stretch>
+        </p:blipFill>
+        <p:spPr>
+          <a:xfrm>
+            <a:off x="11049803" y="241336"/>
+            <a:ext cx="587139" cy="601460"/>
+          </a:xfrm>
+          <a:prstGeom prst="rect">
+            <a:avLst/>
+          </a:prstGeom>
+        </p:spPr>
+      </p:pic>
+      <p:sp>
+        <p:nvSpPr>
+          <p:cNvPr id="6" name="TextBox 5">
+            <a:extLst>
+              <a:ext uri="{FF2B5EF4-FFF2-40B4-BE49-F238E27FC236}">
+                <a16:creationId xmlns:a16="http://schemas.microsoft.com/office/drawing/2014/main" id="{82E87D74-55C5-1F3E-4B19-9337A434D793}"/>
+              </a:ext>
+            </a:extLst>
+          </p:cNvPr>
+          <p:cNvSpPr txBox="1"/>
+          <p:nvPr/>
+        </p:nvSpPr>
+        <p:spPr>
+          <a:xfrm>
+            <a:off x="11365831" y="6247332"/>
+            <a:ext cx="334879" cy="369332"/>
+          </a:xfrm>
+          <a:prstGeom prst="rect">
+            <a:avLst/>
+          </a:prstGeom>
+          <a:noFill/>
+        </p:spPr>
+        <p:txBody>
+          <a:bodyPr wrap="square">
+            <a:spAutoFit/>
+          </a:bodyPr>
+          <a:lstStyle/>
+          <a:p>
+            <a:r>
+              <a:rPr lang="es-CO" dirty="0">
+                <a:solidFill>
+                  <a:srgbClr val="26E5CE"/>
+                </a:solidFill>
+                <a:latin typeface="Nunito" pitchFamily="2" charset="0"/>
+              </a:rPr>
+              <a:t>3</a:t>
+            </a:r>
+          </a:p>
+        </p:txBody>
+      </p:sp>
+      <p:sp>
+        <p:nvSpPr>
+          <p:cNvPr id="11" name="Content Placeholder 2">
+            <a:extLst>
+              <a:ext uri="{FF2B5EF4-FFF2-40B4-BE49-F238E27FC236}">
+                <a16:creationId xmlns:a16="http://schemas.microsoft.com/office/drawing/2014/main" id="{920CE366-AF5D-02EE-C9C6-43F413B7C0D6}"/>
+              </a:ext>
+            </a:extLst>
+          </p:cNvPr>
+          <p:cNvSpPr txBox="1">
+            <a:spLocks/>
+          </p:cNvSpPr>
+          <p:nvPr/>
+        </p:nvSpPr>
+        <p:spPr>
+          <a:xfrm>
+            <a:off x="8913086" y="1645167"/>
+            <a:ext cx="2367816" cy="416093"/>
+          </a:xfrm>
+          <a:prstGeom prst="rect">
+            <a:avLst/>
+          </a:prstGeom>
+        </p:spPr>
+        <p:txBody>
+          <a:bodyPr vert="horz" lIns="91440" tIns="45720" rIns="91440" bIns="45720" rtlCol="0">
+            <a:noAutofit/>
+          </a:bodyPr>
+          <a:lstStyle>
+            <a:lvl1pPr marL="228600" indent="-228600" algn="l" defTabSz="914400" rtl="0" eaLnBrk="1" latinLnBrk="0" hangingPunct="1">
+              <a:lnSpc>
+                <a:spcPct val="90000"/>
+              </a:lnSpc>
+              <a:spcBef>
+                <a:spcPts val="1000"/>
+              </a:spcBef>
+              <a:buFont typeface="Arial" panose="020B0604020202020204" pitchFamily="34" charset="0"/>
+              <a:buChar char="•"/>
+              <a:defRPr sz="2800" kern="1200">
+                <a:solidFill>
+                  <a:schemeClr val="tx1"/>
+                </a:solidFill>
+                <a:latin typeface="+mn-lt"/>
+                <a:ea typeface="+mn-ea"/>
+                <a:cs typeface="+mn-cs"/>
+              </a:defRPr>
+            </a:lvl1pPr>
+            <a:lvl2pPr marL="685800" indent="-228600" algn="l" defTabSz="914400" rtl="0" eaLnBrk="1" latinLnBrk="0" hangingPunct="1">
+              <a:lnSpc>
+                <a:spcPct val="90000"/>
+              </a:lnSpc>
+              <a:spcBef>
+                <a:spcPts val="500"/>
+              </a:spcBef>
+              <a:buFont typeface="Arial" panose="020B0604020202020204" pitchFamily="34" charset="0"/>
+              <a:buChar char="•"/>
+              <a:defRPr sz="2400" kern="1200">
+                <a:solidFill>
+                  <a:schemeClr val="tx1"/>
+                </a:solidFill>
+                <a:latin typeface="+mn-lt"/>
+                <a:ea typeface="+mn-ea"/>
+                <a:cs typeface="+mn-cs"/>
+              </a:defRPr>
+            </a:lvl2pPr>
+            <a:lvl3pPr marL="1143000" indent="-228600" algn="l" defTabSz="914400" rtl="0" eaLnBrk="1" latinLnBrk="0" hangingPunct="1">
+              <a:lnSpc>
+                <a:spcPct val="90000"/>
+              </a:lnSpc>
+              <a:spcBef>
+                <a:spcPts val="500"/>
+              </a:spcBef>
+              <a:buFont typeface="Arial" panose="020B0604020202020204" pitchFamily="34" charset="0"/>
+              <a:buChar char="•"/>
+              <a:defRPr sz="2000" kern="1200">
+                <a:solidFill>
+                  <a:schemeClr val="tx1"/>
+                </a:solidFill>
+                <a:latin typeface="+mn-lt"/>
+                <a:ea typeface="+mn-ea"/>
+                <a:cs typeface="+mn-cs"/>
+              </a:defRPr>
+            </a:lvl3pPr>
+            <a:lvl4pPr marL="1600200" indent="-228600" algn="l" defTabSz="914400" rtl="0" eaLnBrk="1" latinLnBrk="0" hangingPunct="1">
+              <a:lnSpc>
+                <a:spcPct val="90000"/>
+              </a:lnSpc>
+              <a:spcBef>
+                <a:spcPts val="500"/>
+              </a:spcBef>
+              <a:buFont typeface="Arial" panose="020B0604020202020204" pitchFamily="34" charset="0"/>
+              <a:buChar char="•"/>
+              <a:defRPr sz="1800" kern="1200">
+                <a:solidFill>
+                  <a:schemeClr val="tx1"/>
+                </a:solidFill>
+                <a:latin typeface="+mn-lt"/>
+                <a:ea typeface="+mn-ea"/>
+                <a:cs typeface="+mn-cs"/>
+              </a:defRPr>
+            </a:lvl4pPr>
+            <a:lvl5pPr marL="2057400" indent="-228600" algn="l" defTabSz="914400" rtl="0" eaLnBrk="1" latinLnBrk="0" hangingPunct="1">
+              <a:lnSpc>
+                <a:spcPct val="90000"/>
+              </a:lnSpc>
+              <a:spcBef>
+                <a:spcPts val="500"/>
+              </a:spcBef>
+              <a:buFont typeface="Arial" panose="020B0604020202020204" pitchFamily="34" charset="0"/>
+              <a:buChar char="•"/>
+              <a:defRPr sz="1800" kern="1200">
+                <a:solidFill>
+                  <a:schemeClr val="tx1"/>
+                </a:solidFill>
+                <a:latin typeface="+mn-lt"/>
+                <a:ea typeface="+mn-ea"/>
+                <a:cs typeface="+mn-cs"/>
+              </a:defRPr>
+            </a:lvl5pPr>
+            <a:lvl6pPr marL="2514600" indent="-228600" algn="l" defTabSz="914400" rtl="0" eaLnBrk="1" latinLnBrk="0" hangingPunct="1">
+              <a:lnSpc>
+                <a:spcPct val="90000"/>
+              </a:lnSpc>
+              <a:spcBef>
+                <a:spcPts val="500"/>
+              </a:spcBef>
+              <a:buFont typeface="Arial" panose="020B0604020202020204" pitchFamily="34" charset="0"/>
+              <a:buChar char="•"/>
+              <a:defRPr sz="1800" kern="1200">
+                <a:solidFill>
+                  <a:schemeClr val="tx1"/>
+                </a:solidFill>
+                <a:latin typeface="+mn-lt"/>
+                <a:ea typeface="+mn-ea"/>
+                <a:cs typeface="+mn-cs"/>
+              </a:defRPr>
+            </a:lvl6pPr>
+            <a:lvl7pPr marL="2971800" indent="-228600" algn="l" defTabSz="914400" rtl="0" eaLnBrk="1" latinLnBrk="0" hangingPunct="1">
+              <a:lnSpc>
+                <a:spcPct val="90000"/>
+              </a:lnSpc>
+              <a:spcBef>
+                <a:spcPts val="500"/>
+              </a:spcBef>
+              <a:buFont typeface="Arial" panose="020B0604020202020204" pitchFamily="34" charset="0"/>
+              <a:buChar char="•"/>
+              <a:defRPr sz="1800" kern="1200">
+                <a:solidFill>
+                  <a:schemeClr val="tx1"/>
+                </a:solidFill>
+                <a:latin typeface="+mn-lt"/>
+                <a:ea typeface="+mn-ea"/>
+                <a:cs typeface="+mn-cs"/>
+              </a:defRPr>
+            </a:lvl7pPr>
+            <a:lvl8pPr marL="3429000" indent="-228600" algn="l" defTabSz="914400" rtl="0" eaLnBrk="1" latinLnBrk="0" hangingPunct="1">
+              <a:lnSpc>
+                <a:spcPct val="90000"/>
+              </a:lnSpc>
+              <a:spcBef>
+                <a:spcPts val="500"/>
+              </a:spcBef>
+              <a:buFont typeface="Arial" panose="020B0604020202020204" pitchFamily="34" charset="0"/>
+              <a:buChar char="•"/>
+              <a:defRPr sz="1800" kern="1200">
+                <a:solidFill>
+                  <a:schemeClr val="tx1"/>
+                </a:solidFill>
+                <a:latin typeface="+mn-lt"/>
+                <a:ea typeface="+mn-ea"/>
+                <a:cs typeface="+mn-cs"/>
+              </a:defRPr>
+            </a:lvl8pPr>
+            <a:lvl9pPr marL="3886200" indent="-228600" algn="l" defTabSz="914400" rtl="0" eaLnBrk="1" latinLnBrk="0" hangingPunct="1">
+              <a:lnSpc>
+                <a:spcPct val="90000"/>
+              </a:lnSpc>
+              <a:spcBef>
+                <a:spcPts val="500"/>
+              </a:spcBef>
+              <a:buFont typeface="Arial" panose="020B0604020202020204" pitchFamily="34" charset="0"/>
+              <a:buChar char="•"/>
+              <a:defRPr sz="1800" kern="1200">
+                <a:solidFill>
+                  <a:schemeClr val="tx1"/>
+                </a:solidFill>
+                <a:latin typeface="+mn-lt"/>
+                <a:ea typeface="+mn-ea"/>
+                <a:cs typeface="+mn-cs"/>
+              </a:defRPr>
+            </a:lvl9pPr>
+          </a:lstStyle>
+          <a:p>
+            <a:pPr marL="0" indent="0" algn="just">
+              <a:buNone/>
+            </a:pPr>
+            <a:r>
+              <a:rPr lang="es-CO" sz="1800" b="1" dirty="0">
+                <a:solidFill>
+                  <a:srgbClr val="26E5CE"/>
+                </a:solidFill>
+                <a:latin typeface="Nunito" pitchFamily="2" charset="0"/>
+              </a:rPr>
+              <a:t>Coeficientes iguales a cero</a:t>
+            </a:r>
+            <a:r>
+              <a:rPr lang="es-CO" sz="1800" b="1" dirty="0">
+                <a:solidFill>
+                  <a:srgbClr val="020D43"/>
+                </a:solidFill>
+                <a:latin typeface="Nunito" pitchFamily="2" charset="0"/>
+              </a:rPr>
+              <a:t> </a:t>
+            </a:r>
+            <a:r>
+              <a:rPr lang="es-CO" sz="1800" dirty="0">
+                <a:solidFill>
+                  <a:srgbClr val="020D43"/>
+                </a:solidFill>
+                <a:latin typeface="Nunito" pitchFamily="2" charset="0"/>
+              </a:rPr>
+              <a:t>nos  indican que esas variables no son relevantes</a:t>
+            </a:r>
+          </a:p>
+        </p:txBody>
+      </p:sp>
+      <p:sp>
+        <p:nvSpPr>
+          <p:cNvPr id="12" name="Content Placeholder 2">
+            <a:extLst>
+              <a:ext uri="{FF2B5EF4-FFF2-40B4-BE49-F238E27FC236}">
+                <a16:creationId xmlns:a16="http://schemas.microsoft.com/office/drawing/2014/main" id="{177C1BD8-D065-62B7-E0A7-4BE1E4A6E7E7}"/>
+              </a:ext>
+            </a:extLst>
+          </p:cNvPr>
+          <p:cNvSpPr txBox="1">
+            <a:spLocks/>
+          </p:cNvSpPr>
+          <p:nvPr/>
+        </p:nvSpPr>
+        <p:spPr>
+          <a:xfrm>
+            <a:off x="911098" y="1274595"/>
+            <a:ext cx="2367816" cy="416093"/>
+          </a:xfrm>
+          <a:prstGeom prst="rect">
+            <a:avLst/>
+          </a:prstGeom>
+        </p:spPr>
+        <p:txBody>
+          <a:bodyPr vert="horz" lIns="91440" tIns="45720" rIns="91440" bIns="45720" rtlCol="0">
+            <a:noAutofit/>
+          </a:bodyPr>
+          <a:lstStyle>
+            <a:lvl1pPr marL="228600" indent="-228600" algn="l" defTabSz="914400" rtl="0" eaLnBrk="1" latinLnBrk="0" hangingPunct="1">
+              <a:lnSpc>
+                <a:spcPct val="90000"/>
+              </a:lnSpc>
+              <a:spcBef>
+                <a:spcPts val="1000"/>
+              </a:spcBef>
+              <a:buFont typeface="Arial" panose="020B0604020202020204" pitchFamily="34" charset="0"/>
+              <a:buChar char="•"/>
+              <a:defRPr sz="2800" kern="1200">
+                <a:solidFill>
+                  <a:schemeClr val="tx1"/>
+                </a:solidFill>
+                <a:latin typeface="+mn-lt"/>
+                <a:ea typeface="+mn-ea"/>
+                <a:cs typeface="+mn-cs"/>
+              </a:defRPr>
+            </a:lvl1pPr>
+            <a:lvl2pPr marL="685800" indent="-228600" algn="l" defTabSz="914400" rtl="0" eaLnBrk="1" latinLnBrk="0" hangingPunct="1">
+              <a:lnSpc>
+                <a:spcPct val="90000"/>
+              </a:lnSpc>
+              <a:spcBef>
+                <a:spcPts val="500"/>
+              </a:spcBef>
+              <a:buFont typeface="Arial" panose="020B0604020202020204" pitchFamily="34" charset="0"/>
+              <a:buChar char="•"/>
+              <a:defRPr sz="2400" kern="1200">
+                <a:solidFill>
+                  <a:schemeClr val="tx1"/>
+                </a:solidFill>
+                <a:latin typeface="+mn-lt"/>
+                <a:ea typeface="+mn-ea"/>
+                <a:cs typeface="+mn-cs"/>
+              </a:defRPr>
+            </a:lvl2pPr>
+            <a:lvl3pPr marL="1143000" indent="-228600" algn="l" defTabSz="914400" rtl="0" eaLnBrk="1" latinLnBrk="0" hangingPunct="1">
+              <a:lnSpc>
+                <a:spcPct val="90000"/>
+              </a:lnSpc>
+              <a:spcBef>
+                <a:spcPts val="500"/>
+              </a:spcBef>
+              <a:buFont typeface="Arial" panose="020B0604020202020204" pitchFamily="34" charset="0"/>
+              <a:buChar char="•"/>
+              <a:defRPr sz="2000" kern="1200">
+                <a:solidFill>
+                  <a:schemeClr val="tx1"/>
+                </a:solidFill>
+                <a:latin typeface="+mn-lt"/>
+                <a:ea typeface="+mn-ea"/>
+                <a:cs typeface="+mn-cs"/>
+              </a:defRPr>
+            </a:lvl3pPr>
+            <a:lvl4pPr marL="1600200" indent="-228600" algn="l" defTabSz="914400" rtl="0" eaLnBrk="1" latinLnBrk="0" hangingPunct="1">
+              <a:lnSpc>
+                <a:spcPct val="90000"/>
+              </a:lnSpc>
+              <a:spcBef>
+                <a:spcPts val="500"/>
+              </a:spcBef>
+              <a:buFont typeface="Arial" panose="020B0604020202020204" pitchFamily="34" charset="0"/>
+              <a:buChar char="•"/>
+              <a:defRPr sz="1800" kern="1200">
+                <a:solidFill>
+                  <a:schemeClr val="tx1"/>
+                </a:solidFill>
+                <a:latin typeface="+mn-lt"/>
+                <a:ea typeface="+mn-ea"/>
+                <a:cs typeface="+mn-cs"/>
+              </a:defRPr>
+            </a:lvl4pPr>
+            <a:lvl5pPr marL="2057400" indent="-228600" algn="l" defTabSz="914400" rtl="0" eaLnBrk="1" latinLnBrk="0" hangingPunct="1">
+              <a:lnSpc>
+                <a:spcPct val="90000"/>
+              </a:lnSpc>
+              <a:spcBef>
+                <a:spcPts val="500"/>
+              </a:spcBef>
+              <a:buFont typeface="Arial" panose="020B0604020202020204" pitchFamily="34" charset="0"/>
+              <a:buChar char="•"/>
+              <a:defRPr sz="1800" kern="1200">
+                <a:solidFill>
+                  <a:schemeClr val="tx1"/>
+                </a:solidFill>
+                <a:latin typeface="+mn-lt"/>
+                <a:ea typeface="+mn-ea"/>
+                <a:cs typeface="+mn-cs"/>
+              </a:defRPr>
+            </a:lvl5pPr>
+            <a:lvl6pPr marL="2514600" indent="-228600" algn="l" defTabSz="914400" rtl="0" eaLnBrk="1" latinLnBrk="0" hangingPunct="1">
+              <a:lnSpc>
+                <a:spcPct val="90000"/>
+              </a:lnSpc>
+              <a:spcBef>
+                <a:spcPts val="500"/>
+              </a:spcBef>
+              <a:buFont typeface="Arial" panose="020B0604020202020204" pitchFamily="34" charset="0"/>
+              <a:buChar char="•"/>
+              <a:defRPr sz="1800" kern="1200">
+                <a:solidFill>
+                  <a:schemeClr val="tx1"/>
+                </a:solidFill>
+                <a:latin typeface="+mn-lt"/>
+                <a:ea typeface="+mn-ea"/>
+                <a:cs typeface="+mn-cs"/>
+              </a:defRPr>
+            </a:lvl6pPr>
+            <a:lvl7pPr marL="2971800" indent="-228600" algn="l" defTabSz="914400" rtl="0" eaLnBrk="1" latinLnBrk="0" hangingPunct="1">
+              <a:lnSpc>
+                <a:spcPct val="90000"/>
+              </a:lnSpc>
+              <a:spcBef>
+                <a:spcPts val="500"/>
+              </a:spcBef>
+              <a:buFont typeface="Arial" panose="020B0604020202020204" pitchFamily="34" charset="0"/>
+              <a:buChar char="•"/>
+              <a:defRPr sz="1800" kern="1200">
+                <a:solidFill>
+                  <a:schemeClr val="tx1"/>
+                </a:solidFill>
+                <a:latin typeface="+mn-lt"/>
+                <a:ea typeface="+mn-ea"/>
+                <a:cs typeface="+mn-cs"/>
+              </a:defRPr>
+            </a:lvl7pPr>
+            <a:lvl8pPr marL="3429000" indent="-228600" algn="l" defTabSz="914400" rtl="0" eaLnBrk="1" latinLnBrk="0" hangingPunct="1">
+              <a:lnSpc>
+                <a:spcPct val="90000"/>
+              </a:lnSpc>
+              <a:spcBef>
+                <a:spcPts val="500"/>
+              </a:spcBef>
+              <a:buFont typeface="Arial" panose="020B0604020202020204" pitchFamily="34" charset="0"/>
+              <a:buChar char="•"/>
+              <a:defRPr sz="1800" kern="1200">
+                <a:solidFill>
+                  <a:schemeClr val="tx1"/>
+                </a:solidFill>
+                <a:latin typeface="+mn-lt"/>
+                <a:ea typeface="+mn-ea"/>
+                <a:cs typeface="+mn-cs"/>
+              </a:defRPr>
+            </a:lvl8pPr>
+            <a:lvl9pPr marL="3886200" indent="-228600" algn="l" defTabSz="914400" rtl="0" eaLnBrk="1" latinLnBrk="0" hangingPunct="1">
+              <a:lnSpc>
+                <a:spcPct val="90000"/>
+              </a:lnSpc>
+              <a:spcBef>
+                <a:spcPts val="500"/>
+              </a:spcBef>
+              <a:buFont typeface="Arial" panose="020B0604020202020204" pitchFamily="34" charset="0"/>
+              <a:buChar char="•"/>
+              <a:defRPr sz="1800" kern="1200">
+                <a:solidFill>
+                  <a:schemeClr val="tx1"/>
+                </a:solidFill>
+                <a:latin typeface="+mn-lt"/>
+                <a:ea typeface="+mn-ea"/>
+                <a:cs typeface="+mn-cs"/>
+              </a:defRPr>
+            </a:lvl9pPr>
+          </a:lstStyle>
+          <a:p>
+            <a:pPr marL="0" indent="0" algn="just">
+              <a:buNone/>
+            </a:pPr>
+            <a:r>
+              <a:rPr lang="es-CO" sz="1800" dirty="0">
+                <a:solidFill>
+                  <a:srgbClr val="020D43"/>
+                </a:solidFill>
+                <a:latin typeface="Nunito" pitchFamily="2" charset="0"/>
+              </a:rPr>
+              <a:t>Regresión Lasso</a:t>
+            </a:r>
+          </a:p>
+        </p:txBody>
+      </p:sp>
+      <p:sp>
+        <p:nvSpPr>
+          <p:cNvPr id="13" name="Content Placeholder 2">
+            <a:extLst>
+              <a:ext uri="{FF2B5EF4-FFF2-40B4-BE49-F238E27FC236}">
+                <a16:creationId xmlns:a16="http://schemas.microsoft.com/office/drawing/2014/main" id="{A80685C7-98D4-E67D-F90B-B24EE6F157B4}"/>
+              </a:ext>
+            </a:extLst>
+          </p:cNvPr>
+          <p:cNvSpPr txBox="1">
+            <a:spLocks/>
+          </p:cNvSpPr>
+          <p:nvPr/>
+        </p:nvSpPr>
+        <p:spPr>
+          <a:xfrm>
+            <a:off x="8913086" y="3042852"/>
+            <a:ext cx="2367816" cy="416093"/>
+          </a:xfrm>
+          <a:prstGeom prst="rect">
+            <a:avLst/>
+          </a:prstGeom>
+        </p:spPr>
+        <p:txBody>
+          <a:bodyPr vert="horz" lIns="91440" tIns="45720" rIns="91440" bIns="45720" rtlCol="0">
+            <a:noAutofit/>
+          </a:bodyPr>
+          <a:lstStyle>
+            <a:lvl1pPr marL="228600" indent="-228600" algn="l" defTabSz="914400" rtl="0" eaLnBrk="1" latinLnBrk="0" hangingPunct="1">
+              <a:lnSpc>
+                <a:spcPct val="90000"/>
+              </a:lnSpc>
+              <a:spcBef>
+                <a:spcPts val="1000"/>
+              </a:spcBef>
+              <a:buFont typeface="Arial" panose="020B0604020202020204" pitchFamily="34" charset="0"/>
+              <a:buChar char="•"/>
+              <a:defRPr sz="2800" kern="1200">
+                <a:solidFill>
+                  <a:schemeClr val="tx1"/>
+                </a:solidFill>
+                <a:latin typeface="+mn-lt"/>
+                <a:ea typeface="+mn-ea"/>
+                <a:cs typeface="+mn-cs"/>
+              </a:defRPr>
+            </a:lvl1pPr>
+            <a:lvl2pPr marL="685800" indent="-228600" algn="l" defTabSz="914400" rtl="0" eaLnBrk="1" latinLnBrk="0" hangingPunct="1">
+              <a:lnSpc>
+                <a:spcPct val="90000"/>
+              </a:lnSpc>
+              <a:spcBef>
+                <a:spcPts val="500"/>
+              </a:spcBef>
+              <a:buFont typeface="Arial" panose="020B0604020202020204" pitchFamily="34" charset="0"/>
+              <a:buChar char="•"/>
+              <a:defRPr sz="2400" kern="1200">
+                <a:solidFill>
+                  <a:schemeClr val="tx1"/>
+                </a:solidFill>
+                <a:latin typeface="+mn-lt"/>
+                <a:ea typeface="+mn-ea"/>
+                <a:cs typeface="+mn-cs"/>
+              </a:defRPr>
+            </a:lvl2pPr>
+            <a:lvl3pPr marL="1143000" indent="-228600" algn="l" defTabSz="914400" rtl="0" eaLnBrk="1" latinLnBrk="0" hangingPunct="1">
+              <a:lnSpc>
+                <a:spcPct val="90000"/>
+              </a:lnSpc>
+              <a:spcBef>
+                <a:spcPts val="500"/>
+              </a:spcBef>
+              <a:buFont typeface="Arial" panose="020B0604020202020204" pitchFamily="34" charset="0"/>
+              <a:buChar char="•"/>
+              <a:defRPr sz="2000" kern="1200">
+                <a:solidFill>
+                  <a:schemeClr val="tx1"/>
+                </a:solidFill>
+                <a:latin typeface="+mn-lt"/>
+                <a:ea typeface="+mn-ea"/>
+                <a:cs typeface="+mn-cs"/>
+              </a:defRPr>
+            </a:lvl3pPr>
+            <a:lvl4pPr marL="1600200" indent="-228600" algn="l" defTabSz="914400" rtl="0" eaLnBrk="1" latinLnBrk="0" hangingPunct="1">
+              <a:lnSpc>
+                <a:spcPct val="90000"/>
+              </a:lnSpc>
+              <a:spcBef>
+                <a:spcPts val="500"/>
+              </a:spcBef>
+              <a:buFont typeface="Arial" panose="020B0604020202020204" pitchFamily="34" charset="0"/>
+              <a:buChar char="•"/>
+              <a:defRPr sz="1800" kern="1200">
+                <a:solidFill>
+                  <a:schemeClr val="tx1"/>
+                </a:solidFill>
+                <a:latin typeface="+mn-lt"/>
+                <a:ea typeface="+mn-ea"/>
+                <a:cs typeface="+mn-cs"/>
+              </a:defRPr>
+            </a:lvl4pPr>
+            <a:lvl5pPr marL="2057400" indent="-228600" algn="l" defTabSz="914400" rtl="0" eaLnBrk="1" latinLnBrk="0" hangingPunct="1">
+              <a:lnSpc>
+                <a:spcPct val="90000"/>
+              </a:lnSpc>
+              <a:spcBef>
+                <a:spcPts val="500"/>
+              </a:spcBef>
+              <a:buFont typeface="Arial" panose="020B0604020202020204" pitchFamily="34" charset="0"/>
+              <a:buChar char="•"/>
+              <a:defRPr sz="1800" kern="1200">
+                <a:solidFill>
+                  <a:schemeClr val="tx1"/>
+                </a:solidFill>
+                <a:latin typeface="+mn-lt"/>
+                <a:ea typeface="+mn-ea"/>
+                <a:cs typeface="+mn-cs"/>
+              </a:defRPr>
+            </a:lvl5pPr>
+            <a:lvl6pPr marL="2514600" indent="-228600" algn="l" defTabSz="914400" rtl="0" eaLnBrk="1" latinLnBrk="0" hangingPunct="1">
+              <a:lnSpc>
+                <a:spcPct val="90000"/>
+              </a:lnSpc>
+              <a:spcBef>
+                <a:spcPts val="500"/>
+              </a:spcBef>
+              <a:buFont typeface="Arial" panose="020B0604020202020204" pitchFamily="34" charset="0"/>
+              <a:buChar char="•"/>
+              <a:defRPr sz="1800" kern="1200">
+                <a:solidFill>
+                  <a:schemeClr val="tx1"/>
+                </a:solidFill>
+                <a:latin typeface="+mn-lt"/>
+                <a:ea typeface="+mn-ea"/>
+                <a:cs typeface="+mn-cs"/>
+              </a:defRPr>
+            </a:lvl6pPr>
+            <a:lvl7pPr marL="2971800" indent="-228600" algn="l" defTabSz="914400" rtl="0" eaLnBrk="1" latinLnBrk="0" hangingPunct="1">
+              <a:lnSpc>
+                <a:spcPct val="90000"/>
+              </a:lnSpc>
+              <a:spcBef>
+                <a:spcPts val="500"/>
+              </a:spcBef>
+              <a:buFont typeface="Arial" panose="020B0604020202020204" pitchFamily="34" charset="0"/>
+              <a:buChar char="•"/>
+              <a:defRPr sz="1800" kern="1200">
+                <a:solidFill>
+                  <a:schemeClr val="tx1"/>
+                </a:solidFill>
+                <a:latin typeface="+mn-lt"/>
+                <a:ea typeface="+mn-ea"/>
+                <a:cs typeface="+mn-cs"/>
+              </a:defRPr>
+            </a:lvl7pPr>
+            <a:lvl8pPr marL="3429000" indent="-228600" algn="l" defTabSz="914400" rtl="0" eaLnBrk="1" latinLnBrk="0" hangingPunct="1">
+              <a:lnSpc>
+                <a:spcPct val="90000"/>
+              </a:lnSpc>
+              <a:spcBef>
+                <a:spcPts val="500"/>
+              </a:spcBef>
+              <a:buFont typeface="Arial" panose="020B0604020202020204" pitchFamily="34" charset="0"/>
+              <a:buChar char="•"/>
+              <a:defRPr sz="1800" kern="1200">
+                <a:solidFill>
+                  <a:schemeClr val="tx1"/>
+                </a:solidFill>
+                <a:latin typeface="+mn-lt"/>
+                <a:ea typeface="+mn-ea"/>
+                <a:cs typeface="+mn-cs"/>
+              </a:defRPr>
+            </a:lvl8pPr>
+            <a:lvl9pPr marL="3886200" indent="-228600" algn="l" defTabSz="914400" rtl="0" eaLnBrk="1" latinLnBrk="0" hangingPunct="1">
+              <a:lnSpc>
+                <a:spcPct val="90000"/>
+              </a:lnSpc>
+              <a:spcBef>
+                <a:spcPts val="500"/>
+              </a:spcBef>
+              <a:buFont typeface="Arial" panose="020B0604020202020204" pitchFamily="34" charset="0"/>
+              <a:buChar char="•"/>
+              <a:defRPr sz="1800" kern="1200">
+                <a:solidFill>
+                  <a:schemeClr val="tx1"/>
+                </a:solidFill>
+                <a:latin typeface="+mn-lt"/>
+                <a:ea typeface="+mn-ea"/>
+                <a:cs typeface="+mn-cs"/>
+              </a:defRPr>
+            </a:lvl9pPr>
+          </a:lstStyle>
+          <a:p>
+            <a:pPr marL="0" indent="0" algn="just">
+              <a:buNone/>
+            </a:pPr>
+            <a:r>
+              <a:rPr lang="es-CO" sz="1800" dirty="0">
+                <a:solidFill>
+                  <a:srgbClr val="020D43"/>
+                </a:solidFill>
+                <a:latin typeface="Nunito" pitchFamily="2" charset="0"/>
+              </a:rPr>
+              <a:t>Puede ser verdad dado que todos los inmuebles se encuentran concentrados en las mismas zonas</a:t>
+            </a:r>
+          </a:p>
+        </p:txBody>
+      </p:sp>
+      <p:sp>
+        <p:nvSpPr>
+          <p:cNvPr id="15" name="Content Placeholder 2">
+            <a:extLst>
+              <a:ext uri="{FF2B5EF4-FFF2-40B4-BE49-F238E27FC236}">
+                <a16:creationId xmlns:a16="http://schemas.microsoft.com/office/drawing/2014/main" id="{2CA144D3-A0D9-00D8-284C-8D2FDF0167F4}"/>
+              </a:ext>
+            </a:extLst>
+          </p:cNvPr>
+          <p:cNvSpPr txBox="1">
+            <a:spLocks/>
+          </p:cNvSpPr>
+          <p:nvPr/>
+        </p:nvSpPr>
+        <p:spPr>
+          <a:xfrm>
+            <a:off x="8913088" y="4943587"/>
+            <a:ext cx="2367816" cy="416093"/>
+          </a:xfrm>
+          <a:prstGeom prst="rect">
+            <a:avLst/>
+          </a:prstGeom>
+        </p:spPr>
+        <p:txBody>
+          <a:bodyPr vert="horz" lIns="91440" tIns="45720" rIns="91440" bIns="45720" rtlCol="0">
+            <a:noAutofit/>
+          </a:bodyPr>
+          <a:lstStyle>
+            <a:lvl1pPr marL="228600" indent="-228600" algn="l" defTabSz="914400" rtl="0" eaLnBrk="1" latinLnBrk="0" hangingPunct="1">
+              <a:lnSpc>
+                <a:spcPct val="90000"/>
+              </a:lnSpc>
+              <a:spcBef>
+                <a:spcPts val="1000"/>
+              </a:spcBef>
+              <a:buFont typeface="Arial" panose="020B0604020202020204" pitchFamily="34" charset="0"/>
+              <a:buChar char="•"/>
+              <a:defRPr sz="2800" kern="1200">
+                <a:solidFill>
+                  <a:schemeClr val="tx1"/>
+                </a:solidFill>
+                <a:latin typeface="+mn-lt"/>
+                <a:ea typeface="+mn-ea"/>
+                <a:cs typeface="+mn-cs"/>
+              </a:defRPr>
+            </a:lvl1pPr>
+            <a:lvl2pPr marL="685800" indent="-228600" algn="l" defTabSz="914400" rtl="0" eaLnBrk="1" latinLnBrk="0" hangingPunct="1">
+              <a:lnSpc>
+                <a:spcPct val="90000"/>
+              </a:lnSpc>
+              <a:spcBef>
+                <a:spcPts val="500"/>
+              </a:spcBef>
+              <a:buFont typeface="Arial" panose="020B0604020202020204" pitchFamily="34" charset="0"/>
+              <a:buChar char="•"/>
+              <a:defRPr sz="2400" kern="1200">
+                <a:solidFill>
+                  <a:schemeClr val="tx1"/>
+                </a:solidFill>
+                <a:latin typeface="+mn-lt"/>
+                <a:ea typeface="+mn-ea"/>
+                <a:cs typeface="+mn-cs"/>
+              </a:defRPr>
+            </a:lvl2pPr>
+            <a:lvl3pPr marL="1143000" indent="-228600" algn="l" defTabSz="914400" rtl="0" eaLnBrk="1" latinLnBrk="0" hangingPunct="1">
+              <a:lnSpc>
+                <a:spcPct val="90000"/>
+              </a:lnSpc>
+              <a:spcBef>
+                <a:spcPts val="500"/>
+              </a:spcBef>
+              <a:buFont typeface="Arial" panose="020B0604020202020204" pitchFamily="34" charset="0"/>
+              <a:buChar char="•"/>
+              <a:defRPr sz="2000" kern="1200">
+                <a:solidFill>
+                  <a:schemeClr val="tx1"/>
+                </a:solidFill>
+                <a:latin typeface="+mn-lt"/>
+                <a:ea typeface="+mn-ea"/>
+                <a:cs typeface="+mn-cs"/>
+              </a:defRPr>
+            </a:lvl3pPr>
+            <a:lvl4pPr marL="1600200" indent="-228600" algn="l" defTabSz="914400" rtl="0" eaLnBrk="1" latinLnBrk="0" hangingPunct="1">
+              <a:lnSpc>
+                <a:spcPct val="90000"/>
+              </a:lnSpc>
+              <a:spcBef>
+                <a:spcPts val="500"/>
+              </a:spcBef>
+              <a:buFont typeface="Arial" panose="020B0604020202020204" pitchFamily="34" charset="0"/>
+              <a:buChar char="•"/>
+              <a:defRPr sz="1800" kern="1200">
+                <a:solidFill>
+                  <a:schemeClr val="tx1"/>
+                </a:solidFill>
+                <a:latin typeface="+mn-lt"/>
+                <a:ea typeface="+mn-ea"/>
+                <a:cs typeface="+mn-cs"/>
+              </a:defRPr>
+            </a:lvl4pPr>
+            <a:lvl5pPr marL="2057400" indent="-228600" algn="l" defTabSz="914400" rtl="0" eaLnBrk="1" latinLnBrk="0" hangingPunct="1">
+              <a:lnSpc>
+                <a:spcPct val="90000"/>
+              </a:lnSpc>
+              <a:spcBef>
+                <a:spcPts val="500"/>
+              </a:spcBef>
+              <a:buFont typeface="Arial" panose="020B0604020202020204" pitchFamily="34" charset="0"/>
+              <a:buChar char="•"/>
+              <a:defRPr sz="1800" kern="1200">
+                <a:solidFill>
+                  <a:schemeClr val="tx1"/>
+                </a:solidFill>
+                <a:latin typeface="+mn-lt"/>
+                <a:ea typeface="+mn-ea"/>
+                <a:cs typeface="+mn-cs"/>
+              </a:defRPr>
+            </a:lvl5pPr>
+            <a:lvl6pPr marL="2514600" indent="-228600" algn="l" defTabSz="914400" rtl="0" eaLnBrk="1" latinLnBrk="0" hangingPunct="1">
+              <a:lnSpc>
+                <a:spcPct val="90000"/>
+              </a:lnSpc>
+              <a:spcBef>
+                <a:spcPts val="500"/>
+              </a:spcBef>
+              <a:buFont typeface="Arial" panose="020B0604020202020204" pitchFamily="34" charset="0"/>
+              <a:buChar char="•"/>
+              <a:defRPr sz="1800" kern="1200">
+                <a:solidFill>
+                  <a:schemeClr val="tx1"/>
+                </a:solidFill>
+                <a:latin typeface="+mn-lt"/>
+                <a:ea typeface="+mn-ea"/>
+                <a:cs typeface="+mn-cs"/>
+              </a:defRPr>
+            </a:lvl6pPr>
+            <a:lvl7pPr marL="2971800" indent="-228600" algn="l" defTabSz="914400" rtl="0" eaLnBrk="1" latinLnBrk="0" hangingPunct="1">
+              <a:lnSpc>
+                <a:spcPct val="90000"/>
+              </a:lnSpc>
+              <a:spcBef>
+                <a:spcPts val="500"/>
+              </a:spcBef>
+              <a:buFont typeface="Arial" panose="020B0604020202020204" pitchFamily="34" charset="0"/>
+              <a:buChar char="•"/>
+              <a:defRPr sz="1800" kern="1200">
+                <a:solidFill>
+                  <a:schemeClr val="tx1"/>
+                </a:solidFill>
+                <a:latin typeface="+mn-lt"/>
+                <a:ea typeface="+mn-ea"/>
+                <a:cs typeface="+mn-cs"/>
+              </a:defRPr>
+            </a:lvl7pPr>
+            <a:lvl8pPr marL="3429000" indent="-228600" algn="l" defTabSz="914400" rtl="0" eaLnBrk="1" latinLnBrk="0" hangingPunct="1">
+              <a:lnSpc>
+                <a:spcPct val="90000"/>
+              </a:lnSpc>
+              <a:spcBef>
+                <a:spcPts val="500"/>
+              </a:spcBef>
+              <a:buFont typeface="Arial" panose="020B0604020202020204" pitchFamily="34" charset="0"/>
+              <a:buChar char="•"/>
+              <a:defRPr sz="1800" kern="1200">
+                <a:solidFill>
+                  <a:schemeClr val="tx1"/>
+                </a:solidFill>
+                <a:latin typeface="+mn-lt"/>
+                <a:ea typeface="+mn-ea"/>
+                <a:cs typeface="+mn-cs"/>
+              </a:defRPr>
+            </a:lvl8pPr>
+            <a:lvl9pPr marL="3886200" indent="-228600" algn="l" defTabSz="914400" rtl="0" eaLnBrk="1" latinLnBrk="0" hangingPunct="1">
+              <a:lnSpc>
+                <a:spcPct val="90000"/>
+              </a:lnSpc>
+              <a:spcBef>
+                <a:spcPts val="500"/>
+              </a:spcBef>
+              <a:buFont typeface="Arial" panose="020B0604020202020204" pitchFamily="34" charset="0"/>
+              <a:buChar char="•"/>
+              <a:defRPr sz="1800" kern="1200">
+                <a:solidFill>
+                  <a:schemeClr val="tx1"/>
+                </a:solidFill>
+                <a:latin typeface="+mn-lt"/>
+                <a:ea typeface="+mn-ea"/>
+                <a:cs typeface="+mn-cs"/>
+              </a:defRPr>
+            </a:lvl9pPr>
+          </a:lstStyle>
+          <a:p>
+            <a:pPr marL="0" indent="0" algn="just">
+              <a:buNone/>
+            </a:pPr>
+            <a:r>
+              <a:rPr lang="es-CO" sz="1800" dirty="0">
+                <a:solidFill>
+                  <a:srgbClr val="020D43"/>
+                </a:solidFill>
+                <a:latin typeface="Nunito" pitchFamily="2" charset="0"/>
+              </a:rPr>
+              <a:t>Solo se tienen en cuenta variables numéricas y se hace tuneo del modelo</a:t>
+            </a:r>
+          </a:p>
+        </p:txBody>
+      </p:sp>
+    </p:spTree>
+    <p:extLst>
+      <p:ext uri="{BB962C8B-B14F-4D97-AF65-F5344CB8AC3E}">
+        <p14:creationId xmlns:p14="http://schemas.microsoft.com/office/powerpoint/2010/main" val="3371198535"/>
+      </p:ext>
+    </p:extLst>
+  </p:cSld>
+  <p:clrMapOvr>
+    <a:masterClrMapping/>
+  </p:clrMapOvr>
+</p:sld>
+</file>
+
+<file path=ppt/slides/slide4.xml><?xml version="1.0" encoding="utf-8"?>
+<p:sld xmlns:a="http://schemas.openxmlformats.org/drawingml/2006/main" xmlns:r="http://schemas.openxmlformats.org/officeDocument/2006/relationships" xmlns:p="http://schemas.openxmlformats.org/presentationml/2006/main">
+  <p:cSld>
+    <p:spTree>
+      <p:nvGrpSpPr>
+        <p:cNvPr id="1" name=""/>
+        <p:cNvGrpSpPr/>
+        <p:nvPr/>
+      </p:nvGrpSpPr>
+      <p:grpSpPr>
+        <a:xfrm>
+          <a:off x="0" y="0"/>
+          <a:ext cx="0" cy="0"/>
+          <a:chOff x="0" y="0"/>
+          <a:chExt cx="0" cy="0"/>
+        </a:xfrm>
+      </p:grpSpPr>
+      <p:sp>
+        <p:nvSpPr>
+          <p:cNvPr id="2" name="Title 1">
+            <a:extLst>
+              <a:ext uri="{FF2B5EF4-FFF2-40B4-BE49-F238E27FC236}">
+                <a16:creationId xmlns:a16="http://schemas.microsoft.com/office/drawing/2014/main" id="{B3422606-9A7C-5A4E-C935-523F5970AE28}"/>
+              </a:ext>
+            </a:extLst>
+          </p:cNvPr>
+          <p:cNvSpPr>
+            <a:spLocks noGrp="1"/>
+          </p:cNvSpPr>
+          <p:nvPr>
+            <p:ph type="title"/>
+          </p:nvPr>
+        </p:nvSpPr>
+        <p:spPr/>
+        <p:txBody>
+          <a:bodyPr/>
+          <a:lstStyle/>
+          <a:p>
+            <a:r>
+              <a:rPr lang="es-CO" dirty="0">
+                <a:solidFill>
+                  <a:srgbClr val="020D43"/>
+                </a:solidFill>
+                <a:latin typeface="Nunito" pitchFamily="2" charset="0"/>
+              </a:rPr>
+              <a:t>Pregunta 1</a:t>
+            </a:r>
+          </a:p>
+        </p:txBody>
+      </p:sp>
+      <p:pic>
+        <p:nvPicPr>
+          <p:cNvPr id="8" name="Picture 7">
+            <a:extLst>
+              <a:ext uri="{FF2B5EF4-FFF2-40B4-BE49-F238E27FC236}">
+                <a16:creationId xmlns:a16="http://schemas.microsoft.com/office/drawing/2014/main" id="{94AA386E-6591-C226-56D1-47BA93176932}"/>
+              </a:ext>
+            </a:extLst>
+          </p:cNvPr>
+          <p:cNvPicPr>
+            <a:picLocks noChangeAspect="1"/>
+          </p:cNvPicPr>
+          <p:nvPr/>
+        </p:nvPicPr>
+        <p:blipFill>
+          <a:blip r:embed="rId2"/>
+          <a:stretch>
+            <a:fillRect/>
+          </a:stretch>
+        </p:blipFill>
+        <p:spPr>
+          <a:xfrm>
+            <a:off x="1053264" y="1530994"/>
+            <a:ext cx="4962525" cy="4583265"/>
+          </a:xfrm>
+          <a:prstGeom prst="rect">
+            <a:avLst/>
+          </a:prstGeom>
+        </p:spPr>
+      </p:pic>
+      <p:sp>
+        <p:nvSpPr>
+          <p:cNvPr id="20" name="TextBox 19">
+            <a:extLst>
+              <a:ext uri="{FF2B5EF4-FFF2-40B4-BE49-F238E27FC236}">
+                <a16:creationId xmlns:a16="http://schemas.microsoft.com/office/drawing/2014/main" id="{13FD53ED-5F20-910B-CD0E-AD93C3247991}"/>
+              </a:ext>
+            </a:extLst>
+          </p:cNvPr>
+          <p:cNvSpPr txBox="1"/>
+          <p:nvPr/>
+        </p:nvSpPr>
+        <p:spPr>
+          <a:xfrm>
+            <a:off x="309986" y="6276590"/>
+            <a:ext cx="10121276" cy="461665"/>
+          </a:xfrm>
+          <a:prstGeom prst="rect">
+            <a:avLst/>
+          </a:prstGeom>
+          <a:noFill/>
+        </p:spPr>
+        <p:txBody>
+          <a:bodyPr wrap="square">
+            <a:spAutoFit/>
+          </a:bodyPr>
+          <a:lstStyle/>
+          <a:p>
+            <a:r>
+              <a:rPr lang="es-CO" sz="1200" u="sng" dirty="0">
+                <a:solidFill>
+                  <a:srgbClr val="0070C0"/>
+                </a:solidFill>
+              </a:rPr>
+              <a:t>https://datos.cdmx.gob.mx/dataset/</a:t>
+            </a:r>
+            <a:br>
+              <a:rPr lang="es-CO" sz="1200" u="sng" dirty="0">
+                <a:solidFill>
+                  <a:srgbClr val="0070C0"/>
+                </a:solidFill>
+              </a:rPr>
+            </a:br>
+            <a:r>
+              <a:rPr lang="es-CO" sz="1200" u="sng" dirty="0">
+                <a:solidFill>
+                  <a:srgbClr val="0070C0"/>
+                </a:solidFill>
+              </a:rPr>
+              <a:t>https://www.kaggle.com/datasets/emmanuelleai/salarios-en-mexico?select=Salarios+en+Mexico.csv</a:t>
+            </a:r>
+          </a:p>
+        </p:txBody>
+      </p:sp>
+      <p:pic>
+        <p:nvPicPr>
+          <p:cNvPr id="5" name="Picture 4">
+            <a:extLst>
+              <a:ext uri="{FF2B5EF4-FFF2-40B4-BE49-F238E27FC236}">
+                <a16:creationId xmlns:a16="http://schemas.microsoft.com/office/drawing/2014/main" id="{214203DC-304F-A0E7-E7EC-63AE65097678}"/>
+              </a:ext>
+            </a:extLst>
+          </p:cNvPr>
+          <p:cNvPicPr>
+            <a:picLocks noChangeAspect="1"/>
+          </p:cNvPicPr>
+          <p:nvPr/>
+        </p:nvPicPr>
+        <p:blipFill>
+          <a:blip r:embed="rId3"/>
+          <a:stretch>
+            <a:fillRect/>
+          </a:stretch>
+        </p:blipFill>
+        <p:spPr>
+          <a:xfrm>
+            <a:off x="11049803" y="241336"/>
+            <a:ext cx="587139" cy="601460"/>
+          </a:xfrm>
+          <a:prstGeom prst="rect">
+            <a:avLst/>
+          </a:prstGeom>
+        </p:spPr>
+      </p:pic>
+      <p:sp>
+        <p:nvSpPr>
+          <p:cNvPr id="9" name="Content Placeholder 2">
+            <a:extLst>
+              <a:ext uri="{FF2B5EF4-FFF2-40B4-BE49-F238E27FC236}">
+                <a16:creationId xmlns:a16="http://schemas.microsoft.com/office/drawing/2014/main" id="{CA199775-90FD-4FC9-5E7A-359AF76748E6}"/>
+              </a:ext>
+            </a:extLst>
+          </p:cNvPr>
+          <p:cNvSpPr txBox="1">
+            <a:spLocks/>
+          </p:cNvSpPr>
+          <p:nvPr/>
+        </p:nvSpPr>
+        <p:spPr>
+          <a:xfrm>
+            <a:off x="6862812" y="1690688"/>
+            <a:ext cx="3801980" cy="416093"/>
+          </a:xfrm>
+          <a:prstGeom prst="rect">
+            <a:avLst/>
+          </a:prstGeom>
+        </p:spPr>
+        <p:txBody>
+          <a:bodyPr vert="horz" lIns="91440" tIns="45720" rIns="91440" bIns="45720" rtlCol="0">
+            <a:noAutofit/>
+          </a:bodyPr>
+          <a:lstStyle>
+            <a:lvl1pPr marL="228600" indent="-228600" algn="l" defTabSz="914400" rtl="0" eaLnBrk="1" latinLnBrk="0" hangingPunct="1">
+              <a:lnSpc>
+                <a:spcPct val="90000"/>
+              </a:lnSpc>
+              <a:spcBef>
+                <a:spcPts val="1000"/>
+              </a:spcBef>
+              <a:buFont typeface="Arial" panose="020B0604020202020204" pitchFamily="34" charset="0"/>
+              <a:buChar char="•"/>
+              <a:defRPr sz="2800" kern="1200">
+                <a:solidFill>
+                  <a:schemeClr val="tx1"/>
+                </a:solidFill>
+                <a:latin typeface="+mn-lt"/>
+                <a:ea typeface="+mn-ea"/>
+                <a:cs typeface="+mn-cs"/>
+              </a:defRPr>
+            </a:lvl1pPr>
+            <a:lvl2pPr marL="685800" indent="-228600" algn="l" defTabSz="914400" rtl="0" eaLnBrk="1" latinLnBrk="0" hangingPunct="1">
+              <a:lnSpc>
+                <a:spcPct val="90000"/>
+              </a:lnSpc>
+              <a:spcBef>
+                <a:spcPts val="500"/>
+              </a:spcBef>
+              <a:buFont typeface="Arial" panose="020B0604020202020204" pitchFamily="34" charset="0"/>
+              <a:buChar char="•"/>
+              <a:defRPr sz="2400" kern="1200">
+                <a:solidFill>
+                  <a:schemeClr val="tx1"/>
+                </a:solidFill>
+                <a:latin typeface="+mn-lt"/>
+                <a:ea typeface="+mn-ea"/>
+                <a:cs typeface="+mn-cs"/>
+              </a:defRPr>
+            </a:lvl2pPr>
+            <a:lvl3pPr marL="1143000" indent="-228600" algn="l" defTabSz="914400" rtl="0" eaLnBrk="1" latinLnBrk="0" hangingPunct="1">
+              <a:lnSpc>
+                <a:spcPct val="90000"/>
+              </a:lnSpc>
+              <a:spcBef>
+                <a:spcPts val="500"/>
+              </a:spcBef>
+              <a:buFont typeface="Arial" panose="020B0604020202020204" pitchFamily="34" charset="0"/>
+              <a:buChar char="•"/>
+              <a:defRPr sz="2000" kern="1200">
+                <a:solidFill>
+                  <a:schemeClr val="tx1"/>
+                </a:solidFill>
+                <a:latin typeface="+mn-lt"/>
+                <a:ea typeface="+mn-ea"/>
+                <a:cs typeface="+mn-cs"/>
+              </a:defRPr>
+            </a:lvl3pPr>
+            <a:lvl4pPr marL="1600200" indent="-228600" algn="l" defTabSz="914400" rtl="0" eaLnBrk="1" latinLnBrk="0" hangingPunct="1">
+              <a:lnSpc>
+                <a:spcPct val="90000"/>
+              </a:lnSpc>
+              <a:spcBef>
+                <a:spcPts val="500"/>
+              </a:spcBef>
+              <a:buFont typeface="Arial" panose="020B0604020202020204" pitchFamily="34" charset="0"/>
+              <a:buChar char="•"/>
+              <a:defRPr sz="1800" kern="1200">
+                <a:solidFill>
+                  <a:schemeClr val="tx1"/>
+                </a:solidFill>
+                <a:latin typeface="+mn-lt"/>
+                <a:ea typeface="+mn-ea"/>
+                <a:cs typeface="+mn-cs"/>
+              </a:defRPr>
+            </a:lvl4pPr>
+            <a:lvl5pPr marL="2057400" indent="-228600" algn="l" defTabSz="914400" rtl="0" eaLnBrk="1" latinLnBrk="0" hangingPunct="1">
+              <a:lnSpc>
+                <a:spcPct val="90000"/>
+              </a:lnSpc>
+              <a:spcBef>
+                <a:spcPts val="500"/>
+              </a:spcBef>
+              <a:buFont typeface="Arial" panose="020B0604020202020204" pitchFamily="34" charset="0"/>
+              <a:buChar char="•"/>
+              <a:defRPr sz="1800" kern="1200">
+                <a:solidFill>
+                  <a:schemeClr val="tx1"/>
+                </a:solidFill>
+                <a:latin typeface="+mn-lt"/>
+                <a:ea typeface="+mn-ea"/>
+                <a:cs typeface="+mn-cs"/>
+              </a:defRPr>
+            </a:lvl5pPr>
+            <a:lvl6pPr marL="2514600" indent="-228600" algn="l" defTabSz="914400" rtl="0" eaLnBrk="1" latinLnBrk="0" hangingPunct="1">
+              <a:lnSpc>
+                <a:spcPct val="90000"/>
+              </a:lnSpc>
+              <a:spcBef>
+                <a:spcPts val="500"/>
+              </a:spcBef>
+              <a:buFont typeface="Arial" panose="020B0604020202020204" pitchFamily="34" charset="0"/>
+              <a:buChar char="•"/>
+              <a:defRPr sz="1800" kern="1200">
+                <a:solidFill>
+                  <a:schemeClr val="tx1"/>
+                </a:solidFill>
+                <a:latin typeface="+mn-lt"/>
+                <a:ea typeface="+mn-ea"/>
+                <a:cs typeface="+mn-cs"/>
+              </a:defRPr>
+            </a:lvl6pPr>
+            <a:lvl7pPr marL="2971800" indent="-228600" algn="l" defTabSz="914400" rtl="0" eaLnBrk="1" latinLnBrk="0" hangingPunct="1">
+              <a:lnSpc>
+                <a:spcPct val="90000"/>
+              </a:lnSpc>
+              <a:spcBef>
+                <a:spcPts val="500"/>
+              </a:spcBef>
+              <a:buFont typeface="Arial" panose="020B0604020202020204" pitchFamily="34" charset="0"/>
+              <a:buChar char="•"/>
+              <a:defRPr sz="1800" kern="1200">
+                <a:solidFill>
+                  <a:schemeClr val="tx1"/>
+                </a:solidFill>
+                <a:latin typeface="+mn-lt"/>
+                <a:ea typeface="+mn-ea"/>
+                <a:cs typeface="+mn-cs"/>
+              </a:defRPr>
+            </a:lvl7pPr>
+            <a:lvl8pPr marL="3429000" indent="-228600" algn="l" defTabSz="914400" rtl="0" eaLnBrk="1" latinLnBrk="0" hangingPunct="1">
+              <a:lnSpc>
+                <a:spcPct val="90000"/>
+              </a:lnSpc>
+              <a:spcBef>
+                <a:spcPts val="500"/>
+              </a:spcBef>
+              <a:buFont typeface="Arial" panose="020B0604020202020204" pitchFamily="34" charset="0"/>
+              <a:buChar char="•"/>
+              <a:defRPr sz="1800" kern="1200">
+                <a:solidFill>
+                  <a:schemeClr val="tx1"/>
+                </a:solidFill>
+                <a:latin typeface="+mn-lt"/>
+                <a:ea typeface="+mn-ea"/>
+                <a:cs typeface="+mn-cs"/>
+              </a:defRPr>
+            </a:lvl8pPr>
+            <a:lvl9pPr marL="3886200" indent="-228600" algn="l" defTabSz="914400" rtl="0" eaLnBrk="1" latinLnBrk="0" hangingPunct="1">
+              <a:lnSpc>
+                <a:spcPct val="90000"/>
+              </a:lnSpc>
+              <a:spcBef>
+                <a:spcPts val="500"/>
+              </a:spcBef>
+              <a:buFont typeface="Arial" panose="020B0604020202020204" pitchFamily="34" charset="0"/>
+              <a:buChar char="•"/>
+              <a:defRPr sz="1800" kern="1200">
+                <a:solidFill>
+                  <a:schemeClr val="tx1"/>
+                </a:solidFill>
+                <a:latin typeface="+mn-lt"/>
+                <a:ea typeface="+mn-ea"/>
+                <a:cs typeface="+mn-cs"/>
+              </a:defRPr>
+            </a:lvl9pPr>
+          </a:lstStyle>
+          <a:p>
+            <a:pPr marL="0" indent="0" algn="just">
+              <a:buNone/>
+            </a:pPr>
+            <a:r>
+              <a:rPr lang="es-CO" sz="1800" dirty="0">
+                <a:solidFill>
+                  <a:srgbClr val="020D43"/>
+                </a:solidFill>
+                <a:latin typeface="Nunito" pitchFamily="2" charset="0"/>
+              </a:rPr>
+              <a:t>Entrega la </a:t>
+            </a:r>
+            <a:r>
+              <a:rPr lang="es-CO" sz="1800" b="1" dirty="0">
+                <a:solidFill>
+                  <a:srgbClr val="26E5CE"/>
+                </a:solidFill>
+                <a:latin typeface="Nunito" pitchFamily="2" charset="0"/>
+              </a:rPr>
+              <a:t>importancia de cada variable </a:t>
+            </a:r>
+            <a:r>
+              <a:rPr lang="es-CO" sz="1800" dirty="0">
+                <a:solidFill>
+                  <a:srgbClr val="020D43"/>
+                </a:solidFill>
+                <a:latin typeface="Nunito" pitchFamily="2" charset="0"/>
+              </a:rPr>
+              <a:t>para la predicción</a:t>
+            </a:r>
+          </a:p>
+        </p:txBody>
+      </p:sp>
+      <p:sp>
+        <p:nvSpPr>
+          <p:cNvPr id="11" name="Content Placeholder 2">
+            <a:extLst>
+              <a:ext uri="{FF2B5EF4-FFF2-40B4-BE49-F238E27FC236}">
+                <a16:creationId xmlns:a16="http://schemas.microsoft.com/office/drawing/2014/main" id="{3114585C-CAF0-4424-7DCF-4E8E948F106A}"/>
+              </a:ext>
+            </a:extLst>
+          </p:cNvPr>
+          <p:cNvSpPr txBox="1">
+            <a:spLocks/>
+          </p:cNvSpPr>
+          <p:nvPr/>
+        </p:nvSpPr>
+        <p:spPr>
+          <a:xfrm>
+            <a:off x="911097" y="1274595"/>
+            <a:ext cx="4546427" cy="416093"/>
+          </a:xfrm>
+          <a:prstGeom prst="rect">
+            <a:avLst/>
+          </a:prstGeom>
+        </p:spPr>
+        <p:txBody>
+          <a:bodyPr vert="horz" lIns="91440" tIns="45720" rIns="91440" bIns="45720" rtlCol="0">
+            <a:noAutofit/>
+          </a:bodyPr>
+          <a:lstStyle>
+            <a:lvl1pPr marL="228600" indent="-228600" algn="l" defTabSz="914400" rtl="0" eaLnBrk="1" latinLnBrk="0" hangingPunct="1">
+              <a:lnSpc>
+                <a:spcPct val="90000"/>
+              </a:lnSpc>
+              <a:spcBef>
+                <a:spcPts val="1000"/>
+              </a:spcBef>
+              <a:buFont typeface="Arial" panose="020B0604020202020204" pitchFamily="34" charset="0"/>
+              <a:buChar char="•"/>
+              <a:defRPr sz="2800" kern="1200">
+                <a:solidFill>
+                  <a:schemeClr val="tx1"/>
+                </a:solidFill>
+                <a:latin typeface="+mn-lt"/>
+                <a:ea typeface="+mn-ea"/>
+                <a:cs typeface="+mn-cs"/>
+              </a:defRPr>
+            </a:lvl1pPr>
+            <a:lvl2pPr marL="685800" indent="-228600" algn="l" defTabSz="914400" rtl="0" eaLnBrk="1" latinLnBrk="0" hangingPunct="1">
+              <a:lnSpc>
+                <a:spcPct val="90000"/>
+              </a:lnSpc>
+              <a:spcBef>
+                <a:spcPts val="500"/>
+              </a:spcBef>
+              <a:buFont typeface="Arial" panose="020B0604020202020204" pitchFamily="34" charset="0"/>
+              <a:buChar char="•"/>
+              <a:defRPr sz="2400" kern="1200">
+                <a:solidFill>
+                  <a:schemeClr val="tx1"/>
+                </a:solidFill>
+                <a:latin typeface="+mn-lt"/>
+                <a:ea typeface="+mn-ea"/>
+                <a:cs typeface="+mn-cs"/>
+              </a:defRPr>
+            </a:lvl2pPr>
+            <a:lvl3pPr marL="1143000" indent="-228600" algn="l" defTabSz="914400" rtl="0" eaLnBrk="1" latinLnBrk="0" hangingPunct="1">
+              <a:lnSpc>
+                <a:spcPct val="90000"/>
+              </a:lnSpc>
+              <a:spcBef>
+                <a:spcPts val="500"/>
+              </a:spcBef>
+              <a:buFont typeface="Arial" panose="020B0604020202020204" pitchFamily="34" charset="0"/>
+              <a:buChar char="•"/>
+              <a:defRPr sz="2000" kern="1200">
+                <a:solidFill>
+                  <a:schemeClr val="tx1"/>
+                </a:solidFill>
+                <a:latin typeface="+mn-lt"/>
+                <a:ea typeface="+mn-ea"/>
+                <a:cs typeface="+mn-cs"/>
+              </a:defRPr>
+            </a:lvl3pPr>
+            <a:lvl4pPr marL="1600200" indent="-228600" algn="l" defTabSz="914400" rtl="0" eaLnBrk="1" latinLnBrk="0" hangingPunct="1">
+              <a:lnSpc>
+                <a:spcPct val="90000"/>
+              </a:lnSpc>
+              <a:spcBef>
+                <a:spcPts val="500"/>
+              </a:spcBef>
+              <a:buFont typeface="Arial" panose="020B0604020202020204" pitchFamily="34" charset="0"/>
+              <a:buChar char="•"/>
+              <a:defRPr sz="1800" kern="1200">
+                <a:solidFill>
+                  <a:schemeClr val="tx1"/>
+                </a:solidFill>
+                <a:latin typeface="+mn-lt"/>
+                <a:ea typeface="+mn-ea"/>
+                <a:cs typeface="+mn-cs"/>
+              </a:defRPr>
+            </a:lvl4pPr>
+            <a:lvl5pPr marL="2057400" indent="-228600" algn="l" defTabSz="914400" rtl="0" eaLnBrk="1" latinLnBrk="0" hangingPunct="1">
+              <a:lnSpc>
+                <a:spcPct val="90000"/>
+              </a:lnSpc>
+              <a:spcBef>
+                <a:spcPts val="500"/>
+              </a:spcBef>
+              <a:buFont typeface="Arial" panose="020B0604020202020204" pitchFamily="34" charset="0"/>
+              <a:buChar char="•"/>
+              <a:defRPr sz="1800" kern="1200">
+                <a:solidFill>
+                  <a:schemeClr val="tx1"/>
+                </a:solidFill>
+                <a:latin typeface="+mn-lt"/>
+                <a:ea typeface="+mn-ea"/>
+                <a:cs typeface="+mn-cs"/>
+              </a:defRPr>
+            </a:lvl5pPr>
+            <a:lvl6pPr marL="2514600" indent="-228600" algn="l" defTabSz="914400" rtl="0" eaLnBrk="1" latinLnBrk="0" hangingPunct="1">
+              <a:lnSpc>
+                <a:spcPct val="90000"/>
+              </a:lnSpc>
+              <a:spcBef>
+                <a:spcPts val="500"/>
+              </a:spcBef>
+              <a:buFont typeface="Arial" panose="020B0604020202020204" pitchFamily="34" charset="0"/>
+              <a:buChar char="•"/>
+              <a:defRPr sz="1800" kern="1200">
+                <a:solidFill>
+                  <a:schemeClr val="tx1"/>
+                </a:solidFill>
+                <a:latin typeface="+mn-lt"/>
+                <a:ea typeface="+mn-ea"/>
+                <a:cs typeface="+mn-cs"/>
+              </a:defRPr>
+            </a:lvl6pPr>
+            <a:lvl7pPr marL="2971800" indent="-228600" algn="l" defTabSz="914400" rtl="0" eaLnBrk="1" latinLnBrk="0" hangingPunct="1">
+              <a:lnSpc>
+                <a:spcPct val="90000"/>
+              </a:lnSpc>
+              <a:spcBef>
+                <a:spcPts val="500"/>
+              </a:spcBef>
+              <a:buFont typeface="Arial" panose="020B0604020202020204" pitchFamily="34" charset="0"/>
+              <a:buChar char="•"/>
+              <a:defRPr sz="1800" kern="1200">
+                <a:solidFill>
+                  <a:schemeClr val="tx1"/>
+                </a:solidFill>
+                <a:latin typeface="+mn-lt"/>
+                <a:ea typeface="+mn-ea"/>
+                <a:cs typeface="+mn-cs"/>
+              </a:defRPr>
+            </a:lvl7pPr>
+            <a:lvl8pPr marL="3429000" indent="-228600" algn="l" defTabSz="914400" rtl="0" eaLnBrk="1" latinLnBrk="0" hangingPunct="1">
+              <a:lnSpc>
+                <a:spcPct val="90000"/>
+              </a:lnSpc>
+              <a:spcBef>
+                <a:spcPts val="500"/>
+              </a:spcBef>
+              <a:buFont typeface="Arial" panose="020B0604020202020204" pitchFamily="34" charset="0"/>
+              <a:buChar char="•"/>
+              <a:defRPr sz="1800" kern="1200">
+                <a:solidFill>
+                  <a:schemeClr val="tx1"/>
+                </a:solidFill>
+                <a:latin typeface="+mn-lt"/>
+                <a:ea typeface="+mn-ea"/>
+                <a:cs typeface="+mn-cs"/>
+              </a:defRPr>
+            </a:lvl8pPr>
+            <a:lvl9pPr marL="3886200" indent="-228600" algn="l" defTabSz="914400" rtl="0" eaLnBrk="1" latinLnBrk="0" hangingPunct="1">
+              <a:lnSpc>
+                <a:spcPct val="90000"/>
+              </a:lnSpc>
+              <a:spcBef>
+                <a:spcPts val="500"/>
+              </a:spcBef>
+              <a:buFont typeface="Arial" panose="020B0604020202020204" pitchFamily="34" charset="0"/>
+              <a:buChar char="•"/>
+              <a:defRPr sz="1800" kern="1200">
+                <a:solidFill>
+                  <a:schemeClr val="tx1"/>
+                </a:solidFill>
+                <a:latin typeface="+mn-lt"/>
+                <a:ea typeface="+mn-ea"/>
+                <a:cs typeface="+mn-cs"/>
+              </a:defRPr>
+            </a:lvl9pPr>
+          </a:lstStyle>
+          <a:p>
+            <a:pPr marL="0" indent="0" algn="just">
+              <a:buNone/>
+            </a:pPr>
+            <a:r>
+              <a:rPr lang="es-CO" sz="1800" dirty="0">
+                <a:solidFill>
+                  <a:srgbClr val="020D43"/>
+                </a:solidFill>
+                <a:latin typeface="Nunito" pitchFamily="2" charset="0"/>
+              </a:rPr>
+              <a:t>Árboles: </a:t>
+            </a:r>
+            <a:r>
+              <a:rPr lang="es-CO" sz="1800" dirty="0" err="1">
+                <a:solidFill>
+                  <a:srgbClr val="020D43"/>
+                </a:solidFill>
+                <a:latin typeface="Nunito" pitchFamily="2" charset="0"/>
+              </a:rPr>
+              <a:t>Random</a:t>
+            </a:r>
+            <a:r>
+              <a:rPr lang="es-CO" sz="1800" dirty="0">
+                <a:solidFill>
+                  <a:srgbClr val="020D43"/>
+                </a:solidFill>
+                <a:latin typeface="Nunito" pitchFamily="2" charset="0"/>
+              </a:rPr>
+              <a:t> Forest </a:t>
+            </a:r>
+            <a:r>
+              <a:rPr lang="es-CO" sz="1800" dirty="0" err="1">
+                <a:solidFill>
+                  <a:srgbClr val="020D43"/>
+                </a:solidFill>
+                <a:latin typeface="Nunito" pitchFamily="2" charset="0"/>
+              </a:rPr>
+              <a:t>Regressor</a:t>
+            </a:r>
+            <a:endParaRPr lang="es-CO" sz="1800" dirty="0">
+              <a:solidFill>
+                <a:srgbClr val="020D43"/>
+              </a:solidFill>
+              <a:latin typeface="Nunito" pitchFamily="2" charset="0"/>
+            </a:endParaRPr>
+          </a:p>
+        </p:txBody>
+      </p:sp>
+      <p:sp>
+        <p:nvSpPr>
+          <p:cNvPr id="12" name="Content Placeholder 2">
+            <a:extLst>
+              <a:ext uri="{FF2B5EF4-FFF2-40B4-BE49-F238E27FC236}">
+                <a16:creationId xmlns:a16="http://schemas.microsoft.com/office/drawing/2014/main" id="{1EE52C1D-7516-A56F-FE22-137FB740D95C}"/>
+              </a:ext>
+            </a:extLst>
+          </p:cNvPr>
+          <p:cNvSpPr txBox="1">
+            <a:spLocks/>
+          </p:cNvSpPr>
+          <p:nvPr/>
+        </p:nvSpPr>
+        <p:spPr>
+          <a:xfrm>
+            <a:off x="6869914" y="4423999"/>
+            <a:ext cx="3794878" cy="416093"/>
+          </a:xfrm>
+          <a:prstGeom prst="rect">
+            <a:avLst/>
+          </a:prstGeom>
+        </p:spPr>
+        <p:txBody>
+          <a:bodyPr vert="horz" lIns="91440" tIns="45720" rIns="91440" bIns="45720" rtlCol="0">
+            <a:noAutofit/>
+          </a:bodyPr>
+          <a:lstStyle>
+            <a:lvl1pPr marL="228600" indent="-228600" algn="l" defTabSz="914400" rtl="0" eaLnBrk="1" latinLnBrk="0" hangingPunct="1">
+              <a:lnSpc>
+                <a:spcPct val="90000"/>
+              </a:lnSpc>
+              <a:spcBef>
+                <a:spcPts val="1000"/>
+              </a:spcBef>
+              <a:buFont typeface="Arial" panose="020B0604020202020204" pitchFamily="34" charset="0"/>
+              <a:buChar char="•"/>
+              <a:defRPr sz="2800" kern="1200">
+                <a:solidFill>
+                  <a:schemeClr val="tx1"/>
+                </a:solidFill>
+                <a:latin typeface="+mn-lt"/>
+                <a:ea typeface="+mn-ea"/>
+                <a:cs typeface="+mn-cs"/>
+              </a:defRPr>
+            </a:lvl1pPr>
+            <a:lvl2pPr marL="685800" indent="-228600" algn="l" defTabSz="914400" rtl="0" eaLnBrk="1" latinLnBrk="0" hangingPunct="1">
+              <a:lnSpc>
+                <a:spcPct val="90000"/>
+              </a:lnSpc>
+              <a:spcBef>
+                <a:spcPts val="500"/>
+              </a:spcBef>
+              <a:buFont typeface="Arial" panose="020B0604020202020204" pitchFamily="34" charset="0"/>
+              <a:buChar char="•"/>
+              <a:defRPr sz="2400" kern="1200">
+                <a:solidFill>
+                  <a:schemeClr val="tx1"/>
+                </a:solidFill>
+                <a:latin typeface="+mn-lt"/>
+                <a:ea typeface="+mn-ea"/>
+                <a:cs typeface="+mn-cs"/>
+              </a:defRPr>
+            </a:lvl2pPr>
+            <a:lvl3pPr marL="1143000" indent="-228600" algn="l" defTabSz="914400" rtl="0" eaLnBrk="1" latinLnBrk="0" hangingPunct="1">
+              <a:lnSpc>
+                <a:spcPct val="90000"/>
+              </a:lnSpc>
+              <a:spcBef>
+                <a:spcPts val="500"/>
+              </a:spcBef>
+              <a:buFont typeface="Arial" panose="020B0604020202020204" pitchFamily="34" charset="0"/>
+              <a:buChar char="•"/>
+              <a:defRPr sz="2000" kern="1200">
+                <a:solidFill>
+                  <a:schemeClr val="tx1"/>
+                </a:solidFill>
+                <a:latin typeface="+mn-lt"/>
+                <a:ea typeface="+mn-ea"/>
+                <a:cs typeface="+mn-cs"/>
+              </a:defRPr>
+            </a:lvl3pPr>
+            <a:lvl4pPr marL="1600200" indent="-228600" algn="l" defTabSz="914400" rtl="0" eaLnBrk="1" latinLnBrk="0" hangingPunct="1">
+              <a:lnSpc>
+                <a:spcPct val="90000"/>
+              </a:lnSpc>
+              <a:spcBef>
+                <a:spcPts val="500"/>
+              </a:spcBef>
+              <a:buFont typeface="Arial" panose="020B0604020202020204" pitchFamily="34" charset="0"/>
+              <a:buChar char="•"/>
+              <a:defRPr sz="1800" kern="1200">
+                <a:solidFill>
+                  <a:schemeClr val="tx1"/>
+                </a:solidFill>
+                <a:latin typeface="+mn-lt"/>
+                <a:ea typeface="+mn-ea"/>
+                <a:cs typeface="+mn-cs"/>
+              </a:defRPr>
+            </a:lvl4pPr>
+            <a:lvl5pPr marL="2057400" indent="-228600" algn="l" defTabSz="914400" rtl="0" eaLnBrk="1" latinLnBrk="0" hangingPunct="1">
+              <a:lnSpc>
+                <a:spcPct val="90000"/>
+              </a:lnSpc>
+              <a:spcBef>
+                <a:spcPts val="500"/>
+              </a:spcBef>
+              <a:buFont typeface="Arial" panose="020B0604020202020204" pitchFamily="34" charset="0"/>
+              <a:buChar char="•"/>
+              <a:defRPr sz="1800" kern="1200">
+                <a:solidFill>
+                  <a:schemeClr val="tx1"/>
+                </a:solidFill>
+                <a:latin typeface="+mn-lt"/>
+                <a:ea typeface="+mn-ea"/>
+                <a:cs typeface="+mn-cs"/>
+              </a:defRPr>
+            </a:lvl5pPr>
+            <a:lvl6pPr marL="2514600" indent="-228600" algn="l" defTabSz="914400" rtl="0" eaLnBrk="1" latinLnBrk="0" hangingPunct="1">
+              <a:lnSpc>
+                <a:spcPct val="90000"/>
+              </a:lnSpc>
+              <a:spcBef>
+                <a:spcPts val="500"/>
+              </a:spcBef>
+              <a:buFont typeface="Arial" panose="020B0604020202020204" pitchFamily="34" charset="0"/>
+              <a:buChar char="•"/>
+              <a:defRPr sz="1800" kern="1200">
+                <a:solidFill>
+                  <a:schemeClr val="tx1"/>
+                </a:solidFill>
+                <a:latin typeface="+mn-lt"/>
+                <a:ea typeface="+mn-ea"/>
+                <a:cs typeface="+mn-cs"/>
+              </a:defRPr>
+            </a:lvl6pPr>
+            <a:lvl7pPr marL="2971800" indent="-228600" algn="l" defTabSz="914400" rtl="0" eaLnBrk="1" latinLnBrk="0" hangingPunct="1">
+              <a:lnSpc>
+                <a:spcPct val="90000"/>
+              </a:lnSpc>
+              <a:spcBef>
+                <a:spcPts val="500"/>
+              </a:spcBef>
+              <a:buFont typeface="Arial" panose="020B0604020202020204" pitchFamily="34" charset="0"/>
+              <a:buChar char="•"/>
+              <a:defRPr sz="1800" kern="1200">
+                <a:solidFill>
+                  <a:schemeClr val="tx1"/>
+                </a:solidFill>
+                <a:latin typeface="+mn-lt"/>
+                <a:ea typeface="+mn-ea"/>
+                <a:cs typeface="+mn-cs"/>
+              </a:defRPr>
+            </a:lvl7pPr>
+            <a:lvl8pPr marL="3429000" indent="-228600" algn="l" defTabSz="914400" rtl="0" eaLnBrk="1" latinLnBrk="0" hangingPunct="1">
+              <a:lnSpc>
+                <a:spcPct val="90000"/>
+              </a:lnSpc>
+              <a:spcBef>
+                <a:spcPts val="500"/>
+              </a:spcBef>
+              <a:buFont typeface="Arial" panose="020B0604020202020204" pitchFamily="34" charset="0"/>
+              <a:buChar char="•"/>
+              <a:defRPr sz="1800" kern="1200">
+                <a:solidFill>
+                  <a:schemeClr val="tx1"/>
+                </a:solidFill>
+                <a:latin typeface="+mn-lt"/>
+                <a:ea typeface="+mn-ea"/>
+                <a:cs typeface="+mn-cs"/>
+              </a:defRPr>
+            </a:lvl8pPr>
+            <a:lvl9pPr marL="3886200" indent="-228600" algn="l" defTabSz="914400" rtl="0" eaLnBrk="1" latinLnBrk="0" hangingPunct="1">
+              <a:lnSpc>
+                <a:spcPct val="90000"/>
+              </a:lnSpc>
+              <a:spcBef>
+                <a:spcPts val="500"/>
+              </a:spcBef>
+              <a:buFont typeface="Arial" panose="020B0604020202020204" pitchFamily="34" charset="0"/>
+              <a:buChar char="•"/>
+              <a:defRPr sz="1800" kern="1200">
+                <a:solidFill>
+                  <a:schemeClr val="tx1"/>
+                </a:solidFill>
+                <a:latin typeface="+mn-lt"/>
+                <a:ea typeface="+mn-ea"/>
+                <a:cs typeface="+mn-cs"/>
+              </a:defRPr>
+            </a:lvl9pPr>
+          </a:lstStyle>
+          <a:p>
+            <a:pPr marL="0" indent="0" algn="just">
+              <a:buNone/>
+            </a:pPr>
+            <a:r>
+              <a:rPr lang="es-CO" sz="1800" dirty="0">
+                <a:solidFill>
+                  <a:srgbClr val="020D43"/>
+                </a:solidFill>
+                <a:latin typeface="Nunito" pitchFamily="2" charset="0"/>
+              </a:rPr>
+              <a:t>Se hace una codificación </a:t>
+            </a:r>
+            <a:r>
+              <a:rPr lang="es-CO" sz="1800" dirty="0" err="1">
+                <a:solidFill>
+                  <a:srgbClr val="020D43"/>
+                </a:solidFill>
+                <a:latin typeface="Nunito" pitchFamily="2" charset="0"/>
+              </a:rPr>
+              <a:t>one</a:t>
+            </a:r>
+            <a:r>
+              <a:rPr lang="es-CO" sz="1800" dirty="0">
+                <a:solidFill>
+                  <a:srgbClr val="020D43"/>
+                </a:solidFill>
+                <a:latin typeface="Nunito" pitchFamily="2" charset="0"/>
+              </a:rPr>
+              <a:t> </a:t>
+            </a:r>
+            <a:r>
+              <a:rPr lang="es-CO" sz="1800" dirty="0" err="1">
+                <a:solidFill>
+                  <a:srgbClr val="020D43"/>
+                </a:solidFill>
+                <a:latin typeface="Nunito" pitchFamily="2" charset="0"/>
+              </a:rPr>
+              <a:t>hot</a:t>
+            </a:r>
+            <a:r>
+              <a:rPr lang="es-CO" sz="1800" dirty="0">
+                <a:solidFill>
+                  <a:srgbClr val="020D43"/>
+                </a:solidFill>
+                <a:latin typeface="Nunito" pitchFamily="2" charset="0"/>
+              </a:rPr>
+              <a:t> para tener en cuenta la variable </a:t>
+            </a:r>
+            <a:r>
+              <a:rPr lang="es-CO" sz="1800" i="1" dirty="0" err="1">
+                <a:solidFill>
+                  <a:srgbClr val="020D43"/>
+                </a:solidFill>
+                <a:latin typeface="Nunito" pitchFamily="2" charset="0"/>
+              </a:rPr>
+              <a:t>vendor</a:t>
+            </a:r>
+            <a:r>
+              <a:rPr lang="es-CO" sz="1800" dirty="0">
+                <a:solidFill>
+                  <a:srgbClr val="020D43"/>
+                </a:solidFill>
+                <a:latin typeface="Nunito" pitchFamily="2" charset="0"/>
+              </a:rPr>
+              <a:t> y no se hace tuneo del modelo</a:t>
+            </a:r>
+          </a:p>
+        </p:txBody>
+      </p:sp>
+      <p:sp>
+        <p:nvSpPr>
+          <p:cNvPr id="13" name="Content Placeholder 2">
+            <a:extLst>
+              <a:ext uri="{FF2B5EF4-FFF2-40B4-BE49-F238E27FC236}">
+                <a16:creationId xmlns:a16="http://schemas.microsoft.com/office/drawing/2014/main" id="{59B942A1-35FC-12BD-506D-5EF0AFD196CD}"/>
+              </a:ext>
+            </a:extLst>
+          </p:cNvPr>
+          <p:cNvSpPr txBox="1">
+            <a:spLocks/>
+          </p:cNvSpPr>
+          <p:nvPr/>
+        </p:nvSpPr>
+        <p:spPr>
+          <a:xfrm>
+            <a:off x="6862812" y="2418396"/>
+            <a:ext cx="3794878" cy="416093"/>
+          </a:xfrm>
+          <a:prstGeom prst="rect">
+            <a:avLst/>
+          </a:prstGeom>
+        </p:spPr>
+        <p:txBody>
+          <a:bodyPr vert="horz" lIns="91440" tIns="45720" rIns="91440" bIns="45720" rtlCol="0">
+            <a:noAutofit/>
+          </a:bodyPr>
+          <a:lstStyle>
+            <a:lvl1pPr marL="228600" indent="-228600" algn="l" defTabSz="914400" rtl="0" eaLnBrk="1" latinLnBrk="0" hangingPunct="1">
+              <a:lnSpc>
+                <a:spcPct val="90000"/>
+              </a:lnSpc>
+              <a:spcBef>
+                <a:spcPts val="1000"/>
+              </a:spcBef>
+              <a:buFont typeface="Arial" panose="020B0604020202020204" pitchFamily="34" charset="0"/>
+              <a:buChar char="•"/>
+              <a:defRPr sz="2800" kern="1200">
+                <a:solidFill>
+                  <a:schemeClr val="tx1"/>
+                </a:solidFill>
+                <a:latin typeface="+mn-lt"/>
+                <a:ea typeface="+mn-ea"/>
+                <a:cs typeface="+mn-cs"/>
+              </a:defRPr>
+            </a:lvl1pPr>
+            <a:lvl2pPr marL="685800" indent="-228600" algn="l" defTabSz="914400" rtl="0" eaLnBrk="1" latinLnBrk="0" hangingPunct="1">
+              <a:lnSpc>
+                <a:spcPct val="90000"/>
+              </a:lnSpc>
+              <a:spcBef>
+                <a:spcPts val="500"/>
+              </a:spcBef>
+              <a:buFont typeface="Arial" panose="020B0604020202020204" pitchFamily="34" charset="0"/>
+              <a:buChar char="•"/>
+              <a:defRPr sz="2400" kern="1200">
+                <a:solidFill>
+                  <a:schemeClr val="tx1"/>
+                </a:solidFill>
+                <a:latin typeface="+mn-lt"/>
+                <a:ea typeface="+mn-ea"/>
+                <a:cs typeface="+mn-cs"/>
+              </a:defRPr>
+            </a:lvl2pPr>
+            <a:lvl3pPr marL="1143000" indent="-228600" algn="l" defTabSz="914400" rtl="0" eaLnBrk="1" latinLnBrk="0" hangingPunct="1">
+              <a:lnSpc>
+                <a:spcPct val="90000"/>
+              </a:lnSpc>
+              <a:spcBef>
+                <a:spcPts val="500"/>
+              </a:spcBef>
+              <a:buFont typeface="Arial" panose="020B0604020202020204" pitchFamily="34" charset="0"/>
+              <a:buChar char="•"/>
+              <a:defRPr sz="2000" kern="1200">
+                <a:solidFill>
+                  <a:schemeClr val="tx1"/>
+                </a:solidFill>
+                <a:latin typeface="+mn-lt"/>
+                <a:ea typeface="+mn-ea"/>
+                <a:cs typeface="+mn-cs"/>
+              </a:defRPr>
+            </a:lvl3pPr>
+            <a:lvl4pPr marL="1600200" indent="-228600" algn="l" defTabSz="914400" rtl="0" eaLnBrk="1" latinLnBrk="0" hangingPunct="1">
+              <a:lnSpc>
+                <a:spcPct val="90000"/>
+              </a:lnSpc>
+              <a:spcBef>
+                <a:spcPts val="500"/>
+              </a:spcBef>
+              <a:buFont typeface="Arial" panose="020B0604020202020204" pitchFamily="34" charset="0"/>
+              <a:buChar char="•"/>
+              <a:defRPr sz="1800" kern="1200">
+                <a:solidFill>
+                  <a:schemeClr val="tx1"/>
+                </a:solidFill>
+                <a:latin typeface="+mn-lt"/>
+                <a:ea typeface="+mn-ea"/>
+                <a:cs typeface="+mn-cs"/>
+              </a:defRPr>
+            </a:lvl4pPr>
+            <a:lvl5pPr marL="2057400" indent="-228600" algn="l" defTabSz="914400" rtl="0" eaLnBrk="1" latinLnBrk="0" hangingPunct="1">
+              <a:lnSpc>
+                <a:spcPct val="90000"/>
+              </a:lnSpc>
+              <a:spcBef>
+                <a:spcPts val="500"/>
+              </a:spcBef>
+              <a:buFont typeface="Arial" panose="020B0604020202020204" pitchFamily="34" charset="0"/>
+              <a:buChar char="•"/>
+              <a:defRPr sz="1800" kern="1200">
+                <a:solidFill>
+                  <a:schemeClr val="tx1"/>
+                </a:solidFill>
+                <a:latin typeface="+mn-lt"/>
+                <a:ea typeface="+mn-ea"/>
+                <a:cs typeface="+mn-cs"/>
+              </a:defRPr>
+            </a:lvl5pPr>
+            <a:lvl6pPr marL="2514600" indent="-228600" algn="l" defTabSz="914400" rtl="0" eaLnBrk="1" latinLnBrk="0" hangingPunct="1">
+              <a:lnSpc>
+                <a:spcPct val="90000"/>
+              </a:lnSpc>
+              <a:spcBef>
+                <a:spcPts val="500"/>
+              </a:spcBef>
+              <a:buFont typeface="Arial" panose="020B0604020202020204" pitchFamily="34" charset="0"/>
+              <a:buChar char="•"/>
+              <a:defRPr sz="1800" kern="1200">
+                <a:solidFill>
+                  <a:schemeClr val="tx1"/>
+                </a:solidFill>
+                <a:latin typeface="+mn-lt"/>
+                <a:ea typeface="+mn-ea"/>
+                <a:cs typeface="+mn-cs"/>
+              </a:defRPr>
+            </a:lvl6pPr>
+            <a:lvl7pPr marL="2971800" indent="-228600" algn="l" defTabSz="914400" rtl="0" eaLnBrk="1" latinLnBrk="0" hangingPunct="1">
+              <a:lnSpc>
+                <a:spcPct val="90000"/>
+              </a:lnSpc>
+              <a:spcBef>
+                <a:spcPts val="500"/>
+              </a:spcBef>
+              <a:buFont typeface="Arial" panose="020B0604020202020204" pitchFamily="34" charset="0"/>
+              <a:buChar char="•"/>
+              <a:defRPr sz="1800" kern="1200">
+                <a:solidFill>
+                  <a:schemeClr val="tx1"/>
+                </a:solidFill>
+                <a:latin typeface="+mn-lt"/>
+                <a:ea typeface="+mn-ea"/>
+                <a:cs typeface="+mn-cs"/>
+              </a:defRPr>
+            </a:lvl7pPr>
+            <a:lvl8pPr marL="3429000" indent="-228600" algn="l" defTabSz="914400" rtl="0" eaLnBrk="1" latinLnBrk="0" hangingPunct="1">
+              <a:lnSpc>
+                <a:spcPct val="90000"/>
+              </a:lnSpc>
+              <a:spcBef>
+                <a:spcPts val="500"/>
+              </a:spcBef>
+              <a:buFont typeface="Arial" panose="020B0604020202020204" pitchFamily="34" charset="0"/>
+              <a:buChar char="•"/>
+              <a:defRPr sz="1800" kern="1200">
+                <a:solidFill>
+                  <a:schemeClr val="tx1"/>
+                </a:solidFill>
+                <a:latin typeface="+mn-lt"/>
+                <a:ea typeface="+mn-ea"/>
+                <a:cs typeface="+mn-cs"/>
+              </a:defRPr>
+            </a:lvl8pPr>
+            <a:lvl9pPr marL="3886200" indent="-228600" algn="l" defTabSz="914400" rtl="0" eaLnBrk="1" latinLnBrk="0" hangingPunct="1">
+              <a:lnSpc>
+                <a:spcPct val="90000"/>
+              </a:lnSpc>
+              <a:spcBef>
+                <a:spcPts val="500"/>
+              </a:spcBef>
+              <a:buFont typeface="Arial" panose="020B0604020202020204" pitchFamily="34" charset="0"/>
+              <a:buChar char="•"/>
+              <a:defRPr sz="1800" kern="1200">
+                <a:solidFill>
+                  <a:schemeClr val="tx1"/>
+                </a:solidFill>
+                <a:latin typeface="+mn-lt"/>
+                <a:ea typeface="+mn-ea"/>
+                <a:cs typeface="+mn-cs"/>
+              </a:defRPr>
+            </a:lvl9pPr>
+          </a:lstStyle>
+          <a:p>
+            <a:pPr marL="0" indent="0" algn="just">
+              <a:buNone/>
+            </a:pPr>
+            <a:r>
+              <a:rPr lang="es-CO" sz="1800" dirty="0">
+                <a:solidFill>
+                  <a:srgbClr val="020D43"/>
+                </a:solidFill>
+                <a:latin typeface="Nunito" pitchFamily="2" charset="0"/>
+              </a:rPr>
+              <a:t>Observamos que los proveedores </a:t>
+            </a:r>
+            <a:r>
+              <a:rPr lang="es-CO" sz="1800" dirty="0" err="1">
+                <a:solidFill>
+                  <a:srgbClr val="020D43"/>
+                </a:solidFill>
+                <a:latin typeface="Nunito" pitchFamily="2" charset="0"/>
+              </a:rPr>
+              <a:t>Skgasesoresinmobiliarios</a:t>
+            </a:r>
+            <a:r>
+              <a:rPr lang="es-CO" sz="1800" dirty="0">
+                <a:solidFill>
+                  <a:srgbClr val="020D43"/>
+                </a:solidFill>
+                <a:latin typeface="Nunito" pitchFamily="2" charset="0"/>
+              </a:rPr>
+              <a:t>, </a:t>
+            </a:r>
+            <a:r>
+              <a:rPr lang="es-CO" sz="1800" dirty="0" err="1">
+                <a:solidFill>
+                  <a:srgbClr val="020D43"/>
+                </a:solidFill>
+                <a:latin typeface="Nunito" pitchFamily="2" charset="0"/>
+              </a:rPr>
+              <a:t>Buscatuhogarmexico</a:t>
+            </a:r>
+            <a:r>
+              <a:rPr lang="es-CO" sz="1800" dirty="0">
+                <a:solidFill>
+                  <a:srgbClr val="020D43"/>
+                </a:solidFill>
+                <a:latin typeface="Nunito" pitchFamily="2" charset="0"/>
+              </a:rPr>
+              <a:t> y </a:t>
+            </a:r>
+            <a:r>
+              <a:rPr lang="es-CO" sz="1800" dirty="0" err="1">
+                <a:solidFill>
+                  <a:srgbClr val="020D43"/>
+                </a:solidFill>
+                <a:latin typeface="Nunito" pitchFamily="2" charset="0"/>
+              </a:rPr>
+              <a:t>RealtyWorld</a:t>
+            </a:r>
+            <a:r>
+              <a:rPr lang="es-CO" sz="1800" dirty="0">
+                <a:solidFill>
+                  <a:srgbClr val="020D43"/>
+                </a:solidFill>
+                <a:latin typeface="Nunito" pitchFamily="2" charset="0"/>
+              </a:rPr>
+              <a:t> </a:t>
+            </a:r>
+            <a:r>
+              <a:rPr lang="es-CO" sz="1800" dirty="0" err="1">
+                <a:solidFill>
+                  <a:srgbClr val="020D43"/>
+                </a:solidFill>
+                <a:latin typeface="Nunito" pitchFamily="2" charset="0"/>
+              </a:rPr>
+              <a:t>Herrerapalacios</a:t>
+            </a:r>
+            <a:r>
+              <a:rPr lang="es-CO" sz="1800" dirty="0">
+                <a:solidFill>
+                  <a:srgbClr val="020D43"/>
+                </a:solidFill>
+                <a:latin typeface="Nunito" pitchFamily="2" charset="0"/>
+              </a:rPr>
+              <a:t> tienen mayor impacto que el número de parqueaderos y el número de baños  </a:t>
+            </a:r>
+          </a:p>
+        </p:txBody>
+      </p:sp>
+      <p:sp>
+        <p:nvSpPr>
+          <p:cNvPr id="15" name="TextBox 14">
+            <a:extLst>
+              <a:ext uri="{FF2B5EF4-FFF2-40B4-BE49-F238E27FC236}">
+                <a16:creationId xmlns:a16="http://schemas.microsoft.com/office/drawing/2014/main" id="{D22F85DE-DEA3-A2B9-664D-BC563DC93DB3}"/>
+              </a:ext>
+            </a:extLst>
+          </p:cNvPr>
+          <p:cNvSpPr txBox="1"/>
+          <p:nvPr/>
+        </p:nvSpPr>
+        <p:spPr>
+          <a:xfrm>
+            <a:off x="11365831" y="6247332"/>
+            <a:ext cx="334879" cy="369332"/>
+          </a:xfrm>
+          <a:prstGeom prst="rect">
+            <a:avLst/>
+          </a:prstGeom>
+          <a:noFill/>
+        </p:spPr>
+        <p:txBody>
+          <a:bodyPr wrap="square">
+            <a:spAutoFit/>
+          </a:bodyPr>
+          <a:lstStyle/>
+          <a:p>
+            <a:r>
+              <a:rPr lang="es-CO" dirty="0">
+                <a:solidFill>
+                  <a:srgbClr val="26E5CE"/>
+                </a:solidFill>
+                <a:latin typeface="Nunito" pitchFamily="2" charset="0"/>
+              </a:rPr>
+              <a:t>4</a:t>
+            </a:r>
+          </a:p>
+        </p:txBody>
+      </p:sp>
+    </p:spTree>
+    <p:extLst>
+      <p:ext uri="{BB962C8B-B14F-4D97-AF65-F5344CB8AC3E}">
+        <p14:creationId xmlns:p14="http://schemas.microsoft.com/office/powerpoint/2010/main" val="2936077443"/>
+      </p:ext>
+    </p:extLst>
+  </p:cSld>
+  <p:clrMapOvr>
+    <a:masterClrMapping/>
+  </p:clrMapOvr>
+</p:sld>
+</file>
+
+<file path=ppt/slides/slide5.xml><?xml version="1.0" encoding="utf-8"?>
+<p:sld xmlns:a="http://schemas.openxmlformats.org/drawingml/2006/main" xmlns:r="http://schemas.openxmlformats.org/officeDocument/2006/relationships" xmlns:p="http://schemas.openxmlformats.org/presentationml/2006/main">
+  <p:cSld>
+    <p:spTree>
+      <p:nvGrpSpPr>
+        <p:cNvPr id="1" name=""/>
+        <p:cNvGrpSpPr/>
+        <p:nvPr/>
+      </p:nvGrpSpPr>
+      <p:grpSpPr>
+        <a:xfrm>
+          <a:off x="0" y="0"/>
+          <a:ext cx="0" cy="0"/>
+          <a:chOff x="0" y="0"/>
+          <a:chExt cx="0" cy="0"/>
+        </a:xfrm>
+      </p:grpSpPr>
+      <p:sp>
+        <p:nvSpPr>
+          <p:cNvPr id="2" name="Title 1">
+            <a:extLst>
+              <a:ext uri="{FF2B5EF4-FFF2-40B4-BE49-F238E27FC236}">
+                <a16:creationId xmlns:a16="http://schemas.microsoft.com/office/drawing/2014/main" id="{B3422606-9A7C-5A4E-C935-523F5970AE28}"/>
+              </a:ext>
+            </a:extLst>
+          </p:cNvPr>
+          <p:cNvSpPr>
+            <a:spLocks noGrp="1"/>
+          </p:cNvSpPr>
+          <p:nvPr>
+            <p:ph type="title"/>
+          </p:nvPr>
+        </p:nvSpPr>
+        <p:spPr/>
+        <p:txBody>
+          <a:bodyPr/>
+          <a:lstStyle/>
+          <a:p>
+            <a:r>
+              <a:rPr lang="es-CO" dirty="0">
+                <a:solidFill>
+                  <a:srgbClr val="020D43"/>
+                </a:solidFill>
+                <a:latin typeface="Nunito" pitchFamily="2" charset="0"/>
+              </a:rPr>
+              <a:t>Pregunta 1</a:t>
+            </a:r>
+          </a:p>
+        </p:txBody>
+      </p:sp>
+      <p:pic>
+        <p:nvPicPr>
+          <p:cNvPr id="16" name="Picture 15">
+            <a:extLst>
+              <a:ext uri="{FF2B5EF4-FFF2-40B4-BE49-F238E27FC236}">
+                <a16:creationId xmlns:a16="http://schemas.microsoft.com/office/drawing/2014/main" id="{7CE57754-0365-0C8B-46B2-8C7F0454B7E8}"/>
+              </a:ext>
+            </a:extLst>
+          </p:cNvPr>
+          <p:cNvPicPr>
+            <a:picLocks noChangeAspect="1"/>
+          </p:cNvPicPr>
+          <p:nvPr/>
+        </p:nvPicPr>
+        <p:blipFill>
+          <a:blip r:embed="rId2"/>
+          <a:stretch>
+            <a:fillRect/>
+          </a:stretch>
+        </p:blipFill>
+        <p:spPr>
+          <a:xfrm>
+            <a:off x="1066646" y="2136861"/>
+            <a:ext cx="10058707" cy="1997772"/>
+          </a:xfrm>
+          <a:prstGeom prst="rect">
+            <a:avLst/>
+          </a:prstGeom>
+        </p:spPr>
+      </p:pic>
+      <p:sp>
+        <p:nvSpPr>
+          <p:cNvPr id="20" name="TextBox 19">
+            <a:extLst>
+              <a:ext uri="{FF2B5EF4-FFF2-40B4-BE49-F238E27FC236}">
+                <a16:creationId xmlns:a16="http://schemas.microsoft.com/office/drawing/2014/main" id="{13FD53ED-5F20-910B-CD0E-AD93C3247991}"/>
+              </a:ext>
+            </a:extLst>
+          </p:cNvPr>
+          <p:cNvSpPr txBox="1"/>
+          <p:nvPr/>
+        </p:nvSpPr>
+        <p:spPr>
+          <a:xfrm>
+            <a:off x="309986" y="6276590"/>
+            <a:ext cx="10121276" cy="461665"/>
+          </a:xfrm>
+          <a:prstGeom prst="rect">
+            <a:avLst/>
+          </a:prstGeom>
+          <a:noFill/>
+        </p:spPr>
+        <p:txBody>
+          <a:bodyPr wrap="square">
+            <a:spAutoFit/>
+          </a:bodyPr>
+          <a:lstStyle/>
+          <a:p>
+            <a:r>
+              <a:rPr lang="es-CO" sz="1200" u="sng" dirty="0">
+                <a:solidFill>
+                  <a:srgbClr val="0070C0"/>
+                </a:solidFill>
+              </a:rPr>
+              <a:t>https://datos.cdmx.gob.mx/dataset/</a:t>
+            </a:r>
+            <a:br>
+              <a:rPr lang="es-CO" sz="1200" u="sng" dirty="0">
+                <a:solidFill>
+                  <a:srgbClr val="0070C0"/>
+                </a:solidFill>
+              </a:rPr>
+            </a:br>
+            <a:r>
+              <a:rPr lang="es-CO" sz="1200" u="sng" dirty="0">
+                <a:solidFill>
+                  <a:srgbClr val="0070C0"/>
+                </a:solidFill>
+              </a:rPr>
+              <a:t>https://www.kaggle.com/datasets/emmanuelleai/salarios-en-mexico?select=Salarios+en+Mexico.csv</a:t>
+            </a:r>
+          </a:p>
+        </p:txBody>
+      </p:sp>
+      <p:pic>
+        <p:nvPicPr>
+          <p:cNvPr id="5" name="Picture 4">
+            <a:extLst>
+              <a:ext uri="{FF2B5EF4-FFF2-40B4-BE49-F238E27FC236}">
+                <a16:creationId xmlns:a16="http://schemas.microsoft.com/office/drawing/2014/main" id="{214203DC-304F-A0E7-E7EC-63AE65097678}"/>
+              </a:ext>
+            </a:extLst>
+          </p:cNvPr>
+          <p:cNvPicPr>
+            <a:picLocks noChangeAspect="1"/>
+          </p:cNvPicPr>
+          <p:nvPr/>
+        </p:nvPicPr>
+        <p:blipFill>
+          <a:blip r:embed="rId3"/>
+          <a:stretch>
+            <a:fillRect/>
+          </a:stretch>
+        </p:blipFill>
+        <p:spPr>
+          <a:xfrm>
+            <a:off x="11049803" y="241336"/>
+            <a:ext cx="587139" cy="601460"/>
+          </a:xfrm>
+          <a:prstGeom prst="rect">
+            <a:avLst/>
+          </a:prstGeom>
+        </p:spPr>
+      </p:pic>
+      <p:sp>
+        <p:nvSpPr>
+          <p:cNvPr id="9" name="Content Placeholder 2">
+            <a:extLst>
+              <a:ext uri="{FF2B5EF4-FFF2-40B4-BE49-F238E27FC236}">
+                <a16:creationId xmlns:a16="http://schemas.microsoft.com/office/drawing/2014/main" id="{EE2B24D7-CA59-C6DD-9E73-E8B9618820C9}"/>
+              </a:ext>
+            </a:extLst>
+          </p:cNvPr>
+          <p:cNvSpPr txBox="1">
+            <a:spLocks/>
+          </p:cNvSpPr>
+          <p:nvPr/>
+        </p:nvSpPr>
+        <p:spPr>
+          <a:xfrm>
+            <a:off x="911097" y="1274595"/>
+            <a:ext cx="7808360" cy="416093"/>
+          </a:xfrm>
+          <a:prstGeom prst="rect">
+            <a:avLst/>
+          </a:prstGeom>
+        </p:spPr>
+        <p:txBody>
+          <a:bodyPr vert="horz" lIns="91440" tIns="45720" rIns="91440" bIns="45720" rtlCol="0">
+            <a:noAutofit/>
+          </a:bodyPr>
+          <a:lstStyle>
+            <a:lvl1pPr marL="228600" indent="-228600" algn="l" defTabSz="914400" rtl="0" eaLnBrk="1" latinLnBrk="0" hangingPunct="1">
+              <a:lnSpc>
+                <a:spcPct val="90000"/>
+              </a:lnSpc>
+              <a:spcBef>
+                <a:spcPts val="1000"/>
+              </a:spcBef>
+              <a:buFont typeface="Arial" panose="020B0604020202020204" pitchFamily="34" charset="0"/>
+              <a:buChar char="•"/>
+              <a:defRPr sz="2800" kern="1200">
+                <a:solidFill>
+                  <a:schemeClr val="tx1"/>
+                </a:solidFill>
+                <a:latin typeface="+mn-lt"/>
+                <a:ea typeface="+mn-ea"/>
+                <a:cs typeface="+mn-cs"/>
+              </a:defRPr>
+            </a:lvl1pPr>
+            <a:lvl2pPr marL="685800" indent="-228600" algn="l" defTabSz="914400" rtl="0" eaLnBrk="1" latinLnBrk="0" hangingPunct="1">
+              <a:lnSpc>
+                <a:spcPct val="90000"/>
+              </a:lnSpc>
+              <a:spcBef>
+                <a:spcPts val="500"/>
+              </a:spcBef>
+              <a:buFont typeface="Arial" panose="020B0604020202020204" pitchFamily="34" charset="0"/>
+              <a:buChar char="•"/>
+              <a:defRPr sz="2400" kern="1200">
+                <a:solidFill>
+                  <a:schemeClr val="tx1"/>
+                </a:solidFill>
+                <a:latin typeface="+mn-lt"/>
+                <a:ea typeface="+mn-ea"/>
+                <a:cs typeface="+mn-cs"/>
+              </a:defRPr>
+            </a:lvl2pPr>
+            <a:lvl3pPr marL="1143000" indent="-228600" algn="l" defTabSz="914400" rtl="0" eaLnBrk="1" latinLnBrk="0" hangingPunct="1">
+              <a:lnSpc>
+                <a:spcPct val="90000"/>
+              </a:lnSpc>
+              <a:spcBef>
+                <a:spcPts val="500"/>
+              </a:spcBef>
+              <a:buFont typeface="Arial" panose="020B0604020202020204" pitchFamily="34" charset="0"/>
+              <a:buChar char="•"/>
+              <a:defRPr sz="2000" kern="1200">
+                <a:solidFill>
+                  <a:schemeClr val="tx1"/>
+                </a:solidFill>
+                <a:latin typeface="+mn-lt"/>
+                <a:ea typeface="+mn-ea"/>
+                <a:cs typeface="+mn-cs"/>
+              </a:defRPr>
+            </a:lvl3pPr>
+            <a:lvl4pPr marL="1600200" indent="-228600" algn="l" defTabSz="914400" rtl="0" eaLnBrk="1" latinLnBrk="0" hangingPunct="1">
+              <a:lnSpc>
+                <a:spcPct val="90000"/>
+              </a:lnSpc>
+              <a:spcBef>
+                <a:spcPts val="500"/>
+              </a:spcBef>
+              <a:buFont typeface="Arial" panose="020B0604020202020204" pitchFamily="34" charset="0"/>
+              <a:buChar char="•"/>
+              <a:defRPr sz="1800" kern="1200">
+                <a:solidFill>
+                  <a:schemeClr val="tx1"/>
+                </a:solidFill>
+                <a:latin typeface="+mn-lt"/>
+                <a:ea typeface="+mn-ea"/>
+                <a:cs typeface="+mn-cs"/>
+              </a:defRPr>
+            </a:lvl4pPr>
+            <a:lvl5pPr marL="2057400" indent="-228600" algn="l" defTabSz="914400" rtl="0" eaLnBrk="1" latinLnBrk="0" hangingPunct="1">
+              <a:lnSpc>
+                <a:spcPct val="90000"/>
+              </a:lnSpc>
+              <a:spcBef>
+                <a:spcPts val="500"/>
+              </a:spcBef>
+              <a:buFont typeface="Arial" panose="020B0604020202020204" pitchFamily="34" charset="0"/>
+              <a:buChar char="•"/>
+              <a:defRPr sz="1800" kern="1200">
+                <a:solidFill>
+                  <a:schemeClr val="tx1"/>
+                </a:solidFill>
+                <a:latin typeface="+mn-lt"/>
+                <a:ea typeface="+mn-ea"/>
+                <a:cs typeface="+mn-cs"/>
+              </a:defRPr>
+            </a:lvl5pPr>
+            <a:lvl6pPr marL="2514600" indent="-228600" algn="l" defTabSz="914400" rtl="0" eaLnBrk="1" latinLnBrk="0" hangingPunct="1">
+              <a:lnSpc>
+                <a:spcPct val="90000"/>
+              </a:lnSpc>
+              <a:spcBef>
+                <a:spcPts val="500"/>
+              </a:spcBef>
+              <a:buFont typeface="Arial" panose="020B0604020202020204" pitchFamily="34" charset="0"/>
+              <a:buChar char="•"/>
+              <a:defRPr sz="1800" kern="1200">
+                <a:solidFill>
+                  <a:schemeClr val="tx1"/>
+                </a:solidFill>
+                <a:latin typeface="+mn-lt"/>
+                <a:ea typeface="+mn-ea"/>
+                <a:cs typeface="+mn-cs"/>
+              </a:defRPr>
+            </a:lvl6pPr>
+            <a:lvl7pPr marL="2971800" indent="-228600" algn="l" defTabSz="914400" rtl="0" eaLnBrk="1" latinLnBrk="0" hangingPunct="1">
+              <a:lnSpc>
+                <a:spcPct val="90000"/>
+              </a:lnSpc>
+              <a:spcBef>
+                <a:spcPts val="500"/>
+              </a:spcBef>
+              <a:buFont typeface="Arial" panose="020B0604020202020204" pitchFamily="34" charset="0"/>
+              <a:buChar char="•"/>
+              <a:defRPr sz="1800" kern="1200">
+                <a:solidFill>
+                  <a:schemeClr val="tx1"/>
+                </a:solidFill>
+                <a:latin typeface="+mn-lt"/>
+                <a:ea typeface="+mn-ea"/>
+                <a:cs typeface="+mn-cs"/>
+              </a:defRPr>
+            </a:lvl7pPr>
+            <a:lvl8pPr marL="3429000" indent="-228600" algn="l" defTabSz="914400" rtl="0" eaLnBrk="1" latinLnBrk="0" hangingPunct="1">
+              <a:lnSpc>
+                <a:spcPct val="90000"/>
+              </a:lnSpc>
+              <a:spcBef>
+                <a:spcPts val="500"/>
+              </a:spcBef>
+              <a:buFont typeface="Arial" panose="020B0604020202020204" pitchFamily="34" charset="0"/>
+              <a:buChar char="•"/>
+              <a:defRPr sz="1800" kern="1200">
+                <a:solidFill>
+                  <a:schemeClr val="tx1"/>
+                </a:solidFill>
+                <a:latin typeface="+mn-lt"/>
+                <a:ea typeface="+mn-ea"/>
+                <a:cs typeface="+mn-cs"/>
+              </a:defRPr>
+            </a:lvl8pPr>
+            <a:lvl9pPr marL="3886200" indent="-228600" algn="l" defTabSz="914400" rtl="0" eaLnBrk="1" latinLnBrk="0" hangingPunct="1">
+              <a:lnSpc>
+                <a:spcPct val="90000"/>
+              </a:lnSpc>
+              <a:spcBef>
+                <a:spcPts val="500"/>
+              </a:spcBef>
+              <a:buFont typeface="Arial" panose="020B0604020202020204" pitchFamily="34" charset="0"/>
+              <a:buChar char="•"/>
+              <a:defRPr sz="1800" kern="1200">
+                <a:solidFill>
+                  <a:schemeClr val="tx1"/>
+                </a:solidFill>
+                <a:latin typeface="+mn-lt"/>
+                <a:ea typeface="+mn-ea"/>
+                <a:cs typeface="+mn-cs"/>
+              </a:defRPr>
+            </a:lvl9pPr>
+          </a:lstStyle>
+          <a:p>
+            <a:pPr marL="0" indent="0" algn="just">
+              <a:buNone/>
+            </a:pPr>
+            <a:r>
+              <a:rPr lang="es-CO" sz="1800" dirty="0">
+                <a:solidFill>
+                  <a:srgbClr val="020D43"/>
+                </a:solidFill>
+                <a:latin typeface="Nunito" pitchFamily="2" charset="0"/>
+              </a:rPr>
+              <a:t>ANOVA: Prueba estadística basada en las varianzas de grupos</a:t>
+            </a:r>
+          </a:p>
+        </p:txBody>
+      </p:sp>
+      <p:sp>
+        <p:nvSpPr>
+          <p:cNvPr id="11" name="Content Placeholder 2">
+            <a:extLst>
+              <a:ext uri="{FF2B5EF4-FFF2-40B4-BE49-F238E27FC236}">
+                <a16:creationId xmlns:a16="http://schemas.microsoft.com/office/drawing/2014/main" id="{5C94668A-F4F4-2EC8-C4D4-E41A911A97BD}"/>
+              </a:ext>
+            </a:extLst>
+          </p:cNvPr>
+          <p:cNvSpPr txBox="1">
+            <a:spLocks/>
+          </p:cNvSpPr>
+          <p:nvPr/>
+        </p:nvSpPr>
+        <p:spPr>
+          <a:xfrm>
+            <a:off x="911097" y="4714021"/>
+            <a:ext cx="10214256" cy="416093"/>
+          </a:xfrm>
+          <a:prstGeom prst="rect">
+            <a:avLst/>
+          </a:prstGeom>
+        </p:spPr>
+        <p:txBody>
+          <a:bodyPr vert="horz" lIns="91440" tIns="45720" rIns="91440" bIns="45720" rtlCol="0">
+            <a:noAutofit/>
+          </a:bodyPr>
+          <a:lstStyle>
+            <a:lvl1pPr marL="228600" indent="-228600" algn="l" defTabSz="914400" rtl="0" eaLnBrk="1" latinLnBrk="0" hangingPunct="1">
+              <a:lnSpc>
+                <a:spcPct val="90000"/>
+              </a:lnSpc>
+              <a:spcBef>
+                <a:spcPts val="1000"/>
+              </a:spcBef>
+              <a:buFont typeface="Arial" panose="020B0604020202020204" pitchFamily="34" charset="0"/>
+              <a:buChar char="•"/>
+              <a:defRPr sz="2800" kern="1200">
+                <a:solidFill>
+                  <a:schemeClr val="tx1"/>
+                </a:solidFill>
+                <a:latin typeface="+mn-lt"/>
+                <a:ea typeface="+mn-ea"/>
+                <a:cs typeface="+mn-cs"/>
+              </a:defRPr>
+            </a:lvl1pPr>
+            <a:lvl2pPr marL="685800" indent="-228600" algn="l" defTabSz="914400" rtl="0" eaLnBrk="1" latinLnBrk="0" hangingPunct="1">
+              <a:lnSpc>
+                <a:spcPct val="90000"/>
+              </a:lnSpc>
+              <a:spcBef>
+                <a:spcPts val="500"/>
+              </a:spcBef>
+              <a:buFont typeface="Arial" panose="020B0604020202020204" pitchFamily="34" charset="0"/>
+              <a:buChar char="•"/>
+              <a:defRPr sz="2400" kern="1200">
+                <a:solidFill>
+                  <a:schemeClr val="tx1"/>
+                </a:solidFill>
+                <a:latin typeface="+mn-lt"/>
+                <a:ea typeface="+mn-ea"/>
+                <a:cs typeface="+mn-cs"/>
+              </a:defRPr>
+            </a:lvl2pPr>
+            <a:lvl3pPr marL="1143000" indent="-228600" algn="l" defTabSz="914400" rtl="0" eaLnBrk="1" latinLnBrk="0" hangingPunct="1">
+              <a:lnSpc>
+                <a:spcPct val="90000"/>
+              </a:lnSpc>
+              <a:spcBef>
+                <a:spcPts val="500"/>
+              </a:spcBef>
+              <a:buFont typeface="Arial" panose="020B0604020202020204" pitchFamily="34" charset="0"/>
+              <a:buChar char="•"/>
+              <a:defRPr sz="2000" kern="1200">
+                <a:solidFill>
+                  <a:schemeClr val="tx1"/>
+                </a:solidFill>
+                <a:latin typeface="+mn-lt"/>
+                <a:ea typeface="+mn-ea"/>
+                <a:cs typeface="+mn-cs"/>
+              </a:defRPr>
+            </a:lvl3pPr>
+            <a:lvl4pPr marL="1600200" indent="-228600" algn="l" defTabSz="914400" rtl="0" eaLnBrk="1" latinLnBrk="0" hangingPunct="1">
+              <a:lnSpc>
+                <a:spcPct val="90000"/>
+              </a:lnSpc>
+              <a:spcBef>
+                <a:spcPts val="500"/>
+              </a:spcBef>
+              <a:buFont typeface="Arial" panose="020B0604020202020204" pitchFamily="34" charset="0"/>
+              <a:buChar char="•"/>
+              <a:defRPr sz="1800" kern="1200">
+                <a:solidFill>
+                  <a:schemeClr val="tx1"/>
+                </a:solidFill>
+                <a:latin typeface="+mn-lt"/>
+                <a:ea typeface="+mn-ea"/>
+                <a:cs typeface="+mn-cs"/>
+              </a:defRPr>
+            </a:lvl4pPr>
+            <a:lvl5pPr marL="2057400" indent="-228600" algn="l" defTabSz="914400" rtl="0" eaLnBrk="1" latinLnBrk="0" hangingPunct="1">
+              <a:lnSpc>
+                <a:spcPct val="90000"/>
+              </a:lnSpc>
+              <a:spcBef>
+                <a:spcPts val="500"/>
+              </a:spcBef>
+              <a:buFont typeface="Arial" panose="020B0604020202020204" pitchFamily="34" charset="0"/>
+              <a:buChar char="•"/>
+              <a:defRPr sz="1800" kern="1200">
+                <a:solidFill>
+                  <a:schemeClr val="tx1"/>
+                </a:solidFill>
+                <a:latin typeface="+mn-lt"/>
+                <a:ea typeface="+mn-ea"/>
+                <a:cs typeface="+mn-cs"/>
+              </a:defRPr>
+            </a:lvl5pPr>
+            <a:lvl6pPr marL="2514600" indent="-228600" algn="l" defTabSz="914400" rtl="0" eaLnBrk="1" latinLnBrk="0" hangingPunct="1">
+              <a:lnSpc>
+                <a:spcPct val="90000"/>
+              </a:lnSpc>
+              <a:spcBef>
+                <a:spcPts val="500"/>
+              </a:spcBef>
+              <a:buFont typeface="Arial" panose="020B0604020202020204" pitchFamily="34" charset="0"/>
+              <a:buChar char="•"/>
+              <a:defRPr sz="1800" kern="1200">
+                <a:solidFill>
+                  <a:schemeClr val="tx1"/>
+                </a:solidFill>
+                <a:latin typeface="+mn-lt"/>
+                <a:ea typeface="+mn-ea"/>
+                <a:cs typeface="+mn-cs"/>
+              </a:defRPr>
+            </a:lvl6pPr>
+            <a:lvl7pPr marL="2971800" indent="-228600" algn="l" defTabSz="914400" rtl="0" eaLnBrk="1" latinLnBrk="0" hangingPunct="1">
+              <a:lnSpc>
+                <a:spcPct val="90000"/>
+              </a:lnSpc>
+              <a:spcBef>
+                <a:spcPts val="500"/>
+              </a:spcBef>
+              <a:buFont typeface="Arial" panose="020B0604020202020204" pitchFamily="34" charset="0"/>
+              <a:buChar char="•"/>
+              <a:defRPr sz="1800" kern="1200">
+                <a:solidFill>
+                  <a:schemeClr val="tx1"/>
+                </a:solidFill>
+                <a:latin typeface="+mn-lt"/>
+                <a:ea typeface="+mn-ea"/>
+                <a:cs typeface="+mn-cs"/>
+              </a:defRPr>
+            </a:lvl7pPr>
+            <a:lvl8pPr marL="3429000" indent="-228600" algn="l" defTabSz="914400" rtl="0" eaLnBrk="1" latinLnBrk="0" hangingPunct="1">
+              <a:lnSpc>
+                <a:spcPct val="90000"/>
+              </a:lnSpc>
+              <a:spcBef>
+                <a:spcPts val="500"/>
+              </a:spcBef>
+              <a:buFont typeface="Arial" panose="020B0604020202020204" pitchFamily="34" charset="0"/>
+              <a:buChar char="•"/>
+              <a:defRPr sz="1800" kern="1200">
+                <a:solidFill>
+                  <a:schemeClr val="tx1"/>
+                </a:solidFill>
+                <a:latin typeface="+mn-lt"/>
+                <a:ea typeface="+mn-ea"/>
+                <a:cs typeface="+mn-cs"/>
+              </a:defRPr>
+            </a:lvl8pPr>
+            <a:lvl9pPr marL="3886200" indent="-228600" algn="l" defTabSz="914400" rtl="0" eaLnBrk="1" latinLnBrk="0" hangingPunct="1">
+              <a:lnSpc>
+                <a:spcPct val="90000"/>
+              </a:lnSpc>
+              <a:spcBef>
+                <a:spcPts val="500"/>
+              </a:spcBef>
+              <a:buFont typeface="Arial" panose="020B0604020202020204" pitchFamily="34" charset="0"/>
+              <a:buChar char="•"/>
+              <a:defRPr sz="1800" kern="1200">
+                <a:solidFill>
+                  <a:schemeClr val="tx1"/>
+                </a:solidFill>
+                <a:latin typeface="+mn-lt"/>
+                <a:ea typeface="+mn-ea"/>
+                <a:cs typeface="+mn-cs"/>
+              </a:defRPr>
+            </a:lvl9pPr>
+          </a:lstStyle>
+          <a:p>
+            <a:pPr marL="0" indent="0" algn="just">
+              <a:buNone/>
+            </a:pPr>
+            <a:r>
+              <a:rPr lang="es-CO" sz="1800" dirty="0">
+                <a:solidFill>
+                  <a:srgbClr val="020D43"/>
+                </a:solidFill>
+                <a:latin typeface="Nunito" pitchFamily="2" charset="0"/>
+              </a:rPr>
+              <a:t>Si el </a:t>
+            </a:r>
+            <a:r>
+              <a:rPr lang="es-CO" sz="1800" b="1" dirty="0">
+                <a:solidFill>
+                  <a:srgbClr val="26E5CE"/>
+                </a:solidFill>
+                <a:latin typeface="Nunito" pitchFamily="2" charset="0"/>
+              </a:rPr>
+              <a:t>p-</a:t>
+            </a:r>
+            <a:r>
+              <a:rPr lang="es-CO" sz="1800" b="1" dirty="0" err="1">
+                <a:solidFill>
+                  <a:srgbClr val="26E5CE"/>
+                </a:solidFill>
+                <a:latin typeface="Nunito" pitchFamily="2" charset="0"/>
+              </a:rPr>
+              <a:t>value</a:t>
+            </a:r>
+            <a:r>
+              <a:rPr lang="es-CO" sz="1800" b="1" dirty="0">
+                <a:solidFill>
+                  <a:srgbClr val="26E5CE"/>
+                </a:solidFill>
+                <a:latin typeface="Nunito" pitchFamily="2" charset="0"/>
+              </a:rPr>
+              <a:t> es mayor a 0.05</a:t>
+            </a:r>
+            <a:r>
+              <a:rPr lang="es-CO" sz="1800" dirty="0">
+                <a:solidFill>
+                  <a:srgbClr val="020D43"/>
+                </a:solidFill>
+                <a:latin typeface="Nunito" pitchFamily="2" charset="0"/>
+              </a:rPr>
+              <a:t> significa que hay diferencias en las varianzas entre grupos de una misma variable, por lo cual se debe tener en cuenta en análisis futuros</a:t>
+            </a:r>
+          </a:p>
+        </p:txBody>
+      </p:sp>
+      <p:sp>
+        <p:nvSpPr>
+          <p:cNvPr id="12" name="Rectangle 11">
+            <a:extLst>
+              <a:ext uri="{FF2B5EF4-FFF2-40B4-BE49-F238E27FC236}">
+                <a16:creationId xmlns:a16="http://schemas.microsoft.com/office/drawing/2014/main" id="{1D213C2B-21FC-70EC-33F8-1E32C352CE53}"/>
+              </a:ext>
+            </a:extLst>
+          </p:cNvPr>
+          <p:cNvSpPr/>
+          <p:nvPr/>
+        </p:nvSpPr>
+        <p:spPr>
+          <a:xfrm>
+            <a:off x="6612803" y="2643365"/>
+            <a:ext cx="1333767" cy="513491"/>
+          </a:xfrm>
+          <a:prstGeom prst="rect">
+            <a:avLst/>
+          </a:prstGeom>
+          <a:noFill/>
+          <a:ln>
+            <a:solidFill>
+              <a:srgbClr val="00B050"/>
+            </a:solidFill>
+          </a:ln>
+        </p:spPr>
+        <p:style>
+          <a:lnRef idx="2">
+            <a:schemeClr val="accent1">
+              <a:shade val="15000"/>
+            </a:schemeClr>
+          </a:lnRef>
+          <a:fillRef idx="1">
+            <a:schemeClr val="accent1"/>
+          </a:fillRef>
+          <a:effectRef idx="0">
+            <a:schemeClr val="accent1"/>
+          </a:effectRef>
+          <a:fontRef idx="minor">
+            <a:schemeClr val="lt1"/>
+          </a:fontRef>
+        </p:style>
+        <p:txBody>
+          <a:bodyPr rtlCol="0" anchor="ctr"/>
+          <a:lstStyle/>
+          <a:p>
+            <a:pPr algn="ctr"/>
+            <a:endParaRPr lang="es-CO"/>
+          </a:p>
+        </p:txBody>
+      </p:sp>
+      <p:sp>
+        <p:nvSpPr>
+          <p:cNvPr id="13" name="TextBox 12">
+            <a:extLst>
+              <a:ext uri="{FF2B5EF4-FFF2-40B4-BE49-F238E27FC236}">
+                <a16:creationId xmlns:a16="http://schemas.microsoft.com/office/drawing/2014/main" id="{E311FE02-7500-E748-AF10-38B56880639E}"/>
+              </a:ext>
+            </a:extLst>
+          </p:cNvPr>
+          <p:cNvSpPr txBox="1"/>
+          <p:nvPr/>
+        </p:nvSpPr>
+        <p:spPr>
+          <a:xfrm>
+            <a:off x="11365831" y="6247332"/>
+            <a:ext cx="334879" cy="369332"/>
+          </a:xfrm>
+          <a:prstGeom prst="rect">
+            <a:avLst/>
+          </a:prstGeom>
+          <a:noFill/>
+        </p:spPr>
+        <p:txBody>
+          <a:bodyPr wrap="square">
+            <a:spAutoFit/>
+          </a:bodyPr>
+          <a:lstStyle/>
+          <a:p>
+            <a:r>
+              <a:rPr lang="es-CO" dirty="0">
+                <a:solidFill>
+                  <a:srgbClr val="26E5CE"/>
+                </a:solidFill>
+                <a:latin typeface="Nunito" pitchFamily="2" charset="0"/>
+              </a:rPr>
+              <a:t>5</a:t>
+            </a:r>
+          </a:p>
+        </p:txBody>
+      </p:sp>
+    </p:spTree>
+    <p:extLst>
+      <p:ext uri="{BB962C8B-B14F-4D97-AF65-F5344CB8AC3E}">
+        <p14:creationId xmlns:p14="http://schemas.microsoft.com/office/powerpoint/2010/main" val="1261977434"/>
+      </p:ext>
+    </p:extLst>
+  </p:cSld>
+  <p:clrMapOvr>
+    <a:masterClrMapping/>
+  </p:clrMapOvr>
+</p:sld>
+</file>
+
+<file path=ppt/slides/slide6.xml><?xml version="1.0" encoding="utf-8"?>
+<p:sld xmlns:a="http://schemas.openxmlformats.org/drawingml/2006/main" xmlns:r="http://schemas.openxmlformats.org/officeDocument/2006/relationships" xmlns:p="http://schemas.openxmlformats.org/presentationml/2006/main">
+  <p:cSld>
+    <p:spTree>
+      <p:nvGrpSpPr>
+        <p:cNvPr id="1" name=""/>
+        <p:cNvGrpSpPr/>
+        <p:nvPr/>
+      </p:nvGrpSpPr>
+      <p:grpSpPr>
+        <a:xfrm>
+          <a:off x="0" y="0"/>
+          <a:ext cx="0" cy="0"/>
+          <a:chOff x="0" y="0"/>
+          <a:chExt cx="0" cy="0"/>
+        </a:xfrm>
+      </p:grpSpPr>
+      <p:sp>
+        <p:nvSpPr>
+          <p:cNvPr id="2" name="Title 1">
+            <a:extLst>
+              <a:ext uri="{FF2B5EF4-FFF2-40B4-BE49-F238E27FC236}">
+                <a16:creationId xmlns:a16="http://schemas.microsoft.com/office/drawing/2014/main" id="{B3422606-9A7C-5A4E-C935-523F5970AE28}"/>
+              </a:ext>
+            </a:extLst>
+          </p:cNvPr>
+          <p:cNvSpPr>
+            <a:spLocks noGrp="1"/>
+          </p:cNvSpPr>
+          <p:nvPr>
+            <p:ph type="title"/>
+          </p:nvPr>
+        </p:nvSpPr>
+        <p:spPr/>
+        <p:txBody>
+          <a:bodyPr/>
+          <a:lstStyle/>
+          <a:p>
+            <a:r>
+              <a:rPr lang="es-CO" dirty="0">
+                <a:solidFill>
+                  <a:srgbClr val="020D43"/>
+                </a:solidFill>
+                <a:latin typeface="Nunito" pitchFamily="2" charset="0"/>
+              </a:rPr>
               <a:t>Pregunta 1</a:t>
             </a:r>
           </a:p>
@@ -4080,7 +8170,7 @@
         </p:nvGrpSpPr>
         <p:grpSpPr>
           <a:xfrm>
-            <a:off x="881501" y="1508518"/>
+            <a:off x="630864" y="2446672"/>
             <a:ext cx="2303584" cy="1662737"/>
             <a:chOff x="881501" y="1508518"/>
             <a:chExt cx="2303584" cy="1662737"/>
@@ -4162,8 +8252,8 @@
         </p:nvSpPr>
         <p:spPr>
           <a:xfrm>
-            <a:off x="3453414" y="1599460"/>
-            <a:ext cx="7900386" cy="2173133"/>
+            <a:off x="3092799" y="2336429"/>
+            <a:ext cx="2642586" cy="616950"/>
           </a:xfrm>
           <a:prstGeom prst="rect">
             <a:avLst/>
@@ -4407,8 +8497,8 @@
         </p:blipFill>
         <p:spPr>
           <a:xfrm>
-            <a:off x="881501" y="3529802"/>
-            <a:ext cx="9318258" cy="2615348"/>
+            <a:off x="5630364" y="2375383"/>
+            <a:ext cx="6178185" cy="1734026"/>
           </a:xfrm>
           <a:prstGeom prst="rect">
             <a:avLst/>
@@ -4437,7 +8527,7 @@
         </p:blipFill>
         <p:spPr>
           <a:xfrm>
-            <a:off x="3453414" y="1936323"/>
+            <a:off x="3092799" y="2953379"/>
             <a:ext cx="2379215" cy="1206363"/>
           </a:xfrm>
           <a:prstGeom prst="rect">
@@ -4445,6 +8535,495 @@
           </a:prstGeom>
         </p:spPr>
       </p:pic>
+      <p:pic>
+        <p:nvPicPr>
+          <p:cNvPr id="14" name="Picture 13">
+            <a:extLst>
+              <a:ext uri="{FF2B5EF4-FFF2-40B4-BE49-F238E27FC236}">
+                <a16:creationId xmlns:a16="http://schemas.microsoft.com/office/drawing/2014/main" id="{FCF74D67-5405-DFBC-7553-50FF18205636}"/>
+              </a:ext>
+            </a:extLst>
+          </p:cNvPr>
+          <p:cNvPicPr>
+            <a:picLocks noChangeAspect="1"/>
+          </p:cNvPicPr>
+          <p:nvPr/>
+        </p:nvPicPr>
+        <p:blipFill>
+          <a:blip r:embed="rId6"/>
+          <a:stretch>
+            <a:fillRect/>
+          </a:stretch>
+        </p:blipFill>
+        <p:spPr>
+          <a:xfrm>
+            <a:off x="11049803" y="241336"/>
+            <a:ext cx="587139" cy="601460"/>
+          </a:xfrm>
+          <a:prstGeom prst="rect">
+            <a:avLst/>
+          </a:prstGeom>
+        </p:spPr>
+      </p:pic>
+      <p:sp>
+        <p:nvSpPr>
+          <p:cNvPr id="15" name="TextBox 14">
+            <a:extLst>
+              <a:ext uri="{FF2B5EF4-FFF2-40B4-BE49-F238E27FC236}">
+                <a16:creationId xmlns:a16="http://schemas.microsoft.com/office/drawing/2014/main" id="{62B40097-53A7-8329-0583-A25873B141D1}"/>
+              </a:ext>
+            </a:extLst>
+          </p:cNvPr>
+          <p:cNvSpPr txBox="1"/>
+          <p:nvPr/>
+        </p:nvSpPr>
+        <p:spPr>
+          <a:xfrm>
+            <a:off x="11343372" y="6251440"/>
+            <a:ext cx="587138" cy="369332"/>
+          </a:xfrm>
+          <a:prstGeom prst="rect">
+            <a:avLst/>
+          </a:prstGeom>
+          <a:noFill/>
+        </p:spPr>
+        <p:txBody>
+          <a:bodyPr wrap="square">
+            <a:spAutoFit/>
+          </a:bodyPr>
+          <a:lstStyle/>
+          <a:p>
+            <a:r>
+              <a:rPr lang="es-CO" dirty="0">
+                <a:solidFill>
+                  <a:srgbClr val="26E5CE"/>
+                </a:solidFill>
+                <a:latin typeface="Nunito" pitchFamily="2" charset="0"/>
+              </a:rPr>
+              <a:t>6</a:t>
+            </a:r>
+            <a:endParaRPr lang="es-CO" dirty="0">
+              <a:solidFill>
+                <a:srgbClr val="26E5CE"/>
+              </a:solidFill>
+            </a:endParaRPr>
+          </a:p>
+        </p:txBody>
+      </p:sp>
+      <p:sp>
+        <p:nvSpPr>
+          <p:cNvPr id="16" name="Content Placeholder 2">
+            <a:extLst>
+              <a:ext uri="{FF2B5EF4-FFF2-40B4-BE49-F238E27FC236}">
+                <a16:creationId xmlns:a16="http://schemas.microsoft.com/office/drawing/2014/main" id="{3DDAA77B-BA41-6168-5C24-0DE715D16D05}"/>
+              </a:ext>
+            </a:extLst>
+          </p:cNvPr>
+          <p:cNvSpPr txBox="1">
+            <a:spLocks/>
+          </p:cNvSpPr>
+          <p:nvPr/>
+        </p:nvSpPr>
+        <p:spPr>
+          <a:xfrm>
+            <a:off x="911097" y="1274595"/>
+            <a:ext cx="7808360" cy="416093"/>
+          </a:xfrm>
+          <a:prstGeom prst="rect">
+            <a:avLst/>
+          </a:prstGeom>
+        </p:spPr>
+        <p:txBody>
+          <a:bodyPr vert="horz" lIns="91440" tIns="45720" rIns="91440" bIns="45720" rtlCol="0">
+            <a:noAutofit/>
+          </a:bodyPr>
+          <a:lstStyle>
+            <a:lvl1pPr marL="228600" indent="-228600" algn="l" defTabSz="914400" rtl="0" eaLnBrk="1" latinLnBrk="0" hangingPunct="1">
+              <a:lnSpc>
+                <a:spcPct val="90000"/>
+              </a:lnSpc>
+              <a:spcBef>
+                <a:spcPts val="1000"/>
+              </a:spcBef>
+              <a:buFont typeface="Arial" panose="020B0604020202020204" pitchFamily="34" charset="0"/>
+              <a:buChar char="•"/>
+              <a:defRPr sz="2800" kern="1200">
+                <a:solidFill>
+                  <a:schemeClr val="tx1"/>
+                </a:solidFill>
+                <a:latin typeface="+mn-lt"/>
+                <a:ea typeface="+mn-ea"/>
+                <a:cs typeface="+mn-cs"/>
+              </a:defRPr>
+            </a:lvl1pPr>
+            <a:lvl2pPr marL="685800" indent="-228600" algn="l" defTabSz="914400" rtl="0" eaLnBrk="1" latinLnBrk="0" hangingPunct="1">
+              <a:lnSpc>
+                <a:spcPct val="90000"/>
+              </a:lnSpc>
+              <a:spcBef>
+                <a:spcPts val="500"/>
+              </a:spcBef>
+              <a:buFont typeface="Arial" panose="020B0604020202020204" pitchFamily="34" charset="0"/>
+              <a:buChar char="•"/>
+              <a:defRPr sz="2400" kern="1200">
+                <a:solidFill>
+                  <a:schemeClr val="tx1"/>
+                </a:solidFill>
+                <a:latin typeface="+mn-lt"/>
+                <a:ea typeface="+mn-ea"/>
+                <a:cs typeface="+mn-cs"/>
+              </a:defRPr>
+            </a:lvl2pPr>
+            <a:lvl3pPr marL="1143000" indent="-228600" algn="l" defTabSz="914400" rtl="0" eaLnBrk="1" latinLnBrk="0" hangingPunct="1">
+              <a:lnSpc>
+                <a:spcPct val="90000"/>
+              </a:lnSpc>
+              <a:spcBef>
+                <a:spcPts val="500"/>
+              </a:spcBef>
+              <a:buFont typeface="Arial" panose="020B0604020202020204" pitchFamily="34" charset="0"/>
+              <a:buChar char="•"/>
+              <a:defRPr sz="2000" kern="1200">
+                <a:solidFill>
+                  <a:schemeClr val="tx1"/>
+                </a:solidFill>
+                <a:latin typeface="+mn-lt"/>
+                <a:ea typeface="+mn-ea"/>
+                <a:cs typeface="+mn-cs"/>
+              </a:defRPr>
+            </a:lvl3pPr>
+            <a:lvl4pPr marL="1600200" indent="-228600" algn="l" defTabSz="914400" rtl="0" eaLnBrk="1" latinLnBrk="0" hangingPunct="1">
+              <a:lnSpc>
+                <a:spcPct val="90000"/>
+              </a:lnSpc>
+              <a:spcBef>
+                <a:spcPts val="500"/>
+              </a:spcBef>
+              <a:buFont typeface="Arial" panose="020B0604020202020204" pitchFamily="34" charset="0"/>
+              <a:buChar char="•"/>
+              <a:defRPr sz="1800" kern="1200">
+                <a:solidFill>
+                  <a:schemeClr val="tx1"/>
+                </a:solidFill>
+                <a:latin typeface="+mn-lt"/>
+                <a:ea typeface="+mn-ea"/>
+                <a:cs typeface="+mn-cs"/>
+              </a:defRPr>
+            </a:lvl4pPr>
+            <a:lvl5pPr marL="2057400" indent="-228600" algn="l" defTabSz="914400" rtl="0" eaLnBrk="1" latinLnBrk="0" hangingPunct="1">
+              <a:lnSpc>
+                <a:spcPct val="90000"/>
+              </a:lnSpc>
+              <a:spcBef>
+                <a:spcPts val="500"/>
+              </a:spcBef>
+              <a:buFont typeface="Arial" panose="020B0604020202020204" pitchFamily="34" charset="0"/>
+              <a:buChar char="•"/>
+              <a:defRPr sz="1800" kern="1200">
+                <a:solidFill>
+                  <a:schemeClr val="tx1"/>
+                </a:solidFill>
+                <a:latin typeface="+mn-lt"/>
+                <a:ea typeface="+mn-ea"/>
+                <a:cs typeface="+mn-cs"/>
+              </a:defRPr>
+            </a:lvl5pPr>
+            <a:lvl6pPr marL="2514600" indent="-228600" algn="l" defTabSz="914400" rtl="0" eaLnBrk="1" latinLnBrk="0" hangingPunct="1">
+              <a:lnSpc>
+                <a:spcPct val="90000"/>
+              </a:lnSpc>
+              <a:spcBef>
+                <a:spcPts val="500"/>
+              </a:spcBef>
+              <a:buFont typeface="Arial" panose="020B0604020202020204" pitchFamily="34" charset="0"/>
+              <a:buChar char="•"/>
+              <a:defRPr sz="1800" kern="1200">
+                <a:solidFill>
+                  <a:schemeClr val="tx1"/>
+                </a:solidFill>
+                <a:latin typeface="+mn-lt"/>
+                <a:ea typeface="+mn-ea"/>
+                <a:cs typeface="+mn-cs"/>
+              </a:defRPr>
+            </a:lvl6pPr>
+            <a:lvl7pPr marL="2971800" indent="-228600" algn="l" defTabSz="914400" rtl="0" eaLnBrk="1" latinLnBrk="0" hangingPunct="1">
+              <a:lnSpc>
+                <a:spcPct val="90000"/>
+              </a:lnSpc>
+              <a:spcBef>
+                <a:spcPts val="500"/>
+              </a:spcBef>
+              <a:buFont typeface="Arial" panose="020B0604020202020204" pitchFamily="34" charset="0"/>
+              <a:buChar char="•"/>
+              <a:defRPr sz="1800" kern="1200">
+                <a:solidFill>
+                  <a:schemeClr val="tx1"/>
+                </a:solidFill>
+                <a:latin typeface="+mn-lt"/>
+                <a:ea typeface="+mn-ea"/>
+                <a:cs typeface="+mn-cs"/>
+              </a:defRPr>
+            </a:lvl7pPr>
+            <a:lvl8pPr marL="3429000" indent="-228600" algn="l" defTabSz="914400" rtl="0" eaLnBrk="1" latinLnBrk="0" hangingPunct="1">
+              <a:lnSpc>
+                <a:spcPct val="90000"/>
+              </a:lnSpc>
+              <a:spcBef>
+                <a:spcPts val="500"/>
+              </a:spcBef>
+              <a:buFont typeface="Arial" panose="020B0604020202020204" pitchFamily="34" charset="0"/>
+              <a:buChar char="•"/>
+              <a:defRPr sz="1800" kern="1200">
+                <a:solidFill>
+                  <a:schemeClr val="tx1"/>
+                </a:solidFill>
+                <a:latin typeface="+mn-lt"/>
+                <a:ea typeface="+mn-ea"/>
+                <a:cs typeface="+mn-cs"/>
+              </a:defRPr>
+            </a:lvl8pPr>
+            <a:lvl9pPr marL="3886200" indent="-228600" algn="l" defTabSz="914400" rtl="0" eaLnBrk="1" latinLnBrk="0" hangingPunct="1">
+              <a:lnSpc>
+                <a:spcPct val="90000"/>
+              </a:lnSpc>
+              <a:spcBef>
+                <a:spcPts val="500"/>
+              </a:spcBef>
+              <a:buFont typeface="Arial" panose="020B0604020202020204" pitchFamily="34" charset="0"/>
+              <a:buChar char="•"/>
+              <a:defRPr sz="1800" kern="1200">
+                <a:solidFill>
+                  <a:schemeClr val="tx1"/>
+                </a:solidFill>
+                <a:latin typeface="+mn-lt"/>
+                <a:ea typeface="+mn-ea"/>
+                <a:cs typeface="+mn-cs"/>
+              </a:defRPr>
+            </a:lvl9pPr>
+          </a:lstStyle>
+          <a:p>
+            <a:pPr marL="0" indent="0" algn="just">
+              <a:buNone/>
+            </a:pPr>
+            <a:r>
+              <a:rPr lang="es-CO" sz="1800" dirty="0">
+                <a:solidFill>
+                  <a:srgbClr val="020D43"/>
+                </a:solidFill>
+                <a:latin typeface="Nunito" pitchFamily="2" charset="0"/>
+              </a:rPr>
+              <a:t>Variables descartadas</a:t>
+            </a:r>
+          </a:p>
+        </p:txBody>
+      </p:sp>
+      <p:sp>
+        <p:nvSpPr>
+          <p:cNvPr id="17" name="Content Placeholder 2">
+            <a:extLst>
+              <a:ext uri="{FF2B5EF4-FFF2-40B4-BE49-F238E27FC236}">
+                <a16:creationId xmlns:a16="http://schemas.microsoft.com/office/drawing/2014/main" id="{45CA31C1-BF80-7FA4-D772-EAE0B8DACAA0}"/>
+              </a:ext>
+            </a:extLst>
+          </p:cNvPr>
+          <p:cNvSpPr txBox="1">
+            <a:spLocks/>
+          </p:cNvSpPr>
+          <p:nvPr/>
+        </p:nvSpPr>
+        <p:spPr>
+          <a:xfrm>
+            <a:off x="897918" y="4805483"/>
+            <a:ext cx="10739024" cy="1050469"/>
+          </a:xfrm>
+          <a:prstGeom prst="rect">
+            <a:avLst/>
+          </a:prstGeom>
+        </p:spPr>
+        <p:txBody>
+          <a:bodyPr vert="horz" lIns="91440" tIns="45720" rIns="91440" bIns="45720" rtlCol="0">
+            <a:noAutofit/>
+          </a:bodyPr>
+          <a:lstStyle>
+            <a:lvl1pPr marL="228600" indent="-228600" algn="l" defTabSz="914400" rtl="0" eaLnBrk="1" latinLnBrk="0" hangingPunct="1">
+              <a:lnSpc>
+                <a:spcPct val="90000"/>
+              </a:lnSpc>
+              <a:spcBef>
+                <a:spcPts val="1000"/>
+              </a:spcBef>
+              <a:buFont typeface="Arial" panose="020B0604020202020204" pitchFamily="34" charset="0"/>
+              <a:buChar char="•"/>
+              <a:defRPr sz="2800" kern="1200">
+                <a:solidFill>
+                  <a:schemeClr val="tx1"/>
+                </a:solidFill>
+                <a:latin typeface="+mn-lt"/>
+                <a:ea typeface="+mn-ea"/>
+                <a:cs typeface="+mn-cs"/>
+              </a:defRPr>
+            </a:lvl1pPr>
+            <a:lvl2pPr marL="685800" indent="-228600" algn="l" defTabSz="914400" rtl="0" eaLnBrk="1" latinLnBrk="0" hangingPunct="1">
+              <a:lnSpc>
+                <a:spcPct val="90000"/>
+              </a:lnSpc>
+              <a:spcBef>
+                <a:spcPts val="500"/>
+              </a:spcBef>
+              <a:buFont typeface="Arial" panose="020B0604020202020204" pitchFamily="34" charset="0"/>
+              <a:buChar char="•"/>
+              <a:defRPr sz="2400" kern="1200">
+                <a:solidFill>
+                  <a:schemeClr val="tx1"/>
+                </a:solidFill>
+                <a:latin typeface="+mn-lt"/>
+                <a:ea typeface="+mn-ea"/>
+                <a:cs typeface="+mn-cs"/>
+              </a:defRPr>
+            </a:lvl2pPr>
+            <a:lvl3pPr marL="1143000" indent="-228600" algn="l" defTabSz="914400" rtl="0" eaLnBrk="1" latinLnBrk="0" hangingPunct="1">
+              <a:lnSpc>
+                <a:spcPct val="90000"/>
+              </a:lnSpc>
+              <a:spcBef>
+                <a:spcPts val="500"/>
+              </a:spcBef>
+              <a:buFont typeface="Arial" panose="020B0604020202020204" pitchFamily="34" charset="0"/>
+              <a:buChar char="•"/>
+              <a:defRPr sz="2000" kern="1200">
+                <a:solidFill>
+                  <a:schemeClr val="tx1"/>
+                </a:solidFill>
+                <a:latin typeface="+mn-lt"/>
+                <a:ea typeface="+mn-ea"/>
+                <a:cs typeface="+mn-cs"/>
+              </a:defRPr>
+            </a:lvl3pPr>
+            <a:lvl4pPr marL="1600200" indent="-228600" algn="l" defTabSz="914400" rtl="0" eaLnBrk="1" latinLnBrk="0" hangingPunct="1">
+              <a:lnSpc>
+                <a:spcPct val="90000"/>
+              </a:lnSpc>
+              <a:spcBef>
+                <a:spcPts val="500"/>
+              </a:spcBef>
+              <a:buFont typeface="Arial" panose="020B0604020202020204" pitchFamily="34" charset="0"/>
+              <a:buChar char="•"/>
+              <a:defRPr sz="1800" kern="1200">
+                <a:solidFill>
+                  <a:schemeClr val="tx1"/>
+                </a:solidFill>
+                <a:latin typeface="+mn-lt"/>
+                <a:ea typeface="+mn-ea"/>
+                <a:cs typeface="+mn-cs"/>
+              </a:defRPr>
+            </a:lvl4pPr>
+            <a:lvl5pPr marL="2057400" indent="-228600" algn="l" defTabSz="914400" rtl="0" eaLnBrk="1" latinLnBrk="0" hangingPunct="1">
+              <a:lnSpc>
+                <a:spcPct val="90000"/>
+              </a:lnSpc>
+              <a:spcBef>
+                <a:spcPts val="500"/>
+              </a:spcBef>
+              <a:buFont typeface="Arial" panose="020B0604020202020204" pitchFamily="34" charset="0"/>
+              <a:buChar char="•"/>
+              <a:defRPr sz="1800" kern="1200">
+                <a:solidFill>
+                  <a:schemeClr val="tx1"/>
+                </a:solidFill>
+                <a:latin typeface="+mn-lt"/>
+                <a:ea typeface="+mn-ea"/>
+                <a:cs typeface="+mn-cs"/>
+              </a:defRPr>
+            </a:lvl5pPr>
+            <a:lvl6pPr marL="2514600" indent="-228600" algn="l" defTabSz="914400" rtl="0" eaLnBrk="1" latinLnBrk="0" hangingPunct="1">
+              <a:lnSpc>
+                <a:spcPct val="90000"/>
+              </a:lnSpc>
+              <a:spcBef>
+                <a:spcPts val="500"/>
+              </a:spcBef>
+              <a:buFont typeface="Arial" panose="020B0604020202020204" pitchFamily="34" charset="0"/>
+              <a:buChar char="•"/>
+              <a:defRPr sz="1800" kern="1200">
+                <a:solidFill>
+                  <a:schemeClr val="tx1"/>
+                </a:solidFill>
+                <a:latin typeface="+mn-lt"/>
+                <a:ea typeface="+mn-ea"/>
+                <a:cs typeface="+mn-cs"/>
+              </a:defRPr>
+            </a:lvl6pPr>
+            <a:lvl7pPr marL="2971800" indent="-228600" algn="l" defTabSz="914400" rtl="0" eaLnBrk="1" latinLnBrk="0" hangingPunct="1">
+              <a:lnSpc>
+                <a:spcPct val="90000"/>
+              </a:lnSpc>
+              <a:spcBef>
+                <a:spcPts val="500"/>
+              </a:spcBef>
+              <a:buFont typeface="Arial" panose="020B0604020202020204" pitchFamily="34" charset="0"/>
+              <a:buChar char="•"/>
+              <a:defRPr sz="1800" kern="1200">
+                <a:solidFill>
+                  <a:schemeClr val="tx1"/>
+                </a:solidFill>
+                <a:latin typeface="+mn-lt"/>
+                <a:ea typeface="+mn-ea"/>
+                <a:cs typeface="+mn-cs"/>
+              </a:defRPr>
+            </a:lvl7pPr>
+            <a:lvl8pPr marL="3429000" indent="-228600" algn="l" defTabSz="914400" rtl="0" eaLnBrk="1" latinLnBrk="0" hangingPunct="1">
+              <a:lnSpc>
+                <a:spcPct val="90000"/>
+              </a:lnSpc>
+              <a:spcBef>
+                <a:spcPts val="500"/>
+              </a:spcBef>
+              <a:buFont typeface="Arial" panose="020B0604020202020204" pitchFamily="34" charset="0"/>
+              <a:buChar char="•"/>
+              <a:defRPr sz="1800" kern="1200">
+                <a:solidFill>
+                  <a:schemeClr val="tx1"/>
+                </a:solidFill>
+                <a:latin typeface="+mn-lt"/>
+                <a:ea typeface="+mn-ea"/>
+                <a:cs typeface="+mn-cs"/>
+              </a:defRPr>
+            </a:lvl8pPr>
+            <a:lvl9pPr marL="3886200" indent="-228600" algn="l" defTabSz="914400" rtl="0" eaLnBrk="1" latinLnBrk="0" hangingPunct="1">
+              <a:lnSpc>
+                <a:spcPct val="90000"/>
+              </a:lnSpc>
+              <a:spcBef>
+                <a:spcPts val="500"/>
+              </a:spcBef>
+              <a:buFont typeface="Arial" panose="020B0604020202020204" pitchFamily="34" charset="0"/>
+              <a:buChar char="•"/>
+              <a:defRPr sz="1800" kern="1200">
+                <a:solidFill>
+                  <a:schemeClr val="tx1"/>
+                </a:solidFill>
+                <a:latin typeface="+mn-lt"/>
+                <a:ea typeface="+mn-ea"/>
+                <a:cs typeface="+mn-cs"/>
+              </a:defRPr>
+            </a:lvl9pPr>
+          </a:lstStyle>
+          <a:p>
+            <a:pPr marL="0" indent="0" algn="just">
+              <a:buNone/>
+            </a:pPr>
+            <a:r>
+              <a:rPr lang="es-CO" sz="1800" dirty="0">
+                <a:solidFill>
+                  <a:srgbClr val="020D43"/>
+                </a:solidFill>
+                <a:latin typeface="Nunito" pitchFamily="2" charset="0"/>
+              </a:rPr>
+              <a:t>Se utilizan otros métodos para descartar variables, entre estos tenemos alta o baja cardinalidad, variables cuya información ya se encuentra en otras variables, completitud o número de vacíos, y correlación lineal</a:t>
+            </a:r>
+          </a:p>
+        </p:txBody>
+      </p:sp>
     </p:spTree>
     <p:extLst>
       <p:ext uri="{BB962C8B-B14F-4D97-AF65-F5344CB8AC3E}">
@@ -4458,7 +9037,7 @@
 </p:sld>
 </file>
 
-<file path=ppt/slides/slide4.xml><?xml version="1.0" encoding="utf-8"?>
+<file path=ppt/slides/slide7.xml><?xml version="1.0" encoding="utf-8"?>
 <p:sld xmlns:a="http://schemas.openxmlformats.org/drawingml/2006/main" xmlns:r="http://schemas.openxmlformats.org/officeDocument/2006/relationships" xmlns:p="http://schemas.openxmlformats.org/presentationml/2006/main">
   <p:cSld>
     <p:spTree>
@@ -4497,623 +9076,649 @@
           <a:lstStyle/>
           <a:p>
             <a:r>
-              <a:rPr lang="es-CO" dirty="0"/>
+              <a:rPr lang="es-CO" dirty="0">
+                <a:solidFill>
+                  <a:srgbClr val="020D43"/>
+                </a:solidFill>
+                <a:latin typeface="Nunito" pitchFamily="2" charset="0"/>
+              </a:rPr>
               <a:t>Pregunta 2</a:t>
             </a:r>
           </a:p>
         </p:txBody>
       </p:sp>
+      <p:grpSp>
+        <p:nvGrpSpPr>
+          <p:cNvPr id="28" name="Group 27">
+            <a:extLst>
+              <a:ext uri="{FF2B5EF4-FFF2-40B4-BE49-F238E27FC236}">
+                <a16:creationId xmlns:a16="http://schemas.microsoft.com/office/drawing/2014/main" id="{2B429AF9-B95C-F7EC-D837-135D350B416F}"/>
+              </a:ext>
+            </a:extLst>
+          </p:cNvPr>
+          <p:cNvGrpSpPr/>
+          <p:nvPr/>
+        </p:nvGrpSpPr>
+        <p:grpSpPr>
+          <a:xfrm>
+            <a:off x="932288" y="3149043"/>
+            <a:ext cx="10341978" cy="746880"/>
+            <a:chOff x="1001394" y="1568494"/>
+            <a:chExt cx="10341978" cy="746880"/>
+          </a:xfrm>
+        </p:grpSpPr>
+        <p:pic>
+          <p:nvPicPr>
+            <p:cNvPr id="7" name="Picture 6">
+              <a:extLst>
+                <a:ext uri="{FF2B5EF4-FFF2-40B4-BE49-F238E27FC236}">
+                  <a16:creationId xmlns:a16="http://schemas.microsoft.com/office/drawing/2014/main" id="{151449B8-0139-D380-7605-F8282D2E8F16}"/>
+                </a:ext>
+              </a:extLst>
+            </p:cNvPr>
+            <p:cNvPicPr>
+              <a:picLocks noChangeAspect="1"/>
+            </p:cNvPicPr>
+            <p:nvPr/>
+          </p:nvPicPr>
+          <p:blipFill>
+            <a:blip r:embed="rId2"/>
+            <a:stretch>
+              <a:fillRect/>
+            </a:stretch>
+          </p:blipFill>
+          <p:spPr>
+            <a:xfrm>
+              <a:off x="1001394" y="1568494"/>
+              <a:ext cx="10341978" cy="745007"/>
+            </a:xfrm>
+            <a:prstGeom prst="rect">
+              <a:avLst/>
+            </a:prstGeom>
+          </p:spPr>
+        </p:pic>
+        <p:sp>
+          <p:nvSpPr>
+            <p:cNvPr id="9" name="Rectangle 8">
+              <a:extLst>
+                <a:ext uri="{FF2B5EF4-FFF2-40B4-BE49-F238E27FC236}">
+                  <a16:creationId xmlns:a16="http://schemas.microsoft.com/office/drawing/2014/main" id="{1E1F7BD7-9419-598F-12E6-063C88FDB312}"/>
+                </a:ext>
+              </a:extLst>
+            </p:cNvPr>
+            <p:cNvSpPr/>
+            <p:nvPr/>
+          </p:nvSpPr>
+          <p:spPr>
+            <a:xfrm>
+              <a:off x="8436971" y="1589218"/>
+              <a:ext cx="541538" cy="153516"/>
+            </a:xfrm>
+            <a:prstGeom prst="rect">
+              <a:avLst/>
+            </a:prstGeom>
+            <a:noFill/>
+            <a:ln>
+              <a:solidFill>
+                <a:srgbClr val="00B050"/>
+              </a:solidFill>
+            </a:ln>
+          </p:spPr>
+          <p:style>
+            <a:lnRef idx="2">
+              <a:schemeClr val="accent1">
+                <a:shade val="15000"/>
+              </a:schemeClr>
+            </a:lnRef>
+            <a:fillRef idx="1">
+              <a:schemeClr val="accent1"/>
+            </a:fillRef>
+            <a:effectRef idx="0">
+              <a:schemeClr val="accent1"/>
+            </a:effectRef>
+            <a:fontRef idx="minor">
+              <a:schemeClr val="lt1"/>
+            </a:fontRef>
+          </p:style>
+          <p:txBody>
+            <a:bodyPr rtlCol="0" anchor="ctr"/>
+            <a:lstStyle/>
+            <a:p>
+              <a:pPr algn="ctr"/>
+              <a:endParaRPr lang="es-CO"/>
+            </a:p>
+          </p:txBody>
+        </p:sp>
+        <p:sp>
+          <p:nvSpPr>
+            <p:cNvPr id="10" name="Rectangle 9">
+              <a:extLst>
+                <a:ext uri="{FF2B5EF4-FFF2-40B4-BE49-F238E27FC236}">
+                  <a16:creationId xmlns:a16="http://schemas.microsoft.com/office/drawing/2014/main" id="{CFA510A0-B3C3-0925-6F75-7D76AAFF4044}"/>
+                </a:ext>
+              </a:extLst>
+            </p:cNvPr>
+            <p:cNvSpPr/>
+            <p:nvPr/>
+          </p:nvSpPr>
+          <p:spPr>
+            <a:xfrm>
+              <a:off x="8890686" y="1742734"/>
+              <a:ext cx="425574" cy="153516"/>
+            </a:xfrm>
+            <a:prstGeom prst="rect">
+              <a:avLst/>
+            </a:prstGeom>
+            <a:noFill/>
+            <a:ln>
+              <a:solidFill>
+                <a:srgbClr val="00B0F0"/>
+              </a:solidFill>
+            </a:ln>
+          </p:spPr>
+          <p:style>
+            <a:lnRef idx="2">
+              <a:schemeClr val="accent1">
+                <a:shade val="15000"/>
+              </a:schemeClr>
+            </a:lnRef>
+            <a:fillRef idx="1">
+              <a:schemeClr val="accent1"/>
+            </a:fillRef>
+            <a:effectRef idx="0">
+              <a:schemeClr val="accent1"/>
+            </a:effectRef>
+            <a:fontRef idx="minor">
+              <a:schemeClr val="lt1"/>
+            </a:fontRef>
+          </p:style>
+          <p:txBody>
+            <a:bodyPr rtlCol="0" anchor="ctr"/>
+            <a:lstStyle/>
+            <a:p>
+              <a:pPr algn="ctr"/>
+              <a:endParaRPr lang="es-CO"/>
+            </a:p>
+          </p:txBody>
+        </p:sp>
+        <p:sp>
+          <p:nvSpPr>
+            <p:cNvPr id="11" name="Rectangle 10">
+              <a:extLst>
+                <a:ext uri="{FF2B5EF4-FFF2-40B4-BE49-F238E27FC236}">
+                  <a16:creationId xmlns:a16="http://schemas.microsoft.com/office/drawing/2014/main" id="{21AD39C1-2DDE-7B1F-7F7E-789FF3B1DE74}"/>
+                </a:ext>
+              </a:extLst>
+            </p:cNvPr>
+            <p:cNvSpPr/>
+            <p:nvPr/>
+          </p:nvSpPr>
+          <p:spPr>
+            <a:xfrm>
+              <a:off x="8647009" y="1896250"/>
+              <a:ext cx="425574" cy="141528"/>
+            </a:xfrm>
+            <a:prstGeom prst="rect">
+              <a:avLst/>
+            </a:prstGeom>
+            <a:noFill/>
+            <a:ln>
+              <a:solidFill>
+                <a:srgbClr val="00B0F0"/>
+              </a:solidFill>
+            </a:ln>
+          </p:spPr>
+          <p:style>
+            <a:lnRef idx="2">
+              <a:schemeClr val="accent1">
+                <a:shade val="15000"/>
+              </a:schemeClr>
+            </a:lnRef>
+            <a:fillRef idx="1">
+              <a:schemeClr val="accent1"/>
+            </a:fillRef>
+            <a:effectRef idx="0">
+              <a:schemeClr val="accent1"/>
+            </a:effectRef>
+            <a:fontRef idx="minor">
+              <a:schemeClr val="lt1"/>
+            </a:fontRef>
+          </p:style>
+          <p:txBody>
+            <a:bodyPr rtlCol="0" anchor="ctr"/>
+            <a:lstStyle/>
+            <a:p>
+              <a:pPr algn="ctr"/>
+              <a:endParaRPr lang="es-CO"/>
+            </a:p>
+          </p:txBody>
+        </p:sp>
+        <p:sp>
+          <p:nvSpPr>
+            <p:cNvPr id="12" name="Rectangle 11">
+              <a:extLst>
+                <a:ext uri="{FF2B5EF4-FFF2-40B4-BE49-F238E27FC236}">
+                  <a16:creationId xmlns:a16="http://schemas.microsoft.com/office/drawing/2014/main" id="{3978542D-EEE3-F599-5726-E976B68680B8}"/>
+                </a:ext>
+              </a:extLst>
+            </p:cNvPr>
+            <p:cNvSpPr/>
+            <p:nvPr/>
+          </p:nvSpPr>
+          <p:spPr>
+            <a:xfrm>
+              <a:off x="9574830" y="1872106"/>
+              <a:ext cx="576246" cy="153516"/>
+            </a:xfrm>
+            <a:prstGeom prst="rect">
+              <a:avLst/>
+            </a:prstGeom>
+            <a:noFill/>
+            <a:ln>
+              <a:solidFill>
+                <a:srgbClr val="00B050"/>
+              </a:solidFill>
+            </a:ln>
+          </p:spPr>
+          <p:style>
+            <a:lnRef idx="2">
+              <a:schemeClr val="accent1">
+                <a:shade val="15000"/>
+              </a:schemeClr>
+            </a:lnRef>
+            <a:fillRef idx="1">
+              <a:schemeClr val="accent1"/>
+            </a:fillRef>
+            <a:effectRef idx="0">
+              <a:schemeClr val="accent1"/>
+            </a:effectRef>
+            <a:fontRef idx="minor">
+              <a:schemeClr val="lt1"/>
+            </a:fontRef>
+          </p:style>
+          <p:txBody>
+            <a:bodyPr rtlCol="0" anchor="ctr"/>
+            <a:lstStyle/>
+            <a:p>
+              <a:pPr algn="ctr"/>
+              <a:endParaRPr lang="es-CO"/>
+            </a:p>
+          </p:txBody>
+        </p:sp>
+        <p:sp>
+          <p:nvSpPr>
+            <p:cNvPr id="13" name="Rectangle 12">
+              <a:extLst>
+                <a:ext uri="{FF2B5EF4-FFF2-40B4-BE49-F238E27FC236}">
+                  <a16:creationId xmlns:a16="http://schemas.microsoft.com/office/drawing/2014/main" id="{6D01D299-332E-FCC2-A61B-E6FCA34B3E00}"/>
+                </a:ext>
+              </a:extLst>
+            </p:cNvPr>
+            <p:cNvSpPr/>
+            <p:nvPr/>
+          </p:nvSpPr>
+          <p:spPr>
+            <a:xfrm>
+              <a:off x="9918236" y="2023656"/>
+              <a:ext cx="497318" cy="153516"/>
+            </a:xfrm>
+            <a:prstGeom prst="rect">
+              <a:avLst/>
+            </a:prstGeom>
+            <a:noFill/>
+            <a:ln>
+              <a:solidFill>
+                <a:srgbClr val="7030A0"/>
+              </a:solidFill>
+            </a:ln>
+          </p:spPr>
+          <p:style>
+            <a:lnRef idx="2">
+              <a:schemeClr val="accent1">
+                <a:shade val="15000"/>
+              </a:schemeClr>
+            </a:lnRef>
+            <a:fillRef idx="1">
+              <a:schemeClr val="accent1"/>
+            </a:fillRef>
+            <a:effectRef idx="0">
+              <a:schemeClr val="accent1"/>
+            </a:effectRef>
+            <a:fontRef idx="minor">
+              <a:schemeClr val="lt1"/>
+            </a:fontRef>
+          </p:style>
+          <p:txBody>
+            <a:bodyPr rtlCol="0" anchor="ctr"/>
+            <a:lstStyle/>
+            <a:p>
+              <a:pPr algn="ctr"/>
+              <a:endParaRPr lang="es-CO"/>
+            </a:p>
+          </p:txBody>
+        </p:sp>
+        <p:sp>
+          <p:nvSpPr>
+            <p:cNvPr id="14" name="Rectangle 13">
+              <a:extLst>
+                <a:ext uri="{FF2B5EF4-FFF2-40B4-BE49-F238E27FC236}">
+                  <a16:creationId xmlns:a16="http://schemas.microsoft.com/office/drawing/2014/main" id="{97D7426D-A193-7956-12A9-225EF0197FF5}"/>
+                </a:ext>
+              </a:extLst>
+            </p:cNvPr>
+            <p:cNvSpPr/>
+            <p:nvPr/>
+          </p:nvSpPr>
+          <p:spPr>
+            <a:xfrm>
+              <a:off x="6830518" y="2017756"/>
+              <a:ext cx="576246" cy="153516"/>
+            </a:xfrm>
+            <a:prstGeom prst="rect">
+              <a:avLst/>
+            </a:prstGeom>
+            <a:noFill/>
+            <a:ln>
+              <a:solidFill>
+                <a:srgbClr val="00B050"/>
+              </a:solidFill>
+            </a:ln>
+          </p:spPr>
+          <p:style>
+            <a:lnRef idx="2">
+              <a:schemeClr val="accent1">
+                <a:shade val="15000"/>
+              </a:schemeClr>
+            </a:lnRef>
+            <a:fillRef idx="1">
+              <a:schemeClr val="accent1"/>
+            </a:fillRef>
+            <a:effectRef idx="0">
+              <a:schemeClr val="accent1"/>
+            </a:effectRef>
+            <a:fontRef idx="minor">
+              <a:schemeClr val="lt1"/>
+            </a:fontRef>
+          </p:style>
+          <p:txBody>
+            <a:bodyPr rtlCol="0" anchor="ctr"/>
+            <a:lstStyle/>
+            <a:p>
+              <a:pPr algn="ctr"/>
+              <a:endParaRPr lang="es-CO"/>
+            </a:p>
+          </p:txBody>
+        </p:sp>
+        <p:sp>
+          <p:nvSpPr>
+            <p:cNvPr id="15" name="Rectangle 14">
+              <a:extLst>
+                <a:ext uri="{FF2B5EF4-FFF2-40B4-BE49-F238E27FC236}">
+                  <a16:creationId xmlns:a16="http://schemas.microsoft.com/office/drawing/2014/main" id="{3973DF57-4A7F-BA09-F347-3FDA2A420B35}"/>
+                </a:ext>
+              </a:extLst>
+            </p:cNvPr>
+            <p:cNvSpPr/>
+            <p:nvPr/>
+          </p:nvSpPr>
+          <p:spPr>
+            <a:xfrm>
+              <a:off x="4017575" y="2019062"/>
+              <a:ext cx="576246" cy="153516"/>
+            </a:xfrm>
+            <a:prstGeom prst="rect">
+              <a:avLst/>
+            </a:prstGeom>
+            <a:noFill/>
+            <a:ln>
+              <a:solidFill>
+                <a:srgbClr val="00B050"/>
+              </a:solidFill>
+            </a:ln>
+          </p:spPr>
+          <p:style>
+            <a:lnRef idx="2">
+              <a:schemeClr val="accent1">
+                <a:shade val="15000"/>
+              </a:schemeClr>
+            </a:lnRef>
+            <a:fillRef idx="1">
+              <a:schemeClr val="accent1"/>
+            </a:fillRef>
+            <a:effectRef idx="0">
+              <a:schemeClr val="accent1"/>
+            </a:effectRef>
+            <a:fontRef idx="minor">
+              <a:schemeClr val="lt1"/>
+            </a:fontRef>
+          </p:style>
+          <p:txBody>
+            <a:bodyPr rtlCol="0" anchor="ctr"/>
+            <a:lstStyle/>
+            <a:p>
+              <a:pPr algn="ctr"/>
+              <a:endParaRPr lang="es-CO"/>
+            </a:p>
+          </p:txBody>
+        </p:sp>
+        <p:sp>
+          <p:nvSpPr>
+            <p:cNvPr id="16" name="Rectangle 15">
+              <a:extLst>
+                <a:ext uri="{FF2B5EF4-FFF2-40B4-BE49-F238E27FC236}">
+                  <a16:creationId xmlns:a16="http://schemas.microsoft.com/office/drawing/2014/main" id="{68B7E406-CA3F-3C3A-71A2-C00817857B43}"/>
+                </a:ext>
+              </a:extLst>
+            </p:cNvPr>
+            <p:cNvSpPr/>
+            <p:nvPr/>
+          </p:nvSpPr>
+          <p:spPr>
+            <a:xfrm>
+              <a:off x="3852945" y="2173846"/>
+              <a:ext cx="740876" cy="141528"/>
+            </a:xfrm>
+            <a:prstGeom prst="rect">
+              <a:avLst/>
+            </a:prstGeom>
+            <a:noFill/>
+            <a:ln>
+              <a:solidFill>
+                <a:srgbClr val="FFC000"/>
+              </a:solidFill>
+            </a:ln>
+          </p:spPr>
+          <p:style>
+            <a:lnRef idx="2">
+              <a:schemeClr val="accent1">
+                <a:shade val="15000"/>
+              </a:schemeClr>
+            </a:lnRef>
+            <a:fillRef idx="1">
+              <a:schemeClr val="accent1"/>
+            </a:fillRef>
+            <a:effectRef idx="0">
+              <a:schemeClr val="accent1"/>
+            </a:effectRef>
+            <a:fontRef idx="minor">
+              <a:schemeClr val="lt1"/>
+            </a:fontRef>
+          </p:style>
+          <p:txBody>
+            <a:bodyPr rtlCol="0" anchor="ctr"/>
+            <a:lstStyle/>
+            <a:p>
+              <a:pPr algn="ctr"/>
+              <a:endParaRPr lang="es-CO"/>
+            </a:p>
+          </p:txBody>
+        </p:sp>
+        <p:sp>
+          <p:nvSpPr>
+            <p:cNvPr id="17" name="Rectangle 16">
+              <a:extLst>
+                <a:ext uri="{FF2B5EF4-FFF2-40B4-BE49-F238E27FC236}">
+                  <a16:creationId xmlns:a16="http://schemas.microsoft.com/office/drawing/2014/main" id="{94705970-446E-6260-D69E-8FFEB3A462F5}"/>
+                </a:ext>
+              </a:extLst>
+            </p:cNvPr>
+            <p:cNvSpPr/>
+            <p:nvPr/>
+          </p:nvSpPr>
+          <p:spPr>
+            <a:xfrm>
+              <a:off x="5065909" y="2169499"/>
+              <a:ext cx="373565" cy="141528"/>
+            </a:xfrm>
+            <a:prstGeom prst="rect">
+              <a:avLst/>
+            </a:prstGeom>
+            <a:noFill/>
+            <a:ln>
+              <a:solidFill>
+                <a:srgbClr val="C00000"/>
+              </a:solidFill>
+            </a:ln>
+          </p:spPr>
+          <p:style>
+            <a:lnRef idx="2">
+              <a:schemeClr val="accent1">
+                <a:shade val="15000"/>
+              </a:schemeClr>
+            </a:lnRef>
+            <a:fillRef idx="1">
+              <a:schemeClr val="accent1"/>
+            </a:fillRef>
+            <a:effectRef idx="0">
+              <a:schemeClr val="accent1"/>
+            </a:effectRef>
+            <a:fontRef idx="minor">
+              <a:schemeClr val="lt1"/>
+            </a:fontRef>
+          </p:style>
+          <p:txBody>
+            <a:bodyPr rtlCol="0" anchor="ctr"/>
+            <a:lstStyle/>
+            <a:p>
+              <a:pPr algn="ctr"/>
+              <a:endParaRPr lang="es-CO"/>
+            </a:p>
+          </p:txBody>
+        </p:sp>
+        <p:sp>
+          <p:nvSpPr>
+            <p:cNvPr id="18" name="Rectangle 17">
+              <a:extLst>
+                <a:ext uri="{FF2B5EF4-FFF2-40B4-BE49-F238E27FC236}">
+                  <a16:creationId xmlns:a16="http://schemas.microsoft.com/office/drawing/2014/main" id="{5832FD4A-FEA3-706A-3B20-461CCC4DFD67}"/>
+                </a:ext>
+              </a:extLst>
+            </p:cNvPr>
+            <p:cNvSpPr/>
+            <p:nvPr/>
+          </p:nvSpPr>
+          <p:spPr>
+            <a:xfrm>
+              <a:off x="10573606" y="2164128"/>
+              <a:ext cx="497318" cy="133855"/>
+            </a:xfrm>
+            <a:prstGeom prst="rect">
+              <a:avLst/>
+            </a:prstGeom>
+            <a:noFill/>
+            <a:ln>
+              <a:solidFill>
+                <a:schemeClr val="accent1">
+                  <a:lumMod val="40000"/>
+                  <a:lumOff val="60000"/>
+                </a:schemeClr>
+              </a:solidFill>
+            </a:ln>
+          </p:spPr>
+          <p:style>
+            <a:lnRef idx="2">
+              <a:schemeClr val="accent1">
+                <a:shade val="15000"/>
+              </a:schemeClr>
+            </a:lnRef>
+            <a:fillRef idx="1">
+              <a:schemeClr val="accent1"/>
+            </a:fillRef>
+            <a:effectRef idx="0">
+              <a:schemeClr val="accent1"/>
+            </a:effectRef>
+            <a:fontRef idx="minor">
+              <a:schemeClr val="lt1"/>
+            </a:fontRef>
+          </p:style>
+          <p:txBody>
+            <a:bodyPr rtlCol="0" anchor="ctr"/>
+            <a:lstStyle/>
+            <a:p>
+              <a:pPr algn="ctr"/>
+              <a:endParaRPr lang="es-CO"/>
+            </a:p>
+          </p:txBody>
+        </p:sp>
+        <p:sp>
+          <p:nvSpPr>
+            <p:cNvPr id="19" name="Rectangle 18">
+              <a:extLst>
+                <a:ext uri="{FF2B5EF4-FFF2-40B4-BE49-F238E27FC236}">
+                  <a16:creationId xmlns:a16="http://schemas.microsoft.com/office/drawing/2014/main" id="{223D63B1-A9B0-5C99-6CFF-23B4359A8AB1}"/>
+                </a:ext>
+              </a:extLst>
+            </p:cNvPr>
+            <p:cNvSpPr/>
+            <p:nvPr/>
+          </p:nvSpPr>
+          <p:spPr>
+            <a:xfrm>
+              <a:off x="5696742" y="1864240"/>
+              <a:ext cx="576246" cy="153516"/>
+            </a:xfrm>
+            <a:prstGeom prst="rect">
+              <a:avLst/>
+            </a:prstGeom>
+            <a:noFill/>
+            <a:ln>
+              <a:solidFill>
+                <a:srgbClr val="00B050"/>
+              </a:solidFill>
+            </a:ln>
+          </p:spPr>
+          <p:style>
+            <a:lnRef idx="2">
+              <a:schemeClr val="accent1">
+                <a:shade val="15000"/>
+              </a:schemeClr>
+            </a:lnRef>
+            <a:fillRef idx="1">
+              <a:schemeClr val="accent1"/>
+            </a:fillRef>
+            <a:effectRef idx="0">
+              <a:schemeClr val="accent1"/>
+            </a:effectRef>
+            <a:fontRef idx="minor">
+              <a:schemeClr val="lt1"/>
+            </a:fontRef>
+          </p:style>
+          <p:txBody>
+            <a:bodyPr rtlCol="0" anchor="ctr"/>
+            <a:lstStyle/>
+            <a:p>
+              <a:pPr algn="ctr"/>
+              <a:endParaRPr lang="es-CO"/>
+            </a:p>
+          </p:txBody>
+        </p:sp>
+      </p:grpSp>
       <p:pic>
         <p:nvPicPr>
-          <p:cNvPr id="7" name="Picture 6">
-            <a:extLst>
-              <a:ext uri="{FF2B5EF4-FFF2-40B4-BE49-F238E27FC236}">
-                <a16:creationId xmlns:a16="http://schemas.microsoft.com/office/drawing/2014/main" id="{151449B8-0139-D380-7605-F8282D2E8F16}"/>
-              </a:ext>
-            </a:extLst>
-          </p:cNvPr>
-          <p:cNvPicPr>
-            <a:picLocks noChangeAspect="1"/>
-          </p:cNvPicPr>
-          <p:nvPr/>
-        </p:nvPicPr>
-        <p:blipFill>
-          <a:blip r:embed="rId2"/>
-          <a:stretch>
-            <a:fillRect/>
-          </a:stretch>
-        </p:blipFill>
-        <p:spPr>
-          <a:xfrm>
-            <a:off x="1011822" y="1798768"/>
-            <a:ext cx="10341978" cy="745007"/>
-          </a:xfrm>
-          <a:prstGeom prst="rect">
-            <a:avLst/>
-          </a:prstGeom>
-        </p:spPr>
-      </p:pic>
-      <p:sp>
-        <p:nvSpPr>
-          <p:cNvPr id="9" name="Rectangle 8">
-            <a:extLst>
-              <a:ext uri="{FF2B5EF4-FFF2-40B4-BE49-F238E27FC236}">
-                <a16:creationId xmlns:a16="http://schemas.microsoft.com/office/drawing/2014/main" id="{1E1F7BD7-9419-598F-12E6-063C88FDB312}"/>
-              </a:ext>
-            </a:extLst>
-          </p:cNvPr>
-          <p:cNvSpPr/>
-          <p:nvPr/>
-        </p:nvSpPr>
-        <p:spPr>
-          <a:xfrm>
-            <a:off x="8436971" y="1589218"/>
-            <a:ext cx="541538" cy="153516"/>
-          </a:xfrm>
-          <a:prstGeom prst="rect">
-            <a:avLst/>
-          </a:prstGeom>
-          <a:noFill/>
-          <a:ln>
-            <a:solidFill>
-              <a:srgbClr val="00B050"/>
-            </a:solidFill>
-          </a:ln>
-        </p:spPr>
-        <p:style>
-          <a:lnRef idx="2">
-            <a:schemeClr val="accent1">
-              <a:shade val="15000"/>
-            </a:schemeClr>
-          </a:lnRef>
-          <a:fillRef idx="1">
-            <a:schemeClr val="accent1"/>
-          </a:fillRef>
-          <a:effectRef idx="0">
-            <a:schemeClr val="accent1"/>
-          </a:effectRef>
-          <a:fontRef idx="minor">
-            <a:schemeClr val="lt1"/>
-          </a:fontRef>
-        </p:style>
-        <p:txBody>
-          <a:bodyPr rtlCol="0" anchor="ctr"/>
-          <a:lstStyle/>
-          <a:p>
-            <a:pPr algn="ctr"/>
-            <a:endParaRPr lang="es-CO"/>
-          </a:p>
-        </p:txBody>
-      </p:sp>
-      <p:sp>
-        <p:nvSpPr>
-          <p:cNvPr id="10" name="Rectangle 9">
-            <a:extLst>
-              <a:ext uri="{FF2B5EF4-FFF2-40B4-BE49-F238E27FC236}">
-                <a16:creationId xmlns:a16="http://schemas.microsoft.com/office/drawing/2014/main" id="{CFA510A0-B3C3-0925-6F75-7D76AAFF4044}"/>
-              </a:ext>
-            </a:extLst>
-          </p:cNvPr>
-          <p:cNvSpPr/>
-          <p:nvPr/>
-        </p:nvSpPr>
-        <p:spPr>
-          <a:xfrm>
-            <a:off x="8890686" y="1742734"/>
-            <a:ext cx="425574" cy="153516"/>
-          </a:xfrm>
-          <a:prstGeom prst="rect">
-            <a:avLst/>
-          </a:prstGeom>
-          <a:noFill/>
-          <a:ln>
-            <a:solidFill>
-              <a:srgbClr val="00B0F0"/>
-            </a:solidFill>
-          </a:ln>
-        </p:spPr>
-        <p:style>
-          <a:lnRef idx="2">
-            <a:schemeClr val="accent1">
-              <a:shade val="15000"/>
-            </a:schemeClr>
-          </a:lnRef>
-          <a:fillRef idx="1">
-            <a:schemeClr val="accent1"/>
-          </a:fillRef>
-          <a:effectRef idx="0">
-            <a:schemeClr val="accent1"/>
-          </a:effectRef>
-          <a:fontRef idx="minor">
-            <a:schemeClr val="lt1"/>
-          </a:fontRef>
-        </p:style>
-        <p:txBody>
-          <a:bodyPr rtlCol="0" anchor="ctr"/>
-          <a:lstStyle/>
-          <a:p>
-            <a:pPr algn="ctr"/>
-            <a:endParaRPr lang="es-CO"/>
-          </a:p>
-        </p:txBody>
-      </p:sp>
-      <p:sp>
-        <p:nvSpPr>
-          <p:cNvPr id="11" name="Rectangle 10">
-            <a:extLst>
-              <a:ext uri="{FF2B5EF4-FFF2-40B4-BE49-F238E27FC236}">
-                <a16:creationId xmlns:a16="http://schemas.microsoft.com/office/drawing/2014/main" id="{21AD39C1-2DDE-7B1F-7F7E-789FF3B1DE74}"/>
-              </a:ext>
-            </a:extLst>
-          </p:cNvPr>
-          <p:cNvSpPr/>
-          <p:nvPr/>
-        </p:nvSpPr>
-        <p:spPr>
-          <a:xfrm>
-            <a:off x="8647009" y="1896250"/>
-            <a:ext cx="425574" cy="141528"/>
-          </a:xfrm>
-          <a:prstGeom prst="rect">
-            <a:avLst/>
-          </a:prstGeom>
-          <a:noFill/>
-          <a:ln>
-            <a:solidFill>
-              <a:srgbClr val="00B0F0"/>
-            </a:solidFill>
-          </a:ln>
-        </p:spPr>
-        <p:style>
-          <a:lnRef idx="2">
-            <a:schemeClr val="accent1">
-              <a:shade val="15000"/>
-            </a:schemeClr>
-          </a:lnRef>
-          <a:fillRef idx="1">
-            <a:schemeClr val="accent1"/>
-          </a:fillRef>
-          <a:effectRef idx="0">
-            <a:schemeClr val="accent1"/>
-          </a:effectRef>
-          <a:fontRef idx="minor">
-            <a:schemeClr val="lt1"/>
-          </a:fontRef>
-        </p:style>
-        <p:txBody>
-          <a:bodyPr rtlCol="0" anchor="ctr"/>
-          <a:lstStyle/>
-          <a:p>
-            <a:pPr algn="ctr"/>
-            <a:endParaRPr lang="es-CO"/>
-          </a:p>
-        </p:txBody>
-      </p:sp>
-      <p:sp>
-        <p:nvSpPr>
-          <p:cNvPr id="12" name="Rectangle 11">
-            <a:extLst>
-              <a:ext uri="{FF2B5EF4-FFF2-40B4-BE49-F238E27FC236}">
-                <a16:creationId xmlns:a16="http://schemas.microsoft.com/office/drawing/2014/main" id="{3978542D-EEE3-F599-5726-E976B68680B8}"/>
-              </a:ext>
-            </a:extLst>
-          </p:cNvPr>
-          <p:cNvSpPr/>
-          <p:nvPr/>
-        </p:nvSpPr>
-        <p:spPr>
-          <a:xfrm>
-            <a:off x="9574830" y="1872106"/>
-            <a:ext cx="576246" cy="153516"/>
-          </a:xfrm>
-          <a:prstGeom prst="rect">
-            <a:avLst/>
-          </a:prstGeom>
-          <a:noFill/>
-          <a:ln>
-            <a:solidFill>
-              <a:srgbClr val="00B050"/>
-            </a:solidFill>
-          </a:ln>
-        </p:spPr>
-        <p:style>
-          <a:lnRef idx="2">
-            <a:schemeClr val="accent1">
-              <a:shade val="15000"/>
-            </a:schemeClr>
-          </a:lnRef>
-          <a:fillRef idx="1">
-            <a:schemeClr val="accent1"/>
-          </a:fillRef>
-          <a:effectRef idx="0">
-            <a:schemeClr val="accent1"/>
-          </a:effectRef>
-          <a:fontRef idx="minor">
-            <a:schemeClr val="lt1"/>
-          </a:fontRef>
-        </p:style>
-        <p:txBody>
-          <a:bodyPr rtlCol="0" anchor="ctr"/>
-          <a:lstStyle/>
-          <a:p>
-            <a:pPr algn="ctr"/>
-            <a:endParaRPr lang="es-CO"/>
-          </a:p>
-        </p:txBody>
-      </p:sp>
-      <p:sp>
-        <p:nvSpPr>
-          <p:cNvPr id="13" name="Rectangle 12">
-            <a:extLst>
-              <a:ext uri="{FF2B5EF4-FFF2-40B4-BE49-F238E27FC236}">
-                <a16:creationId xmlns:a16="http://schemas.microsoft.com/office/drawing/2014/main" id="{6D01D299-332E-FCC2-A61B-E6FCA34B3E00}"/>
-              </a:ext>
-            </a:extLst>
-          </p:cNvPr>
-          <p:cNvSpPr/>
-          <p:nvPr/>
-        </p:nvSpPr>
-        <p:spPr>
-          <a:xfrm>
-            <a:off x="9918236" y="2023656"/>
-            <a:ext cx="497318" cy="153516"/>
-          </a:xfrm>
-          <a:prstGeom prst="rect">
-            <a:avLst/>
-          </a:prstGeom>
-          <a:noFill/>
-          <a:ln>
-            <a:solidFill>
-              <a:srgbClr val="7030A0"/>
-            </a:solidFill>
-          </a:ln>
-        </p:spPr>
-        <p:style>
-          <a:lnRef idx="2">
-            <a:schemeClr val="accent1">
-              <a:shade val="15000"/>
-            </a:schemeClr>
-          </a:lnRef>
-          <a:fillRef idx="1">
-            <a:schemeClr val="accent1"/>
-          </a:fillRef>
-          <a:effectRef idx="0">
-            <a:schemeClr val="accent1"/>
-          </a:effectRef>
-          <a:fontRef idx="minor">
-            <a:schemeClr val="lt1"/>
-          </a:fontRef>
-        </p:style>
-        <p:txBody>
-          <a:bodyPr rtlCol="0" anchor="ctr"/>
-          <a:lstStyle/>
-          <a:p>
-            <a:pPr algn="ctr"/>
-            <a:endParaRPr lang="es-CO"/>
-          </a:p>
-        </p:txBody>
-      </p:sp>
-      <p:sp>
-        <p:nvSpPr>
-          <p:cNvPr id="14" name="Rectangle 13">
-            <a:extLst>
-              <a:ext uri="{FF2B5EF4-FFF2-40B4-BE49-F238E27FC236}">
-                <a16:creationId xmlns:a16="http://schemas.microsoft.com/office/drawing/2014/main" id="{97D7426D-A193-7956-12A9-225EF0197FF5}"/>
-              </a:ext>
-            </a:extLst>
-          </p:cNvPr>
-          <p:cNvSpPr/>
-          <p:nvPr/>
-        </p:nvSpPr>
-        <p:spPr>
-          <a:xfrm>
-            <a:off x="6830518" y="2017756"/>
-            <a:ext cx="576246" cy="153516"/>
-          </a:xfrm>
-          <a:prstGeom prst="rect">
-            <a:avLst/>
-          </a:prstGeom>
-          <a:noFill/>
-          <a:ln>
-            <a:solidFill>
-              <a:srgbClr val="00B050"/>
-            </a:solidFill>
-          </a:ln>
-        </p:spPr>
-        <p:style>
-          <a:lnRef idx="2">
-            <a:schemeClr val="accent1">
-              <a:shade val="15000"/>
-            </a:schemeClr>
-          </a:lnRef>
-          <a:fillRef idx="1">
-            <a:schemeClr val="accent1"/>
-          </a:fillRef>
-          <a:effectRef idx="0">
-            <a:schemeClr val="accent1"/>
-          </a:effectRef>
-          <a:fontRef idx="minor">
-            <a:schemeClr val="lt1"/>
-          </a:fontRef>
-        </p:style>
-        <p:txBody>
-          <a:bodyPr rtlCol="0" anchor="ctr"/>
-          <a:lstStyle/>
-          <a:p>
-            <a:pPr algn="ctr"/>
-            <a:endParaRPr lang="es-CO"/>
-          </a:p>
-        </p:txBody>
-      </p:sp>
-      <p:sp>
-        <p:nvSpPr>
-          <p:cNvPr id="15" name="Rectangle 14">
-            <a:extLst>
-              <a:ext uri="{FF2B5EF4-FFF2-40B4-BE49-F238E27FC236}">
-                <a16:creationId xmlns:a16="http://schemas.microsoft.com/office/drawing/2014/main" id="{3973DF57-4A7F-BA09-F347-3FDA2A420B35}"/>
-              </a:ext>
-            </a:extLst>
-          </p:cNvPr>
-          <p:cNvSpPr/>
-          <p:nvPr/>
-        </p:nvSpPr>
-        <p:spPr>
-          <a:xfrm>
-            <a:off x="4017575" y="2019062"/>
-            <a:ext cx="576246" cy="153516"/>
-          </a:xfrm>
-          <a:prstGeom prst="rect">
-            <a:avLst/>
-          </a:prstGeom>
-          <a:noFill/>
-          <a:ln>
-            <a:solidFill>
-              <a:srgbClr val="00B050"/>
-            </a:solidFill>
-          </a:ln>
-        </p:spPr>
-        <p:style>
-          <a:lnRef idx="2">
-            <a:schemeClr val="accent1">
-              <a:shade val="15000"/>
-            </a:schemeClr>
-          </a:lnRef>
-          <a:fillRef idx="1">
-            <a:schemeClr val="accent1"/>
-          </a:fillRef>
-          <a:effectRef idx="0">
-            <a:schemeClr val="accent1"/>
-          </a:effectRef>
-          <a:fontRef idx="minor">
-            <a:schemeClr val="lt1"/>
-          </a:fontRef>
-        </p:style>
-        <p:txBody>
-          <a:bodyPr rtlCol="0" anchor="ctr"/>
-          <a:lstStyle/>
-          <a:p>
-            <a:pPr algn="ctr"/>
-            <a:endParaRPr lang="es-CO"/>
-          </a:p>
-        </p:txBody>
-      </p:sp>
-      <p:sp>
-        <p:nvSpPr>
-          <p:cNvPr id="16" name="Rectangle 15">
-            <a:extLst>
-              <a:ext uri="{FF2B5EF4-FFF2-40B4-BE49-F238E27FC236}">
-                <a16:creationId xmlns:a16="http://schemas.microsoft.com/office/drawing/2014/main" id="{68B7E406-CA3F-3C3A-71A2-C00817857B43}"/>
-              </a:ext>
-            </a:extLst>
-          </p:cNvPr>
-          <p:cNvSpPr/>
-          <p:nvPr/>
-        </p:nvSpPr>
-        <p:spPr>
-          <a:xfrm>
-            <a:off x="3852945" y="2173846"/>
-            <a:ext cx="740876" cy="141528"/>
-          </a:xfrm>
-          <a:prstGeom prst="rect">
-            <a:avLst/>
-          </a:prstGeom>
-          <a:noFill/>
-          <a:ln>
-            <a:solidFill>
-              <a:srgbClr val="FFC000"/>
-            </a:solidFill>
-          </a:ln>
-        </p:spPr>
-        <p:style>
-          <a:lnRef idx="2">
-            <a:schemeClr val="accent1">
-              <a:shade val="15000"/>
-            </a:schemeClr>
-          </a:lnRef>
-          <a:fillRef idx="1">
-            <a:schemeClr val="accent1"/>
-          </a:fillRef>
-          <a:effectRef idx="0">
-            <a:schemeClr val="accent1"/>
-          </a:effectRef>
-          <a:fontRef idx="minor">
-            <a:schemeClr val="lt1"/>
-          </a:fontRef>
-        </p:style>
-        <p:txBody>
-          <a:bodyPr rtlCol="0" anchor="ctr"/>
-          <a:lstStyle/>
-          <a:p>
-            <a:pPr algn="ctr"/>
-            <a:endParaRPr lang="es-CO"/>
-          </a:p>
-        </p:txBody>
-      </p:sp>
-      <p:sp>
-        <p:nvSpPr>
-          <p:cNvPr id="17" name="Rectangle 16">
-            <a:extLst>
-              <a:ext uri="{FF2B5EF4-FFF2-40B4-BE49-F238E27FC236}">
-                <a16:creationId xmlns:a16="http://schemas.microsoft.com/office/drawing/2014/main" id="{94705970-446E-6260-D69E-8FFEB3A462F5}"/>
-              </a:ext>
-            </a:extLst>
-          </p:cNvPr>
-          <p:cNvSpPr/>
-          <p:nvPr/>
-        </p:nvSpPr>
-        <p:spPr>
-          <a:xfrm>
-            <a:off x="5065909" y="2169499"/>
-            <a:ext cx="373565" cy="141528"/>
-          </a:xfrm>
-          <a:prstGeom prst="rect">
-            <a:avLst/>
-          </a:prstGeom>
-          <a:noFill/>
-          <a:ln>
-            <a:solidFill>
-              <a:srgbClr val="C00000"/>
-            </a:solidFill>
-          </a:ln>
-        </p:spPr>
-        <p:style>
-          <a:lnRef idx="2">
-            <a:schemeClr val="accent1">
-              <a:shade val="15000"/>
-            </a:schemeClr>
-          </a:lnRef>
-          <a:fillRef idx="1">
-            <a:schemeClr val="accent1"/>
-          </a:fillRef>
-          <a:effectRef idx="0">
-            <a:schemeClr val="accent1"/>
-          </a:effectRef>
-          <a:fontRef idx="minor">
-            <a:schemeClr val="lt1"/>
-          </a:fontRef>
-        </p:style>
-        <p:txBody>
-          <a:bodyPr rtlCol="0" anchor="ctr"/>
-          <a:lstStyle/>
-          <a:p>
-            <a:pPr algn="ctr"/>
-            <a:endParaRPr lang="es-CO"/>
-          </a:p>
-        </p:txBody>
-      </p:sp>
-      <p:sp>
-        <p:nvSpPr>
-          <p:cNvPr id="18" name="Rectangle 17">
-            <a:extLst>
-              <a:ext uri="{FF2B5EF4-FFF2-40B4-BE49-F238E27FC236}">
-                <a16:creationId xmlns:a16="http://schemas.microsoft.com/office/drawing/2014/main" id="{5832FD4A-FEA3-706A-3B20-461CCC4DFD67}"/>
-              </a:ext>
-            </a:extLst>
-          </p:cNvPr>
-          <p:cNvSpPr/>
-          <p:nvPr/>
-        </p:nvSpPr>
-        <p:spPr>
-          <a:xfrm>
-            <a:off x="10573606" y="2164128"/>
-            <a:ext cx="497318" cy="133855"/>
-          </a:xfrm>
-          <a:prstGeom prst="rect">
-            <a:avLst/>
-          </a:prstGeom>
-          <a:noFill/>
-          <a:ln>
-            <a:solidFill>
-              <a:schemeClr val="accent1">
-                <a:lumMod val="40000"/>
-                <a:lumOff val="60000"/>
-              </a:schemeClr>
-            </a:solidFill>
-          </a:ln>
-        </p:spPr>
-        <p:style>
-          <a:lnRef idx="2">
-            <a:schemeClr val="accent1">
-              <a:shade val="15000"/>
-            </a:schemeClr>
-          </a:lnRef>
-          <a:fillRef idx="1">
-            <a:schemeClr val="accent1"/>
-          </a:fillRef>
-          <a:effectRef idx="0">
-            <a:schemeClr val="accent1"/>
-          </a:effectRef>
-          <a:fontRef idx="minor">
-            <a:schemeClr val="lt1"/>
-          </a:fontRef>
-        </p:style>
-        <p:txBody>
-          <a:bodyPr rtlCol="0" anchor="ctr"/>
-          <a:lstStyle/>
-          <a:p>
-            <a:pPr algn="ctr"/>
-            <a:endParaRPr lang="es-CO"/>
-          </a:p>
-        </p:txBody>
-      </p:sp>
-      <p:sp>
-        <p:nvSpPr>
-          <p:cNvPr id="19" name="Rectangle 18">
-            <a:extLst>
-              <a:ext uri="{FF2B5EF4-FFF2-40B4-BE49-F238E27FC236}">
-                <a16:creationId xmlns:a16="http://schemas.microsoft.com/office/drawing/2014/main" id="{223D63B1-A9B0-5C99-6CFF-23B4359A8AB1}"/>
-              </a:ext>
-            </a:extLst>
-          </p:cNvPr>
-          <p:cNvSpPr/>
-          <p:nvPr/>
-        </p:nvSpPr>
-        <p:spPr>
-          <a:xfrm>
-            <a:off x="5696742" y="1864240"/>
-            <a:ext cx="576246" cy="153516"/>
-          </a:xfrm>
-          <a:prstGeom prst="rect">
-            <a:avLst/>
-          </a:prstGeom>
-          <a:noFill/>
-          <a:ln>
-            <a:solidFill>
-              <a:srgbClr val="00B050"/>
-            </a:solidFill>
-          </a:ln>
-        </p:spPr>
-        <p:style>
-          <a:lnRef idx="2">
-            <a:schemeClr val="accent1">
-              <a:shade val="15000"/>
-            </a:schemeClr>
-          </a:lnRef>
-          <a:fillRef idx="1">
-            <a:schemeClr val="accent1"/>
-          </a:fillRef>
-          <a:effectRef idx="0">
-            <a:schemeClr val="accent1"/>
-          </a:effectRef>
-          <a:fontRef idx="minor">
-            <a:schemeClr val="lt1"/>
-          </a:fontRef>
-        </p:style>
-        <p:txBody>
-          <a:bodyPr rtlCol="0" anchor="ctr"/>
-          <a:lstStyle/>
-          <a:p>
-            <a:pPr algn="ctr"/>
-            <a:endParaRPr lang="es-CO"/>
-          </a:p>
-        </p:txBody>
-      </p:sp>
-      <p:pic>
-        <p:nvPicPr>
-          <p:cNvPr id="21" name="Picture 20">
-            <a:extLst>
-              <a:ext uri="{FF2B5EF4-FFF2-40B4-BE49-F238E27FC236}">
-                <a16:creationId xmlns:a16="http://schemas.microsoft.com/office/drawing/2014/main" id="{D3B0629A-3A6C-3E66-5F96-3C58C3228C78}"/>
+          <p:cNvPr id="24" name="Picture 23">
+            <a:extLst>
+              <a:ext uri="{FF2B5EF4-FFF2-40B4-BE49-F238E27FC236}">
+                <a16:creationId xmlns:a16="http://schemas.microsoft.com/office/drawing/2014/main" id="{C11649B7-0E85-856B-D1C1-E503A6F0C49F}"/>
               </a:ext>
             </a:extLst>
           </p:cNvPr>
@@ -5130,48 +9735,490 @@
         </p:blipFill>
         <p:spPr>
           <a:xfrm>
-            <a:off x="1011822" y="3548995"/>
-            <a:ext cx="7742122" cy="2520087"/>
+            <a:off x="11049803" y="241336"/>
+            <a:ext cx="587139" cy="601460"/>
           </a:xfrm>
           <a:prstGeom prst="rect">
             <a:avLst/>
           </a:prstGeom>
         </p:spPr>
       </p:pic>
-      <p:pic>
-        <p:nvPicPr>
-          <p:cNvPr id="23" name="Picture 22">
-            <a:extLst>
-              <a:ext uri="{FF2B5EF4-FFF2-40B4-BE49-F238E27FC236}">
-                <a16:creationId xmlns:a16="http://schemas.microsoft.com/office/drawing/2014/main" id="{F81CDD96-031D-4E1B-25BF-71024619F5BF}"/>
-              </a:ext>
-            </a:extLst>
-          </p:cNvPr>
-          <p:cNvPicPr>
-            <a:picLocks noChangeAspect="1"/>
-          </p:cNvPicPr>
+      <p:sp>
+        <p:nvSpPr>
+          <p:cNvPr id="26" name="TextBox 25">
+            <a:extLst>
+              <a:ext uri="{FF2B5EF4-FFF2-40B4-BE49-F238E27FC236}">
+                <a16:creationId xmlns:a16="http://schemas.microsoft.com/office/drawing/2014/main" id="{2370C409-810C-06D3-9642-6B1980E889BD}"/>
+              </a:ext>
+            </a:extLst>
+          </p:cNvPr>
+          <p:cNvSpPr txBox="1"/>
           <p:nvPr/>
-        </p:nvPicPr>
-        <p:blipFill>
-          <a:blip r:embed="rId4"/>
-          <a:stretch>
-            <a:fillRect/>
-          </a:stretch>
-        </p:blipFill>
+        </p:nvSpPr>
         <p:spPr>
           <a:xfrm>
-            <a:off x="9574830" y="3858480"/>
-            <a:ext cx="978590" cy="1368294"/>
+            <a:off x="11365831" y="6247332"/>
+            <a:ext cx="334879" cy="369332"/>
+          </a:xfrm>
+          <a:prstGeom prst="rect">
+            <a:avLst/>
+          </a:prstGeom>
+          <a:noFill/>
+        </p:spPr>
+        <p:txBody>
+          <a:bodyPr wrap="square">
+            <a:spAutoFit/>
+          </a:bodyPr>
+          <a:lstStyle/>
+          <a:p>
+            <a:r>
+              <a:rPr lang="es-CO" dirty="0">
+                <a:solidFill>
+                  <a:srgbClr val="26E5CE"/>
+                </a:solidFill>
+                <a:latin typeface="Nunito" pitchFamily="2" charset="0"/>
+              </a:rPr>
+              <a:t>7</a:t>
+            </a:r>
+          </a:p>
+        </p:txBody>
+      </p:sp>
+      <p:sp>
+        <p:nvSpPr>
+          <p:cNvPr id="27" name="Content Placeholder 2">
+            <a:extLst>
+              <a:ext uri="{FF2B5EF4-FFF2-40B4-BE49-F238E27FC236}">
+                <a16:creationId xmlns:a16="http://schemas.microsoft.com/office/drawing/2014/main" id="{814AB929-0C67-6D89-CA46-988C530DB296}"/>
+              </a:ext>
+            </a:extLst>
+          </p:cNvPr>
+          <p:cNvSpPr txBox="1">
+            <a:spLocks/>
+          </p:cNvSpPr>
+          <p:nvPr/>
+        </p:nvSpPr>
+        <p:spPr>
+          <a:xfrm>
+            <a:off x="870858" y="1274595"/>
+            <a:ext cx="7808360" cy="416093"/>
           </a:xfrm>
           <a:prstGeom prst="rect">
             <a:avLst/>
           </a:prstGeom>
         </p:spPr>
-      </p:pic>
+        <p:txBody>
+          <a:bodyPr vert="horz" lIns="91440" tIns="45720" rIns="91440" bIns="45720" rtlCol="0">
+            <a:noAutofit/>
+          </a:bodyPr>
+          <a:lstStyle>
+            <a:lvl1pPr marL="228600" indent="-228600" algn="l" defTabSz="914400" rtl="0" eaLnBrk="1" latinLnBrk="0" hangingPunct="1">
+              <a:lnSpc>
+                <a:spcPct val="90000"/>
+              </a:lnSpc>
+              <a:spcBef>
+                <a:spcPts val="1000"/>
+              </a:spcBef>
+              <a:buFont typeface="Arial" panose="020B0604020202020204" pitchFamily="34" charset="0"/>
+              <a:buChar char="•"/>
+              <a:defRPr sz="2800" kern="1200">
+                <a:solidFill>
+                  <a:schemeClr val="tx1"/>
+                </a:solidFill>
+                <a:latin typeface="+mn-lt"/>
+                <a:ea typeface="+mn-ea"/>
+                <a:cs typeface="+mn-cs"/>
+              </a:defRPr>
+            </a:lvl1pPr>
+            <a:lvl2pPr marL="685800" indent="-228600" algn="l" defTabSz="914400" rtl="0" eaLnBrk="1" latinLnBrk="0" hangingPunct="1">
+              <a:lnSpc>
+                <a:spcPct val="90000"/>
+              </a:lnSpc>
+              <a:spcBef>
+                <a:spcPts val="500"/>
+              </a:spcBef>
+              <a:buFont typeface="Arial" panose="020B0604020202020204" pitchFamily="34" charset="0"/>
+              <a:buChar char="•"/>
+              <a:defRPr sz="2400" kern="1200">
+                <a:solidFill>
+                  <a:schemeClr val="tx1"/>
+                </a:solidFill>
+                <a:latin typeface="+mn-lt"/>
+                <a:ea typeface="+mn-ea"/>
+                <a:cs typeface="+mn-cs"/>
+              </a:defRPr>
+            </a:lvl2pPr>
+            <a:lvl3pPr marL="1143000" indent="-228600" algn="l" defTabSz="914400" rtl="0" eaLnBrk="1" latinLnBrk="0" hangingPunct="1">
+              <a:lnSpc>
+                <a:spcPct val="90000"/>
+              </a:lnSpc>
+              <a:spcBef>
+                <a:spcPts val="500"/>
+              </a:spcBef>
+              <a:buFont typeface="Arial" panose="020B0604020202020204" pitchFamily="34" charset="0"/>
+              <a:buChar char="•"/>
+              <a:defRPr sz="2000" kern="1200">
+                <a:solidFill>
+                  <a:schemeClr val="tx1"/>
+                </a:solidFill>
+                <a:latin typeface="+mn-lt"/>
+                <a:ea typeface="+mn-ea"/>
+                <a:cs typeface="+mn-cs"/>
+              </a:defRPr>
+            </a:lvl3pPr>
+            <a:lvl4pPr marL="1600200" indent="-228600" algn="l" defTabSz="914400" rtl="0" eaLnBrk="1" latinLnBrk="0" hangingPunct="1">
+              <a:lnSpc>
+                <a:spcPct val="90000"/>
+              </a:lnSpc>
+              <a:spcBef>
+                <a:spcPts val="500"/>
+              </a:spcBef>
+              <a:buFont typeface="Arial" panose="020B0604020202020204" pitchFamily="34" charset="0"/>
+              <a:buChar char="•"/>
+              <a:defRPr sz="1800" kern="1200">
+                <a:solidFill>
+                  <a:schemeClr val="tx1"/>
+                </a:solidFill>
+                <a:latin typeface="+mn-lt"/>
+                <a:ea typeface="+mn-ea"/>
+                <a:cs typeface="+mn-cs"/>
+              </a:defRPr>
+            </a:lvl4pPr>
+            <a:lvl5pPr marL="2057400" indent="-228600" algn="l" defTabSz="914400" rtl="0" eaLnBrk="1" latinLnBrk="0" hangingPunct="1">
+              <a:lnSpc>
+                <a:spcPct val="90000"/>
+              </a:lnSpc>
+              <a:spcBef>
+                <a:spcPts val="500"/>
+              </a:spcBef>
+              <a:buFont typeface="Arial" panose="020B0604020202020204" pitchFamily="34" charset="0"/>
+              <a:buChar char="•"/>
+              <a:defRPr sz="1800" kern="1200">
+                <a:solidFill>
+                  <a:schemeClr val="tx1"/>
+                </a:solidFill>
+                <a:latin typeface="+mn-lt"/>
+                <a:ea typeface="+mn-ea"/>
+                <a:cs typeface="+mn-cs"/>
+              </a:defRPr>
+            </a:lvl5pPr>
+            <a:lvl6pPr marL="2514600" indent="-228600" algn="l" defTabSz="914400" rtl="0" eaLnBrk="1" latinLnBrk="0" hangingPunct="1">
+              <a:lnSpc>
+                <a:spcPct val="90000"/>
+              </a:lnSpc>
+              <a:spcBef>
+                <a:spcPts val="500"/>
+              </a:spcBef>
+              <a:buFont typeface="Arial" panose="020B0604020202020204" pitchFamily="34" charset="0"/>
+              <a:buChar char="•"/>
+              <a:defRPr sz="1800" kern="1200">
+                <a:solidFill>
+                  <a:schemeClr val="tx1"/>
+                </a:solidFill>
+                <a:latin typeface="+mn-lt"/>
+                <a:ea typeface="+mn-ea"/>
+                <a:cs typeface="+mn-cs"/>
+              </a:defRPr>
+            </a:lvl6pPr>
+            <a:lvl7pPr marL="2971800" indent="-228600" algn="l" defTabSz="914400" rtl="0" eaLnBrk="1" latinLnBrk="0" hangingPunct="1">
+              <a:lnSpc>
+                <a:spcPct val="90000"/>
+              </a:lnSpc>
+              <a:spcBef>
+                <a:spcPts val="500"/>
+              </a:spcBef>
+              <a:buFont typeface="Arial" panose="020B0604020202020204" pitchFamily="34" charset="0"/>
+              <a:buChar char="•"/>
+              <a:defRPr sz="1800" kern="1200">
+                <a:solidFill>
+                  <a:schemeClr val="tx1"/>
+                </a:solidFill>
+                <a:latin typeface="+mn-lt"/>
+                <a:ea typeface="+mn-ea"/>
+                <a:cs typeface="+mn-cs"/>
+              </a:defRPr>
+            </a:lvl7pPr>
+            <a:lvl8pPr marL="3429000" indent="-228600" algn="l" defTabSz="914400" rtl="0" eaLnBrk="1" latinLnBrk="0" hangingPunct="1">
+              <a:lnSpc>
+                <a:spcPct val="90000"/>
+              </a:lnSpc>
+              <a:spcBef>
+                <a:spcPts val="500"/>
+              </a:spcBef>
+              <a:buFont typeface="Arial" panose="020B0604020202020204" pitchFamily="34" charset="0"/>
+              <a:buChar char="•"/>
+              <a:defRPr sz="1800" kern="1200">
+                <a:solidFill>
+                  <a:schemeClr val="tx1"/>
+                </a:solidFill>
+                <a:latin typeface="+mn-lt"/>
+                <a:ea typeface="+mn-ea"/>
+                <a:cs typeface="+mn-cs"/>
+              </a:defRPr>
+            </a:lvl8pPr>
+            <a:lvl9pPr marL="3886200" indent="-228600" algn="l" defTabSz="914400" rtl="0" eaLnBrk="1" latinLnBrk="0" hangingPunct="1">
+              <a:lnSpc>
+                <a:spcPct val="90000"/>
+              </a:lnSpc>
+              <a:spcBef>
+                <a:spcPts val="500"/>
+              </a:spcBef>
+              <a:buFont typeface="Arial" panose="020B0604020202020204" pitchFamily="34" charset="0"/>
+              <a:buChar char="•"/>
+              <a:defRPr sz="1800" kern="1200">
+                <a:solidFill>
+                  <a:schemeClr val="tx1"/>
+                </a:solidFill>
+                <a:latin typeface="+mn-lt"/>
+                <a:ea typeface="+mn-ea"/>
+                <a:cs typeface="+mn-cs"/>
+              </a:defRPr>
+            </a:lvl9pPr>
+          </a:lstStyle>
+          <a:p>
+            <a:pPr marL="0" indent="0" algn="just">
+              <a:buNone/>
+            </a:pPr>
+            <a:r>
+              <a:rPr lang="es-CO" sz="1800" dirty="0">
+                <a:solidFill>
+                  <a:srgbClr val="020D43"/>
+                </a:solidFill>
+                <a:latin typeface="Nunito" pitchFamily="2" charset="0"/>
+              </a:rPr>
+              <a:t>LDA: Análisis discriminante lineal</a:t>
+            </a:r>
+          </a:p>
+        </p:txBody>
+      </p:sp>
+      <p:sp>
+        <p:nvSpPr>
+          <p:cNvPr id="31" name="Content Placeholder 2">
+            <a:extLst>
+              <a:ext uri="{FF2B5EF4-FFF2-40B4-BE49-F238E27FC236}">
+                <a16:creationId xmlns:a16="http://schemas.microsoft.com/office/drawing/2014/main" id="{9349CBA8-7CF2-E3C2-784E-C72316AF9BC3}"/>
+              </a:ext>
+            </a:extLst>
+          </p:cNvPr>
+          <p:cNvSpPr txBox="1">
+            <a:spLocks/>
+          </p:cNvSpPr>
+          <p:nvPr/>
+        </p:nvSpPr>
+        <p:spPr>
+          <a:xfrm>
+            <a:off x="838200" y="2600158"/>
+            <a:ext cx="10214256" cy="416093"/>
+          </a:xfrm>
+          <a:prstGeom prst="rect">
+            <a:avLst/>
+          </a:prstGeom>
+        </p:spPr>
+        <p:txBody>
+          <a:bodyPr vert="horz" lIns="91440" tIns="45720" rIns="91440" bIns="45720" rtlCol="0">
+            <a:noAutofit/>
+          </a:bodyPr>
+          <a:lstStyle>
+            <a:lvl1pPr marL="228600" indent="-228600" algn="l" defTabSz="914400" rtl="0" eaLnBrk="1" latinLnBrk="0" hangingPunct="1">
+              <a:lnSpc>
+                <a:spcPct val="90000"/>
+              </a:lnSpc>
+              <a:spcBef>
+                <a:spcPts val="1000"/>
+              </a:spcBef>
+              <a:buFont typeface="Arial" panose="020B0604020202020204" pitchFamily="34" charset="0"/>
+              <a:buChar char="•"/>
+              <a:defRPr sz="2800" kern="1200">
+                <a:solidFill>
+                  <a:schemeClr val="tx1"/>
+                </a:solidFill>
+                <a:latin typeface="+mn-lt"/>
+                <a:ea typeface="+mn-ea"/>
+                <a:cs typeface="+mn-cs"/>
+              </a:defRPr>
+            </a:lvl1pPr>
+            <a:lvl2pPr marL="685800" indent="-228600" algn="l" defTabSz="914400" rtl="0" eaLnBrk="1" latinLnBrk="0" hangingPunct="1">
+              <a:lnSpc>
+                <a:spcPct val="90000"/>
+              </a:lnSpc>
+              <a:spcBef>
+                <a:spcPts val="500"/>
+              </a:spcBef>
+              <a:buFont typeface="Arial" panose="020B0604020202020204" pitchFamily="34" charset="0"/>
+              <a:buChar char="•"/>
+              <a:defRPr sz="2400" kern="1200">
+                <a:solidFill>
+                  <a:schemeClr val="tx1"/>
+                </a:solidFill>
+                <a:latin typeface="+mn-lt"/>
+                <a:ea typeface="+mn-ea"/>
+                <a:cs typeface="+mn-cs"/>
+              </a:defRPr>
+            </a:lvl2pPr>
+            <a:lvl3pPr marL="1143000" indent="-228600" algn="l" defTabSz="914400" rtl="0" eaLnBrk="1" latinLnBrk="0" hangingPunct="1">
+              <a:lnSpc>
+                <a:spcPct val="90000"/>
+              </a:lnSpc>
+              <a:spcBef>
+                <a:spcPts val="500"/>
+              </a:spcBef>
+              <a:buFont typeface="Arial" panose="020B0604020202020204" pitchFamily="34" charset="0"/>
+              <a:buChar char="•"/>
+              <a:defRPr sz="2000" kern="1200">
+                <a:solidFill>
+                  <a:schemeClr val="tx1"/>
+                </a:solidFill>
+                <a:latin typeface="+mn-lt"/>
+                <a:ea typeface="+mn-ea"/>
+                <a:cs typeface="+mn-cs"/>
+              </a:defRPr>
+            </a:lvl3pPr>
+            <a:lvl4pPr marL="1600200" indent="-228600" algn="l" defTabSz="914400" rtl="0" eaLnBrk="1" latinLnBrk="0" hangingPunct="1">
+              <a:lnSpc>
+                <a:spcPct val="90000"/>
+              </a:lnSpc>
+              <a:spcBef>
+                <a:spcPts val="500"/>
+              </a:spcBef>
+              <a:buFont typeface="Arial" panose="020B0604020202020204" pitchFamily="34" charset="0"/>
+              <a:buChar char="•"/>
+              <a:defRPr sz="1800" kern="1200">
+                <a:solidFill>
+                  <a:schemeClr val="tx1"/>
+                </a:solidFill>
+                <a:latin typeface="+mn-lt"/>
+                <a:ea typeface="+mn-ea"/>
+                <a:cs typeface="+mn-cs"/>
+              </a:defRPr>
+            </a:lvl4pPr>
+            <a:lvl5pPr marL="2057400" indent="-228600" algn="l" defTabSz="914400" rtl="0" eaLnBrk="1" latinLnBrk="0" hangingPunct="1">
+              <a:lnSpc>
+                <a:spcPct val="90000"/>
+              </a:lnSpc>
+              <a:spcBef>
+                <a:spcPts val="500"/>
+              </a:spcBef>
+              <a:buFont typeface="Arial" panose="020B0604020202020204" pitchFamily="34" charset="0"/>
+              <a:buChar char="•"/>
+              <a:defRPr sz="1800" kern="1200">
+                <a:solidFill>
+                  <a:schemeClr val="tx1"/>
+                </a:solidFill>
+                <a:latin typeface="+mn-lt"/>
+                <a:ea typeface="+mn-ea"/>
+                <a:cs typeface="+mn-cs"/>
+              </a:defRPr>
+            </a:lvl5pPr>
+            <a:lvl6pPr marL="2514600" indent="-228600" algn="l" defTabSz="914400" rtl="0" eaLnBrk="1" latinLnBrk="0" hangingPunct="1">
+              <a:lnSpc>
+                <a:spcPct val="90000"/>
+              </a:lnSpc>
+              <a:spcBef>
+                <a:spcPts val="500"/>
+              </a:spcBef>
+              <a:buFont typeface="Arial" panose="020B0604020202020204" pitchFamily="34" charset="0"/>
+              <a:buChar char="•"/>
+              <a:defRPr sz="1800" kern="1200">
+                <a:solidFill>
+                  <a:schemeClr val="tx1"/>
+                </a:solidFill>
+                <a:latin typeface="+mn-lt"/>
+                <a:ea typeface="+mn-ea"/>
+                <a:cs typeface="+mn-cs"/>
+              </a:defRPr>
+            </a:lvl6pPr>
+            <a:lvl7pPr marL="2971800" indent="-228600" algn="l" defTabSz="914400" rtl="0" eaLnBrk="1" latinLnBrk="0" hangingPunct="1">
+              <a:lnSpc>
+                <a:spcPct val="90000"/>
+              </a:lnSpc>
+              <a:spcBef>
+                <a:spcPts val="500"/>
+              </a:spcBef>
+              <a:buFont typeface="Arial" panose="020B0604020202020204" pitchFamily="34" charset="0"/>
+              <a:buChar char="•"/>
+              <a:defRPr sz="1800" kern="1200">
+                <a:solidFill>
+                  <a:schemeClr val="tx1"/>
+                </a:solidFill>
+                <a:latin typeface="+mn-lt"/>
+                <a:ea typeface="+mn-ea"/>
+                <a:cs typeface="+mn-cs"/>
+              </a:defRPr>
+            </a:lvl7pPr>
+            <a:lvl8pPr marL="3429000" indent="-228600" algn="l" defTabSz="914400" rtl="0" eaLnBrk="1" latinLnBrk="0" hangingPunct="1">
+              <a:lnSpc>
+                <a:spcPct val="90000"/>
+              </a:lnSpc>
+              <a:spcBef>
+                <a:spcPts val="500"/>
+              </a:spcBef>
+              <a:buFont typeface="Arial" panose="020B0604020202020204" pitchFamily="34" charset="0"/>
+              <a:buChar char="•"/>
+              <a:defRPr sz="1800" kern="1200">
+                <a:solidFill>
+                  <a:schemeClr val="tx1"/>
+                </a:solidFill>
+                <a:latin typeface="+mn-lt"/>
+                <a:ea typeface="+mn-ea"/>
+                <a:cs typeface="+mn-cs"/>
+              </a:defRPr>
+            </a:lvl8pPr>
+            <a:lvl9pPr marL="3886200" indent="-228600" algn="l" defTabSz="914400" rtl="0" eaLnBrk="1" latinLnBrk="0" hangingPunct="1">
+              <a:lnSpc>
+                <a:spcPct val="90000"/>
+              </a:lnSpc>
+              <a:spcBef>
+                <a:spcPts val="500"/>
+              </a:spcBef>
+              <a:buFont typeface="Arial" panose="020B0604020202020204" pitchFamily="34" charset="0"/>
+              <a:buChar char="•"/>
+              <a:defRPr sz="1800" kern="1200">
+                <a:solidFill>
+                  <a:schemeClr val="tx1"/>
+                </a:solidFill>
+                <a:latin typeface="+mn-lt"/>
+                <a:ea typeface="+mn-ea"/>
+                <a:cs typeface="+mn-cs"/>
+              </a:defRPr>
+            </a:lvl9pPr>
+          </a:lstStyle>
+          <a:p>
+            <a:pPr marL="0" indent="0" algn="ctr">
+              <a:buNone/>
+            </a:pPr>
+            <a:r>
+              <a:rPr lang="es-CO" sz="1800" dirty="0">
+                <a:solidFill>
+                  <a:srgbClr val="020D43"/>
+                </a:solidFill>
+                <a:latin typeface="Nunito" pitchFamily="2" charset="0"/>
+              </a:rPr>
+              <a:t>Genera N combinaciones lineales de </a:t>
+            </a:r>
+            <a:r>
+              <a:rPr lang="es-CO" sz="1800" b="1" dirty="0">
+                <a:solidFill>
+                  <a:srgbClr val="26E5CE"/>
+                </a:solidFill>
+                <a:latin typeface="Nunito" pitchFamily="2" charset="0"/>
+              </a:rPr>
+              <a:t>características</a:t>
+            </a:r>
+            <a:r>
+              <a:rPr lang="es-CO" sz="1800" dirty="0">
+                <a:solidFill>
+                  <a:srgbClr val="020D43"/>
+                </a:solidFill>
+                <a:latin typeface="Nunito" pitchFamily="2" charset="0"/>
+              </a:rPr>
+              <a:t> que separan varias clases o “tópicos” </a:t>
+            </a:r>
+          </a:p>
+        </p:txBody>
+      </p:sp>
     </p:spTree>
     <p:extLst>
       <p:ext uri="{BB962C8B-B14F-4D97-AF65-F5344CB8AC3E}">
-        <p14:creationId xmlns:p14="http://schemas.microsoft.com/office/powerpoint/2010/main" val="3610185606"/>
+        <p14:creationId xmlns:p14="http://schemas.microsoft.com/office/powerpoint/2010/main" val="2656181042"/>
       </p:ext>
     </p:extLst>
   </p:cSld>
@@ -5181,7 +10228,7 @@
 </p:sld>
 </file>
 
-<file path=ppt/slides/slide5.xml><?xml version="1.0" encoding="utf-8"?>
+<file path=ppt/slides/slide8.xml><?xml version="1.0" encoding="utf-8"?>
 <p:sld xmlns:a="http://schemas.openxmlformats.org/drawingml/2006/main" xmlns:r="http://schemas.openxmlformats.org/officeDocument/2006/relationships" xmlns:p="http://schemas.openxmlformats.org/presentationml/2006/main">
   <p:cSld>
     <p:spTree>
@@ -5203,7 +10250,7 @@
           <p:cNvPr id="2" name="Title 1">
             <a:extLst>
               <a:ext uri="{FF2B5EF4-FFF2-40B4-BE49-F238E27FC236}">
-                <a16:creationId xmlns:a16="http://schemas.microsoft.com/office/drawing/2014/main" id="{575553E7-1E75-0AFB-8C7F-51427CDAA53C}"/>
+                <a16:creationId xmlns:a16="http://schemas.microsoft.com/office/drawing/2014/main" id="{38081316-20B9-2015-FE05-805CC5275360}"/>
               </a:ext>
             </a:extLst>
           </p:cNvPr>
@@ -5220,80 +10267,814 @@
           <a:lstStyle/>
           <a:p>
             <a:r>
-              <a:rPr lang="es-CO" dirty="0"/>
-              <a:t>Pregunta 3</a:t>
+              <a:rPr lang="es-CO" dirty="0">
+                <a:solidFill>
+                  <a:srgbClr val="020D43"/>
+                </a:solidFill>
+                <a:latin typeface="Nunito" pitchFamily="2" charset="0"/>
+              </a:rPr>
+              <a:t>Pregunta 2</a:t>
+            </a:r>
+          </a:p>
+        </p:txBody>
+      </p:sp>
+      <p:pic>
+        <p:nvPicPr>
+          <p:cNvPr id="21" name="Picture 20">
+            <a:extLst>
+              <a:ext uri="{FF2B5EF4-FFF2-40B4-BE49-F238E27FC236}">
+                <a16:creationId xmlns:a16="http://schemas.microsoft.com/office/drawing/2014/main" id="{D3B0629A-3A6C-3E66-5F96-3C58C3228C78}"/>
+              </a:ext>
+            </a:extLst>
+          </p:cNvPr>
+          <p:cNvPicPr>
+            <a:picLocks noChangeAspect="1"/>
+          </p:cNvPicPr>
+          <p:nvPr/>
+        </p:nvPicPr>
+        <p:blipFill>
+          <a:blip r:embed="rId2"/>
+          <a:stretch>
+            <a:fillRect/>
+          </a:stretch>
+        </p:blipFill>
+        <p:spPr>
+          <a:xfrm>
+            <a:off x="911097" y="1745879"/>
+            <a:ext cx="8907876" cy="2899544"/>
+          </a:xfrm>
+          <a:prstGeom prst="rect">
+            <a:avLst/>
+          </a:prstGeom>
+        </p:spPr>
+      </p:pic>
+      <p:pic>
+        <p:nvPicPr>
+          <p:cNvPr id="23" name="Picture 22">
+            <a:extLst>
+              <a:ext uri="{FF2B5EF4-FFF2-40B4-BE49-F238E27FC236}">
+                <a16:creationId xmlns:a16="http://schemas.microsoft.com/office/drawing/2014/main" id="{F81CDD96-031D-4E1B-25BF-71024619F5BF}"/>
+              </a:ext>
+            </a:extLst>
+          </p:cNvPr>
+          <p:cNvPicPr>
+            <a:picLocks noChangeAspect="1"/>
+          </p:cNvPicPr>
+          <p:nvPr/>
+        </p:nvPicPr>
+        <p:blipFill>
+          <a:blip r:embed="rId3"/>
+          <a:stretch>
+            <a:fillRect/>
+          </a:stretch>
+        </p:blipFill>
+        <p:spPr>
+          <a:xfrm>
+            <a:off x="10420051" y="2715670"/>
+            <a:ext cx="978590" cy="1368294"/>
+          </a:xfrm>
+          <a:prstGeom prst="rect">
+            <a:avLst/>
+          </a:prstGeom>
+        </p:spPr>
+      </p:pic>
+      <p:pic>
+        <p:nvPicPr>
+          <p:cNvPr id="24" name="Picture 23">
+            <a:extLst>
+              <a:ext uri="{FF2B5EF4-FFF2-40B4-BE49-F238E27FC236}">
+                <a16:creationId xmlns:a16="http://schemas.microsoft.com/office/drawing/2014/main" id="{C11649B7-0E85-856B-D1C1-E503A6F0C49F}"/>
+              </a:ext>
+            </a:extLst>
+          </p:cNvPr>
+          <p:cNvPicPr>
+            <a:picLocks noChangeAspect="1"/>
+          </p:cNvPicPr>
+          <p:nvPr/>
+        </p:nvPicPr>
+        <p:blipFill>
+          <a:blip r:embed="rId4"/>
+          <a:stretch>
+            <a:fillRect/>
+          </a:stretch>
+        </p:blipFill>
+        <p:spPr>
+          <a:xfrm>
+            <a:off x="11049803" y="241336"/>
+            <a:ext cx="587139" cy="601460"/>
+          </a:xfrm>
+          <a:prstGeom prst="rect">
+            <a:avLst/>
+          </a:prstGeom>
+        </p:spPr>
+      </p:pic>
+      <p:sp>
+        <p:nvSpPr>
+          <p:cNvPr id="26" name="TextBox 25">
+            <a:extLst>
+              <a:ext uri="{FF2B5EF4-FFF2-40B4-BE49-F238E27FC236}">
+                <a16:creationId xmlns:a16="http://schemas.microsoft.com/office/drawing/2014/main" id="{2370C409-810C-06D3-9642-6B1980E889BD}"/>
+              </a:ext>
+            </a:extLst>
+          </p:cNvPr>
+          <p:cNvSpPr txBox="1"/>
+          <p:nvPr/>
+        </p:nvSpPr>
+        <p:spPr>
+          <a:xfrm>
+            <a:off x="11365831" y="6247332"/>
+            <a:ext cx="334879" cy="369332"/>
+          </a:xfrm>
+          <a:prstGeom prst="rect">
+            <a:avLst/>
+          </a:prstGeom>
+          <a:noFill/>
+        </p:spPr>
+        <p:txBody>
+          <a:bodyPr wrap="square">
+            <a:spAutoFit/>
+          </a:bodyPr>
+          <a:lstStyle/>
+          <a:p>
+            <a:r>
+              <a:rPr lang="es-CO" dirty="0">
+                <a:solidFill>
+                  <a:srgbClr val="26E5CE"/>
+                </a:solidFill>
+                <a:latin typeface="Nunito" pitchFamily="2" charset="0"/>
+              </a:rPr>
+              <a:t>7</a:t>
             </a:r>
           </a:p>
         </p:txBody>
       </p:sp>
       <p:sp>
         <p:nvSpPr>
-          <p:cNvPr id="3" name="Content Placeholder 2">
-            <a:extLst>
-              <a:ext uri="{FF2B5EF4-FFF2-40B4-BE49-F238E27FC236}">
-                <a16:creationId xmlns:a16="http://schemas.microsoft.com/office/drawing/2014/main" id="{6E2A1141-5188-22E5-1DA1-8E6E8EB3D713}"/>
-              </a:ext>
-            </a:extLst>
-          </p:cNvPr>
-          <p:cNvSpPr>
-            <a:spLocks noGrp="1"/>
+          <p:cNvPr id="30" name="Content Placeholder 2">
+            <a:extLst>
+              <a:ext uri="{FF2B5EF4-FFF2-40B4-BE49-F238E27FC236}">
+                <a16:creationId xmlns:a16="http://schemas.microsoft.com/office/drawing/2014/main" id="{BC47BC26-AD38-77E0-BC39-EC3C12D87010}"/>
+              </a:ext>
+            </a:extLst>
+          </p:cNvPr>
+          <p:cNvSpPr txBox="1">
+            <a:spLocks/>
           </p:cNvSpPr>
-          <p:nvPr>
-            <p:ph idx="1"/>
-          </p:nvPr>
+          <p:nvPr/>
         </p:nvSpPr>
-        <p:spPr/>
+        <p:spPr>
+          <a:xfrm>
+            <a:off x="878439" y="1274595"/>
+            <a:ext cx="7808360" cy="416093"/>
+          </a:xfrm>
+          <a:prstGeom prst="rect">
+            <a:avLst/>
+          </a:prstGeom>
+        </p:spPr>
         <p:txBody>
-          <a:bodyPr/>
-          <a:lstStyle/>
-          <a:p>
-            <a:r>
-              <a:rPr lang="es-CO" dirty="0"/>
-              <a:t>Problema de negocio:</a:t>
-            </a:r>
-          </a:p>
-          <a:p>
-            <a:r>
-              <a:rPr lang="es-CO" dirty="0"/>
-              <a:t>Principales retos:</a:t>
-            </a:r>
-          </a:p>
-          <a:p>
-            <a:r>
-              <a:rPr lang="es-CO" dirty="0"/>
-              <a:t>Conjunto de datos:</a:t>
-            </a:r>
-          </a:p>
-          <a:p>
-            <a:r>
-              <a:rPr lang="es-CO" dirty="0"/>
-              <a:t>Metodología:</a:t>
-            </a:r>
-          </a:p>
-          <a:p>
-            <a:r>
-              <a:rPr lang="es-CO" dirty="0"/>
-              <a:t>Incorporación en los procesos de negocio</a:t>
-            </a:r>
-          </a:p>
-          <a:p>
-            <a:r>
-              <a:rPr lang="es-CO" dirty="0"/>
-              <a:t>Aprendizajes</a:t>
-            </a:r>
-          </a:p>
-          <a:p>
-            <a:r>
-              <a:rPr lang="es-CO" dirty="0"/>
-              <a:t>Resultados</a:t>
-            </a:r>
+          <a:bodyPr vert="horz" lIns="91440" tIns="45720" rIns="91440" bIns="45720" rtlCol="0">
+            <a:noAutofit/>
+          </a:bodyPr>
+          <a:lstStyle>
+            <a:lvl1pPr marL="228600" indent="-228600" algn="l" defTabSz="914400" rtl="0" eaLnBrk="1" latinLnBrk="0" hangingPunct="1">
+              <a:lnSpc>
+                <a:spcPct val="90000"/>
+              </a:lnSpc>
+              <a:spcBef>
+                <a:spcPts val="1000"/>
+              </a:spcBef>
+              <a:buFont typeface="Arial" panose="020B0604020202020204" pitchFamily="34" charset="0"/>
+              <a:buChar char="•"/>
+              <a:defRPr sz="2800" kern="1200">
+                <a:solidFill>
+                  <a:schemeClr val="tx1"/>
+                </a:solidFill>
+                <a:latin typeface="+mn-lt"/>
+                <a:ea typeface="+mn-ea"/>
+                <a:cs typeface="+mn-cs"/>
+              </a:defRPr>
+            </a:lvl1pPr>
+            <a:lvl2pPr marL="685800" indent="-228600" algn="l" defTabSz="914400" rtl="0" eaLnBrk="1" latinLnBrk="0" hangingPunct="1">
+              <a:lnSpc>
+                <a:spcPct val="90000"/>
+              </a:lnSpc>
+              <a:spcBef>
+                <a:spcPts val="500"/>
+              </a:spcBef>
+              <a:buFont typeface="Arial" panose="020B0604020202020204" pitchFamily="34" charset="0"/>
+              <a:buChar char="•"/>
+              <a:defRPr sz="2400" kern="1200">
+                <a:solidFill>
+                  <a:schemeClr val="tx1"/>
+                </a:solidFill>
+                <a:latin typeface="+mn-lt"/>
+                <a:ea typeface="+mn-ea"/>
+                <a:cs typeface="+mn-cs"/>
+              </a:defRPr>
+            </a:lvl2pPr>
+            <a:lvl3pPr marL="1143000" indent="-228600" algn="l" defTabSz="914400" rtl="0" eaLnBrk="1" latinLnBrk="0" hangingPunct="1">
+              <a:lnSpc>
+                <a:spcPct val="90000"/>
+              </a:lnSpc>
+              <a:spcBef>
+                <a:spcPts val="500"/>
+              </a:spcBef>
+              <a:buFont typeface="Arial" panose="020B0604020202020204" pitchFamily="34" charset="0"/>
+              <a:buChar char="•"/>
+              <a:defRPr sz="2000" kern="1200">
+                <a:solidFill>
+                  <a:schemeClr val="tx1"/>
+                </a:solidFill>
+                <a:latin typeface="+mn-lt"/>
+                <a:ea typeface="+mn-ea"/>
+                <a:cs typeface="+mn-cs"/>
+              </a:defRPr>
+            </a:lvl3pPr>
+            <a:lvl4pPr marL="1600200" indent="-228600" algn="l" defTabSz="914400" rtl="0" eaLnBrk="1" latinLnBrk="0" hangingPunct="1">
+              <a:lnSpc>
+                <a:spcPct val="90000"/>
+              </a:lnSpc>
+              <a:spcBef>
+                <a:spcPts val="500"/>
+              </a:spcBef>
+              <a:buFont typeface="Arial" panose="020B0604020202020204" pitchFamily="34" charset="0"/>
+              <a:buChar char="•"/>
+              <a:defRPr sz="1800" kern="1200">
+                <a:solidFill>
+                  <a:schemeClr val="tx1"/>
+                </a:solidFill>
+                <a:latin typeface="+mn-lt"/>
+                <a:ea typeface="+mn-ea"/>
+                <a:cs typeface="+mn-cs"/>
+              </a:defRPr>
+            </a:lvl4pPr>
+            <a:lvl5pPr marL="2057400" indent="-228600" algn="l" defTabSz="914400" rtl="0" eaLnBrk="1" latinLnBrk="0" hangingPunct="1">
+              <a:lnSpc>
+                <a:spcPct val="90000"/>
+              </a:lnSpc>
+              <a:spcBef>
+                <a:spcPts val="500"/>
+              </a:spcBef>
+              <a:buFont typeface="Arial" panose="020B0604020202020204" pitchFamily="34" charset="0"/>
+              <a:buChar char="•"/>
+              <a:defRPr sz="1800" kern="1200">
+                <a:solidFill>
+                  <a:schemeClr val="tx1"/>
+                </a:solidFill>
+                <a:latin typeface="+mn-lt"/>
+                <a:ea typeface="+mn-ea"/>
+                <a:cs typeface="+mn-cs"/>
+              </a:defRPr>
+            </a:lvl5pPr>
+            <a:lvl6pPr marL="2514600" indent="-228600" algn="l" defTabSz="914400" rtl="0" eaLnBrk="1" latinLnBrk="0" hangingPunct="1">
+              <a:lnSpc>
+                <a:spcPct val="90000"/>
+              </a:lnSpc>
+              <a:spcBef>
+                <a:spcPts val="500"/>
+              </a:spcBef>
+              <a:buFont typeface="Arial" panose="020B0604020202020204" pitchFamily="34" charset="0"/>
+              <a:buChar char="•"/>
+              <a:defRPr sz="1800" kern="1200">
+                <a:solidFill>
+                  <a:schemeClr val="tx1"/>
+                </a:solidFill>
+                <a:latin typeface="+mn-lt"/>
+                <a:ea typeface="+mn-ea"/>
+                <a:cs typeface="+mn-cs"/>
+              </a:defRPr>
+            </a:lvl6pPr>
+            <a:lvl7pPr marL="2971800" indent="-228600" algn="l" defTabSz="914400" rtl="0" eaLnBrk="1" latinLnBrk="0" hangingPunct="1">
+              <a:lnSpc>
+                <a:spcPct val="90000"/>
+              </a:lnSpc>
+              <a:spcBef>
+                <a:spcPts val="500"/>
+              </a:spcBef>
+              <a:buFont typeface="Arial" panose="020B0604020202020204" pitchFamily="34" charset="0"/>
+              <a:buChar char="•"/>
+              <a:defRPr sz="1800" kern="1200">
+                <a:solidFill>
+                  <a:schemeClr val="tx1"/>
+                </a:solidFill>
+                <a:latin typeface="+mn-lt"/>
+                <a:ea typeface="+mn-ea"/>
+                <a:cs typeface="+mn-cs"/>
+              </a:defRPr>
+            </a:lvl7pPr>
+            <a:lvl8pPr marL="3429000" indent="-228600" algn="l" defTabSz="914400" rtl="0" eaLnBrk="1" latinLnBrk="0" hangingPunct="1">
+              <a:lnSpc>
+                <a:spcPct val="90000"/>
+              </a:lnSpc>
+              <a:spcBef>
+                <a:spcPts val="500"/>
+              </a:spcBef>
+              <a:buFont typeface="Arial" panose="020B0604020202020204" pitchFamily="34" charset="0"/>
+              <a:buChar char="•"/>
+              <a:defRPr sz="1800" kern="1200">
+                <a:solidFill>
+                  <a:schemeClr val="tx1"/>
+                </a:solidFill>
+                <a:latin typeface="+mn-lt"/>
+                <a:ea typeface="+mn-ea"/>
+                <a:cs typeface="+mn-cs"/>
+              </a:defRPr>
+            </a:lvl8pPr>
+            <a:lvl9pPr marL="3886200" indent="-228600" algn="l" defTabSz="914400" rtl="0" eaLnBrk="1" latinLnBrk="0" hangingPunct="1">
+              <a:lnSpc>
+                <a:spcPct val="90000"/>
+              </a:lnSpc>
+              <a:spcBef>
+                <a:spcPts val="500"/>
+              </a:spcBef>
+              <a:buFont typeface="Arial" panose="020B0604020202020204" pitchFamily="34" charset="0"/>
+              <a:buChar char="•"/>
+              <a:defRPr sz="1800" kern="1200">
+                <a:solidFill>
+                  <a:schemeClr val="tx1"/>
+                </a:solidFill>
+                <a:latin typeface="+mn-lt"/>
+                <a:ea typeface="+mn-ea"/>
+                <a:cs typeface="+mn-cs"/>
+              </a:defRPr>
+            </a:lvl9pPr>
+          </a:lstStyle>
+          <a:p>
+            <a:pPr marL="0" indent="0" algn="just">
+              <a:buNone/>
+            </a:pPr>
+            <a:r>
+              <a:rPr lang="es-CO" sz="1800" dirty="0" err="1">
+                <a:solidFill>
+                  <a:srgbClr val="020D43"/>
+                </a:solidFill>
+                <a:latin typeface="Nunito" pitchFamily="2" charset="0"/>
+              </a:rPr>
+              <a:t>BERTopic</a:t>
+            </a:r>
+            <a:r>
+              <a:rPr lang="es-CO" sz="1800" dirty="0">
+                <a:solidFill>
+                  <a:srgbClr val="020D43"/>
+                </a:solidFill>
+                <a:latin typeface="Nunito" pitchFamily="2" charset="0"/>
+              </a:rPr>
+              <a:t>: redes neuronales (</a:t>
+            </a:r>
+            <a:r>
+              <a:rPr lang="es-CO" sz="1800" dirty="0" err="1">
+                <a:solidFill>
+                  <a:srgbClr val="020D43"/>
+                </a:solidFill>
+                <a:latin typeface="Nunito" pitchFamily="2" charset="0"/>
+              </a:rPr>
+              <a:t>transformers</a:t>
+            </a:r>
+            <a:r>
+              <a:rPr lang="es-CO" sz="1800" dirty="0">
+                <a:solidFill>
+                  <a:srgbClr val="020D43"/>
+                </a:solidFill>
+                <a:latin typeface="Nunito" pitchFamily="2" charset="0"/>
+              </a:rPr>
+              <a:t>)</a:t>
+            </a:r>
+          </a:p>
+        </p:txBody>
+      </p:sp>
+      <p:sp>
+        <p:nvSpPr>
+          <p:cNvPr id="31" name="Content Placeholder 2">
+            <a:extLst>
+              <a:ext uri="{FF2B5EF4-FFF2-40B4-BE49-F238E27FC236}">
+                <a16:creationId xmlns:a16="http://schemas.microsoft.com/office/drawing/2014/main" id="{9349CBA8-7CF2-E3C2-784E-C72316AF9BC3}"/>
+              </a:ext>
+            </a:extLst>
+          </p:cNvPr>
+          <p:cNvSpPr txBox="1">
+            <a:spLocks/>
+          </p:cNvSpPr>
+          <p:nvPr/>
+        </p:nvSpPr>
+        <p:spPr>
+          <a:xfrm>
+            <a:off x="911097" y="5095601"/>
+            <a:ext cx="10214256" cy="416093"/>
+          </a:xfrm>
+          <a:prstGeom prst="rect">
+            <a:avLst/>
+          </a:prstGeom>
+        </p:spPr>
+        <p:txBody>
+          <a:bodyPr vert="horz" lIns="91440" tIns="45720" rIns="91440" bIns="45720" rtlCol="0">
+            <a:noAutofit/>
+          </a:bodyPr>
+          <a:lstStyle>
+            <a:lvl1pPr marL="228600" indent="-228600" algn="l" defTabSz="914400" rtl="0" eaLnBrk="1" latinLnBrk="0" hangingPunct="1">
+              <a:lnSpc>
+                <a:spcPct val="90000"/>
+              </a:lnSpc>
+              <a:spcBef>
+                <a:spcPts val="1000"/>
+              </a:spcBef>
+              <a:buFont typeface="Arial" panose="020B0604020202020204" pitchFamily="34" charset="0"/>
+              <a:buChar char="•"/>
+              <a:defRPr sz="2800" kern="1200">
+                <a:solidFill>
+                  <a:schemeClr val="tx1"/>
+                </a:solidFill>
+                <a:latin typeface="+mn-lt"/>
+                <a:ea typeface="+mn-ea"/>
+                <a:cs typeface="+mn-cs"/>
+              </a:defRPr>
+            </a:lvl1pPr>
+            <a:lvl2pPr marL="685800" indent="-228600" algn="l" defTabSz="914400" rtl="0" eaLnBrk="1" latinLnBrk="0" hangingPunct="1">
+              <a:lnSpc>
+                <a:spcPct val="90000"/>
+              </a:lnSpc>
+              <a:spcBef>
+                <a:spcPts val="500"/>
+              </a:spcBef>
+              <a:buFont typeface="Arial" panose="020B0604020202020204" pitchFamily="34" charset="0"/>
+              <a:buChar char="•"/>
+              <a:defRPr sz="2400" kern="1200">
+                <a:solidFill>
+                  <a:schemeClr val="tx1"/>
+                </a:solidFill>
+                <a:latin typeface="+mn-lt"/>
+                <a:ea typeface="+mn-ea"/>
+                <a:cs typeface="+mn-cs"/>
+              </a:defRPr>
+            </a:lvl2pPr>
+            <a:lvl3pPr marL="1143000" indent="-228600" algn="l" defTabSz="914400" rtl="0" eaLnBrk="1" latinLnBrk="0" hangingPunct="1">
+              <a:lnSpc>
+                <a:spcPct val="90000"/>
+              </a:lnSpc>
+              <a:spcBef>
+                <a:spcPts val="500"/>
+              </a:spcBef>
+              <a:buFont typeface="Arial" panose="020B0604020202020204" pitchFamily="34" charset="0"/>
+              <a:buChar char="•"/>
+              <a:defRPr sz="2000" kern="1200">
+                <a:solidFill>
+                  <a:schemeClr val="tx1"/>
+                </a:solidFill>
+                <a:latin typeface="+mn-lt"/>
+                <a:ea typeface="+mn-ea"/>
+                <a:cs typeface="+mn-cs"/>
+              </a:defRPr>
+            </a:lvl3pPr>
+            <a:lvl4pPr marL="1600200" indent="-228600" algn="l" defTabSz="914400" rtl="0" eaLnBrk="1" latinLnBrk="0" hangingPunct="1">
+              <a:lnSpc>
+                <a:spcPct val="90000"/>
+              </a:lnSpc>
+              <a:spcBef>
+                <a:spcPts val="500"/>
+              </a:spcBef>
+              <a:buFont typeface="Arial" panose="020B0604020202020204" pitchFamily="34" charset="0"/>
+              <a:buChar char="•"/>
+              <a:defRPr sz="1800" kern="1200">
+                <a:solidFill>
+                  <a:schemeClr val="tx1"/>
+                </a:solidFill>
+                <a:latin typeface="+mn-lt"/>
+                <a:ea typeface="+mn-ea"/>
+                <a:cs typeface="+mn-cs"/>
+              </a:defRPr>
+            </a:lvl4pPr>
+            <a:lvl5pPr marL="2057400" indent="-228600" algn="l" defTabSz="914400" rtl="0" eaLnBrk="1" latinLnBrk="0" hangingPunct="1">
+              <a:lnSpc>
+                <a:spcPct val="90000"/>
+              </a:lnSpc>
+              <a:spcBef>
+                <a:spcPts val="500"/>
+              </a:spcBef>
+              <a:buFont typeface="Arial" panose="020B0604020202020204" pitchFamily="34" charset="0"/>
+              <a:buChar char="•"/>
+              <a:defRPr sz="1800" kern="1200">
+                <a:solidFill>
+                  <a:schemeClr val="tx1"/>
+                </a:solidFill>
+                <a:latin typeface="+mn-lt"/>
+                <a:ea typeface="+mn-ea"/>
+                <a:cs typeface="+mn-cs"/>
+              </a:defRPr>
+            </a:lvl5pPr>
+            <a:lvl6pPr marL="2514600" indent="-228600" algn="l" defTabSz="914400" rtl="0" eaLnBrk="1" latinLnBrk="0" hangingPunct="1">
+              <a:lnSpc>
+                <a:spcPct val="90000"/>
+              </a:lnSpc>
+              <a:spcBef>
+                <a:spcPts val="500"/>
+              </a:spcBef>
+              <a:buFont typeface="Arial" panose="020B0604020202020204" pitchFamily="34" charset="0"/>
+              <a:buChar char="•"/>
+              <a:defRPr sz="1800" kern="1200">
+                <a:solidFill>
+                  <a:schemeClr val="tx1"/>
+                </a:solidFill>
+                <a:latin typeface="+mn-lt"/>
+                <a:ea typeface="+mn-ea"/>
+                <a:cs typeface="+mn-cs"/>
+              </a:defRPr>
+            </a:lvl6pPr>
+            <a:lvl7pPr marL="2971800" indent="-228600" algn="l" defTabSz="914400" rtl="0" eaLnBrk="1" latinLnBrk="0" hangingPunct="1">
+              <a:lnSpc>
+                <a:spcPct val="90000"/>
+              </a:lnSpc>
+              <a:spcBef>
+                <a:spcPts val="500"/>
+              </a:spcBef>
+              <a:buFont typeface="Arial" panose="020B0604020202020204" pitchFamily="34" charset="0"/>
+              <a:buChar char="•"/>
+              <a:defRPr sz="1800" kern="1200">
+                <a:solidFill>
+                  <a:schemeClr val="tx1"/>
+                </a:solidFill>
+                <a:latin typeface="+mn-lt"/>
+                <a:ea typeface="+mn-ea"/>
+                <a:cs typeface="+mn-cs"/>
+              </a:defRPr>
+            </a:lvl7pPr>
+            <a:lvl8pPr marL="3429000" indent="-228600" algn="l" defTabSz="914400" rtl="0" eaLnBrk="1" latinLnBrk="0" hangingPunct="1">
+              <a:lnSpc>
+                <a:spcPct val="90000"/>
+              </a:lnSpc>
+              <a:spcBef>
+                <a:spcPts val="500"/>
+              </a:spcBef>
+              <a:buFont typeface="Arial" panose="020B0604020202020204" pitchFamily="34" charset="0"/>
+              <a:buChar char="•"/>
+              <a:defRPr sz="1800" kern="1200">
+                <a:solidFill>
+                  <a:schemeClr val="tx1"/>
+                </a:solidFill>
+                <a:latin typeface="+mn-lt"/>
+                <a:ea typeface="+mn-ea"/>
+                <a:cs typeface="+mn-cs"/>
+              </a:defRPr>
+            </a:lvl8pPr>
+            <a:lvl9pPr marL="3886200" indent="-228600" algn="l" defTabSz="914400" rtl="0" eaLnBrk="1" latinLnBrk="0" hangingPunct="1">
+              <a:lnSpc>
+                <a:spcPct val="90000"/>
+              </a:lnSpc>
+              <a:spcBef>
+                <a:spcPts val="500"/>
+              </a:spcBef>
+              <a:buFont typeface="Arial" panose="020B0604020202020204" pitchFamily="34" charset="0"/>
+              <a:buChar char="•"/>
+              <a:defRPr sz="1800" kern="1200">
+                <a:solidFill>
+                  <a:schemeClr val="tx1"/>
+                </a:solidFill>
+                <a:latin typeface="+mn-lt"/>
+                <a:ea typeface="+mn-ea"/>
+                <a:cs typeface="+mn-cs"/>
+              </a:defRPr>
+            </a:lvl9pPr>
+          </a:lstStyle>
+          <a:p>
+            <a:pPr marL="0" indent="0" algn="just">
+              <a:buNone/>
+            </a:pPr>
+            <a:r>
+              <a:rPr lang="es-CO" sz="1800" dirty="0">
+                <a:solidFill>
+                  <a:srgbClr val="020D43"/>
+                </a:solidFill>
+                <a:latin typeface="Nunito" pitchFamily="2" charset="0"/>
+              </a:rPr>
+              <a:t>Se identifican 180 “tópicos” distintos, cada uno descrito por 10 temas o palabras, de todas estas palabras las que  aparecen con mayor frecuencia son </a:t>
+            </a:r>
+            <a:r>
+              <a:rPr lang="es-CO" sz="1800" i="1" dirty="0">
+                <a:solidFill>
+                  <a:srgbClr val="26E5CE"/>
+                </a:solidFill>
+                <a:latin typeface="Nunito" pitchFamily="2" charset="0"/>
+              </a:rPr>
+              <a:t>comida, servicio, rico, excelente y lugar</a:t>
+            </a:r>
+          </a:p>
+        </p:txBody>
+      </p:sp>
+      <p:sp>
+        <p:nvSpPr>
+          <p:cNvPr id="32" name="Content Placeholder 2">
+            <a:extLst>
+              <a:ext uri="{FF2B5EF4-FFF2-40B4-BE49-F238E27FC236}">
+                <a16:creationId xmlns:a16="http://schemas.microsoft.com/office/drawing/2014/main" id="{D75A8C9A-EF13-F275-4026-508AA9147FC1}"/>
+              </a:ext>
+            </a:extLst>
+          </p:cNvPr>
+          <p:cNvSpPr txBox="1">
+            <a:spLocks/>
+          </p:cNvSpPr>
+          <p:nvPr/>
+        </p:nvSpPr>
+        <p:spPr>
+          <a:xfrm>
+            <a:off x="10027895" y="2337206"/>
+            <a:ext cx="2043815" cy="416093"/>
+          </a:xfrm>
+          <a:prstGeom prst="rect">
+            <a:avLst/>
+          </a:prstGeom>
+        </p:spPr>
+        <p:txBody>
+          <a:bodyPr vert="horz" lIns="91440" tIns="45720" rIns="91440" bIns="45720" rtlCol="0">
+            <a:noAutofit/>
+          </a:bodyPr>
+          <a:lstStyle>
+            <a:lvl1pPr marL="228600" indent="-228600" algn="l" defTabSz="914400" rtl="0" eaLnBrk="1" latinLnBrk="0" hangingPunct="1">
+              <a:lnSpc>
+                <a:spcPct val="90000"/>
+              </a:lnSpc>
+              <a:spcBef>
+                <a:spcPts val="1000"/>
+              </a:spcBef>
+              <a:buFont typeface="Arial" panose="020B0604020202020204" pitchFamily="34" charset="0"/>
+              <a:buChar char="•"/>
+              <a:defRPr sz="2800" kern="1200">
+                <a:solidFill>
+                  <a:schemeClr val="tx1"/>
+                </a:solidFill>
+                <a:latin typeface="+mn-lt"/>
+                <a:ea typeface="+mn-ea"/>
+                <a:cs typeface="+mn-cs"/>
+              </a:defRPr>
+            </a:lvl1pPr>
+            <a:lvl2pPr marL="685800" indent="-228600" algn="l" defTabSz="914400" rtl="0" eaLnBrk="1" latinLnBrk="0" hangingPunct="1">
+              <a:lnSpc>
+                <a:spcPct val="90000"/>
+              </a:lnSpc>
+              <a:spcBef>
+                <a:spcPts val="500"/>
+              </a:spcBef>
+              <a:buFont typeface="Arial" panose="020B0604020202020204" pitchFamily="34" charset="0"/>
+              <a:buChar char="•"/>
+              <a:defRPr sz="2400" kern="1200">
+                <a:solidFill>
+                  <a:schemeClr val="tx1"/>
+                </a:solidFill>
+                <a:latin typeface="+mn-lt"/>
+                <a:ea typeface="+mn-ea"/>
+                <a:cs typeface="+mn-cs"/>
+              </a:defRPr>
+            </a:lvl2pPr>
+            <a:lvl3pPr marL="1143000" indent="-228600" algn="l" defTabSz="914400" rtl="0" eaLnBrk="1" latinLnBrk="0" hangingPunct="1">
+              <a:lnSpc>
+                <a:spcPct val="90000"/>
+              </a:lnSpc>
+              <a:spcBef>
+                <a:spcPts val="500"/>
+              </a:spcBef>
+              <a:buFont typeface="Arial" panose="020B0604020202020204" pitchFamily="34" charset="0"/>
+              <a:buChar char="•"/>
+              <a:defRPr sz="2000" kern="1200">
+                <a:solidFill>
+                  <a:schemeClr val="tx1"/>
+                </a:solidFill>
+                <a:latin typeface="+mn-lt"/>
+                <a:ea typeface="+mn-ea"/>
+                <a:cs typeface="+mn-cs"/>
+              </a:defRPr>
+            </a:lvl3pPr>
+            <a:lvl4pPr marL="1600200" indent="-228600" algn="l" defTabSz="914400" rtl="0" eaLnBrk="1" latinLnBrk="0" hangingPunct="1">
+              <a:lnSpc>
+                <a:spcPct val="90000"/>
+              </a:lnSpc>
+              <a:spcBef>
+                <a:spcPts val="500"/>
+              </a:spcBef>
+              <a:buFont typeface="Arial" panose="020B0604020202020204" pitchFamily="34" charset="0"/>
+              <a:buChar char="•"/>
+              <a:defRPr sz="1800" kern="1200">
+                <a:solidFill>
+                  <a:schemeClr val="tx1"/>
+                </a:solidFill>
+                <a:latin typeface="+mn-lt"/>
+                <a:ea typeface="+mn-ea"/>
+                <a:cs typeface="+mn-cs"/>
+              </a:defRPr>
+            </a:lvl4pPr>
+            <a:lvl5pPr marL="2057400" indent="-228600" algn="l" defTabSz="914400" rtl="0" eaLnBrk="1" latinLnBrk="0" hangingPunct="1">
+              <a:lnSpc>
+                <a:spcPct val="90000"/>
+              </a:lnSpc>
+              <a:spcBef>
+                <a:spcPts val="500"/>
+              </a:spcBef>
+              <a:buFont typeface="Arial" panose="020B0604020202020204" pitchFamily="34" charset="0"/>
+              <a:buChar char="•"/>
+              <a:defRPr sz="1800" kern="1200">
+                <a:solidFill>
+                  <a:schemeClr val="tx1"/>
+                </a:solidFill>
+                <a:latin typeface="+mn-lt"/>
+                <a:ea typeface="+mn-ea"/>
+                <a:cs typeface="+mn-cs"/>
+              </a:defRPr>
+            </a:lvl5pPr>
+            <a:lvl6pPr marL="2514600" indent="-228600" algn="l" defTabSz="914400" rtl="0" eaLnBrk="1" latinLnBrk="0" hangingPunct="1">
+              <a:lnSpc>
+                <a:spcPct val="90000"/>
+              </a:lnSpc>
+              <a:spcBef>
+                <a:spcPts val="500"/>
+              </a:spcBef>
+              <a:buFont typeface="Arial" panose="020B0604020202020204" pitchFamily="34" charset="0"/>
+              <a:buChar char="•"/>
+              <a:defRPr sz="1800" kern="1200">
+                <a:solidFill>
+                  <a:schemeClr val="tx1"/>
+                </a:solidFill>
+                <a:latin typeface="+mn-lt"/>
+                <a:ea typeface="+mn-ea"/>
+                <a:cs typeface="+mn-cs"/>
+              </a:defRPr>
+            </a:lvl6pPr>
+            <a:lvl7pPr marL="2971800" indent="-228600" algn="l" defTabSz="914400" rtl="0" eaLnBrk="1" latinLnBrk="0" hangingPunct="1">
+              <a:lnSpc>
+                <a:spcPct val="90000"/>
+              </a:lnSpc>
+              <a:spcBef>
+                <a:spcPts val="500"/>
+              </a:spcBef>
+              <a:buFont typeface="Arial" panose="020B0604020202020204" pitchFamily="34" charset="0"/>
+              <a:buChar char="•"/>
+              <a:defRPr sz="1800" kern="1200">
+                <a:solidFill>
+                  <a:schemeClr val="tx1"/>
+                </a:solidFill>
+                <a:latin typeface="+mn-lt"/>
+                <a:ea typeface="+mn-ea"/>
+                <a:cs typeface="+mn-cs"/>
+              </a:defRPr>
+            </a:lvl7pPr>
+            <a:lvl8pPr marL="3429000" indent="-228600" algn="l" defTabSz="914400" rtl="0" eaLnBrk="1" latinLnBrk="0" hangingPunct="1">
+              <a:lnSpc>
+                <a:spcPct val="90000"/>
+              </a:lnSpc>
+              <a:spcBef>
+                <a:spcPts val="500"/>
+              </a:spcBef>
+              <a:buFont typeface="Arial" panose="020B0604020202020204" pitchFamily="34" charset="0"/>
+              <a:buChar char="•"/>
+              <a:defRPr sz="1800" kern="1200">
+                <a:solidFill>
+                  <a:schemeClr val="tx1"/>
+                </a:solidFill>
+                <a:latin typeface="+mn-lt"/>
+                <a:ea typeface="+mn-ea"/>
+                <a:cs typeface="+mn-cs"/>
+              </a:defRPr>
+            </a:lvl8pPr>
+            <a:lvl9pPr marL="3886200" indent="-228600" algn="l" defTabSz="914400" rtl="0" eaLnBrk="1" latinLnBrk="0" hangingPunct="1">
+              <a:lnSpc>
+                <a:spcPct val="90000"/>
+              </a:lnSpc>
+              <a:spcBef>
+                <a:spcPts val="500"/>
+              </a:spcBef>
+              <a:buFont typeface="Arial" panose="020B0604020202020204" pitchFamily="34" charset="0"/>
+              <a:buChar char="•"/>
+              <a:defRPr sz="1800" kern="1200">
+                <a:solidFill>
+                  <a:schemeClr val="tx1"/>
+                </a:solidFill>
+                <a:latin typeface="+mn-lt"/>
+                <a:ea typeface="+mn-ea"/>
+                <a:cs typeface="+mn-cs"/>
+              </a:defRPr>
+            </a:lvl9pPr>
+          </a:lstStyle>
+          <a:p>
+            <a:pPr marL="0" indent="0" algn="just">
+              <a:buNone/>
+            </a:pPr>
+            <a:r>
+              <a:rPr lang="es-CO" sz="1800" dirty="0">
+                <a:solidFill>
+                  <a:srgbClr val="020D43"/>
+                </a:solidFill>
+                <a:latin typeface="Nunito" pitchFamily="2" charset="0"/>
+              </a:rPr>
+              <a:t>Más frecuentes</a:t>
+            </a:r>
+            <a:endParaRPr lang="es-CO" sz="1800" i="1" dirty="0">
+              <a:solidFill>
+                <a:srgbClr val="26E5CE"/>
+              </a:solidFill>
+              <a:latin typeface="Nunito" pitchFamily="2" charset="0"/>
+            </a:endParaRPr>
           </a:p>
         </p:txBody>
       </p:sp>
     </p:spTree>
     <p:extLst>
       <p:ext uri="{BB962C8B-B14F-4D97-AF65-F5344CB8AC3E}">
-        <p14:creationId xmlns:p14="http://schemas.microsoft.com/office/powerpoint/2010/main" val="4154701672"/>
+        <p14:creationId xmlns:p14="http://schemas.microsoft.com/office/powerpoint/2010/main" val="3610185606"/>
       </p:ext>
     </p:extLst>
   </p:cSld>
